--- a/courses/cse545/slides/05-vulns-1.pptx
+++ b/courses/cse545/slides/05-vulns-1.pptx
@@ -5,50 +5,51 @@
     <p:sldMasterId id="2147483660" r:id="rId1"/>
   </p:sldMasterIdLst>
   <p:notesMasterIdLst>
-    <p:notesMasterId r:id="rId43"/>
+    <p:notesMasterId r:id="rId44"/>
   </p:notesMasterIdLst>
   <p:sldIdLst>
     <p:sldId id="257" r:id="rId2"/>
-    <p:sldId id="401" r:id="rId3"/>
-    <p:sldId id="400" r:id="rId4"/>
-    <p:sldId id="406" r:id="rId5"/>
-    <p:sldId id="402" r:id="rId6"/>
-    <p:sldId id="407" r:id="rId7"/>
-    <p:sldId id="408" r:id="rId8"/>
-    <p:sldId id="409" r:id="rId9"/>
-    <p:sldId id="403" r:id="rId10"/>
-    <p:sldId id="410" r:id="rId11"/>
-    <p:sldId id="411" r:id="rId12"/>
-    <p:sldId id="412" r:id="rId13"/>
-    <p:sldId id="413" r:id="rId14"/>
-    <p:sldId id="414" r:id="rId15"/>
-    <p:sldId id="415" r:id="rId16"/>
-    <p:sldId id="418" r:id="rId17"/>
-    <p:sldId id="416" r:id="rId18"/>
-    <p:sldId id="404" r:id="rId19"/>
-    <p:sldId id="429" r:id="rId20"/>
-    <p:sldId id="422" r:id="rId21"/>
-    <p:sldId id="420" r:id="rId22"/>
-    <p:sldId id="423" r:id="rId23"/>
-    <p:sldId id="424" r:id="rId24"/>
-    <p:sldId id="426" r:id="rId25"/>
-    <p:sldId id="425" r:id="rId26"/>
-    <p:sldId id="405" r:id="rId27"/>
-    <p:sldId id="437" r:id="rId28"/>
-    <p:sldId id="438" r:id="rId29"/>
-    <p:sldId id="439" r:id="rId30"/>
-    <p:sldId id="440" r:id="rId31"/>
-    <p:sldId id="441" r:id="rId32"/>
-    <p:sldId id="443" r:id="rId33"/>
-    <p:sldId id="445" r:id="rId34"/>
-    <p:sldId id="446" r:id="rId35"/>
-    <p:sldId id="447" r:id="rId36"/>
-    <p:sldId id="427" r:id="rId37"/>
-    <p:sldId id="448" r:id="rId38"/>
-    <p:sldId id="449" r:id="rId39"/>
-    <p:sldId id="450" r:id="rId40"/>
-    <p:sldId id="451" r:id="rId41"/>
-    <p:sldId id="454" r:id="rId42"/>
+    <p:sldId id="455" r:id="rId3"/>
+    <p:sldId id="401" r:id="rId4"/>
+    <p:sldId id="400" r:id="rId5"/>
+    <p:sldId id="406" r:id="rId6"/>
+    <p:sldId id="402" r:id="rId7"/>
+    <p:sldId id="407" r:id="rId8"/>
+    <p:sldId id="408" r:id="rId9"/>
+    <p:sldId id="409" r:id="rId10"/>
+    <p:sldId id="403" r:id="rId11"/>
+    <p:sldId id="410" r:id="rId12"/>
+    <p:sldId id="411" r:id="rId13"/>
+    <p:sldId id="412" r:id="rId14"/>
+    <p:sldId id="413" r:id="rId15"/>
+    <p:sldId id="414" r:id="rId16"/>
+    <p:sldId id="415" r:id="rId17"/>
+    <p:sldId id="418" r:id="rId18"/>
+    <p:sldId id="416" r:id="rId19"/>
+    <p:sldId id="404" r:id="rId20"/>
+    <p:sldId id="429" r:id="rId21"/>
+    <p:sldId id="422" r:id="rId22"/>
+    <p:sldId id="420" r:id="rId23"/>
+    <p:sldId id="423" r:id="rId24"/>
+    <p:sldId id="424" r:id="rId25"/>
+    <p:sldId id="426" r:id="rId26"/>
+    <p:sldId id="425" r:id="rId27"/>
+    <p:sldId id="405" r:id="rId28"/>
+    <p:sldId id="437" r:id="rId29"/>
+    <p:sldId id="438" r:id="rId30"/>
+    <p:sldId id="439" r:id="rId31"/>
+    <p:sldId id="440" r:id="rId32"/>
+    <p:sldId id="441" r:id="rId33"/>
+    <p:sldId id="443" r:id="rId34"/>
+    <p:sldId id="445" r:id="rId35"/>
+    <p:sldId id="446" r:id="rId36"/>
+    <p:sldId id="447" r:id="rId37"/>
+    <p:sldId id="427" r:id="rId38"/>
+    <p:sldId id="448" r:id="rId39"/>
+    <p:sldId id="449" r:id="rId40"/>
+    <p:sldId id="450" r:id="rId41"/>
+    <p:sldId id="451" r:id="rId42"/>
+    <p:sldId id="454" r:id="rId43"/>
   </p:sldIdLst>
   <p:sldSz cx="12192000" cy="6858000"/>
   <p:notesSz cx="6858000" cy="9144000"/>
@@ -371,7 +372,7 @@
           <a:p>
             <a:fld id="{F3AB0295-79D2-9643-8380-6C60B57E0778}" type="datetimeFigureOut">
               <a:rPr lang="en-US" smtClean="0"/>
-              <a:t>9/12/20</a:t>
+              <a:t>9/17/20</a:t>
             </a:fld>
             <a:endParaRPr lang="en-US"/>
           </a:p>
@@ -831,7 +832,7 @@
           <a:p>
             <a:fld id="{F88513B2-5834-7F44-92C6-32D9C72F6072}" type="slidenum">
               <a:rPr lang="en-US" smtClean="0"/>
-              <a:t>5</a:t>
+              <a:t>1</a:t>
             </a:fld>
             <a:endParaRPr lang="en-US"/>
           </a:p>
@@ -840,7 +841,7 @@
     </p:spTree>
     <p:extLst>
       <p:ext uri="{BB962C8B-B14F-4D97-AF65-F5344CB8AC3E}">
-        <p14:creationId xmlns:p14="http://schemas.microsoft.com/office/powerpoint/2010/main" val="3923506284"/>
+        <p14:creationId xmlns:p14="http://schemas.microsoft.com/office/powerpoint/2010/main" val="3705470640"/>
       </p:ext>
     </p:extLst>
   </p:cSld>
@@ -915,7 +916,91 @@
           <a:p>
             <a:fld id="{F88513B2-5834-7F44-92C6-32D9C72F6072}" type="slidenum">
               <a:rPr lang="en-US" smtClean="0"/>
-              <a:t>13</a:t>
+              <a:t>6</a:t>
+            </a:fld>
+            <a:endParaRPr lang="en-US"/>
+          </a:p>
+        </p:txBody>
+      </p:sp>
+    </p:spTree>
+    <p:extLst>
+      <p:ext uri="{BB962C8B-B14F-4D97-AF65-F5344CB8AC3E}">
+        <p14:creationId xmlns:p14="http://schemas.microsoft.com/office/powerpoint/2010/main" val="3923506284"/>
+      </p:ext>
+    </p:extLst>
+  </p:cSld>
+  <p:clrMapOvr>
+    <a:masterClrMapping/>
+  </p:clrMapOvr>
+</p:notes>
+</file>
+
+<file path=ppt/notesSlides/notesSlide4.xml><?xml version="1.0" encoding="utf-8"?>
+<p:notes xmlns:a="http://schemas.openxmlformats.org/drawingml/2006/main" xmlns:r="http://schemas.openxmlformats.org/officeDocument/2006/relationships" xmlns:p="http://schemas.openxmlformats.org/presentationml/2006/main">
+  <p:cSld>
+    <p:spTree>
+      <p:nvGrpSpPr>
+        <p:cNvPr id="1" name=""/>
+        <p:cNvGrpSpPr/>
+        <p:nvPr/>
+      </p:nvGrpSpPr>
+      <p:grpSpPr>
+        <a:xfrm>
+          <a:off x="0" y="0"/>
+          <a:ext cx="0" cy="0"/>
+          <a:chOff x="0" y="0"/>
+          <a:chExt cx="0" cy="0"/>
+        </a:xfrm>
+      </p:grpSpPr>
+      <p:sp>
+        <p:nvSpPr>
+          <p:cNvPr id="2" name="Slide Image Placeholder 1"/>
+          <p:cNvSpPr>
+            <a:spLocks noGrp="1" noRot="1" noChangeAspect="1"/>
+          </p:cNvSpPr>
+          <p:nvPr>
+            <p:ph type="sldImg"/>
+          </p:nvPr>
+        </p:nvSpPr>
+        <p:spPr/>
+      </p:sp>
+      <p:sp>
+        <p:nvSpPr>
+          <p:cNvPr id="3" name="Notes Placeholder 2"/>
+          <p:cNvSpPr>
+            <a:spLocks noGrp="1"/>
+          </p:cNvSpPr>
+          <p:nvPr>
+            <p:ph type="body" idx="1"/>
+          </p:nvPr>
+        </p:nvSpPr>
+        <p:spPr/>
+        <p:txBody>
+          <a:bodyPr/>
+          <a:lstStyle/>
+          <a:p>
+            <a:endParaRPr lang="en-US" dirty="0"/>
+          </a:p>
+        </p:txBody>
+      </p:sp>
+      <p:sp>
+        <p:nvSpPr>
+          <p:cNvPr id="4" name="Slide Number Placeholder 3"/>
+          <p:cNvSpPr>
+            <a:spLocks noGrp="1"/>
+          </p:cNvSpPr>
+          <p:nvPr>
+            <p:ph type="sldNum" sz="quarter" idx="5"/>
+          </p:nvPr>
+        </p:nvSpPr>
+        <p:spPr/>
+        <p:txBody>
+          <a:bodyPr/>
+          <a:lstStyle/>
+          <a:p>
+            <a:fld id="{F88513B2-5834-7F44-92C6-32D9C72F6072}" type="slidenum">
+              <a:rPr lang="en-US" smtClean="0"/>
+              <a:t>14</a:t>
             </a:fld>
             <a:endParaRPr lang="en-US"/>
           </a:p>
@@ -6092,10 +6177,10 @@
       </p:grpSpPr>
       <p:sp>
         <p:nvSpPr>
-          <p:cNvPr id="4" name="Title 3">
+          <p:cNvPr id="2" name="Title 1">
             <a:extLst>
               <a:ext uri="{FF2B5EF4-FFF2-40B4-BE49-F238E27FC236}">
-                <a16:creationId xmlns:a16="http://schemas.microsoft.com/office/drawing/2014/main" id="{EFAAC37B-4C8E-0645-8AA4-44FB247B171A}"/>
+                <a16:creationId xmlns:a16="http://schemas.microsoft.com/office/drawing/2014/main" id="{141276A0-D3A4-EA4E-AC1D-6CEA002263C6}"/>
               </a:ext>
             </a:extLst>
           </p:cNvPr>
@@ -6103,17 +6188,22 @@
             <a:spLocks noGrp="1"/>
           </p:cNvSpPr>
           <p:nvPr>
-            <p:ph type="title"/>
+            <p:ph type="ctrTitle"/>
           </p:nvPr>
         </p:nvSpPr>
-        <p:spPr/>
+        <p:spPr>
+          <a:xfrm>
+            <a:off x="5217007" y="2212733"/>
+            <a:ext cx="5525520" cy="1546400"/>
+          </a:xfrm>
+        </p:spPr>
         <p:txBody>
           <a:bodyPr/>
           <a:lstStyle/>
           <a:p>
             <a:r>
               <a:rPr lang="en-US" dirty="0"/>
-              <a:t>Example</a:t>
+              <a:t>Command Line Injection</a:t>
             </a:r>
           </a:p>
         </p:txBody>
@@ -6123,7 +6213,7 @@
           <p:cNvPr id="3" name="Slide Number Placeholder 2">
             <a:extLst>
               <a:ext uri="{FF2B5EF4-FFF2-40B4-BE49-F238E27FC236}">
-                <a16:creationId xmlns:a16="http://schemas.microsoft.com/office/drawing/2014/main" id="{47D684C6-067D-BE4D-BE9A-9D8E5171BD23}"/>
+                <a16:creationId xmlns:a16="http://schemas.microsoft.com/office/drawing/2014/main" id="{08B17614-17AC-A745-87A4-6AD5C7189924}"/>
               </a:ext>
             </a:extLst>
           </p:cNvPr>
@@ -6147,254 +6237,10 @@
           </a:p>
         </p:txBody>
       </p:sp>
-      <p:sp>
-        <p:nvSpPr>
-          <p:cNvPr id="11" name="Rectangle 10">
-            <a:extLst>
-              <a:ext uri="{FF2B5EF4-FFF2-40B4-BE49-F238E27FC236}">
-                <a16:creationId xmlns:a16="http://schemas.microsoft.com/office/drawing/2014/main" id="{A1984E02-AB78-9748-9034-96BD64906E75}"/>
-              </a:ext>
-            </a:extLst>
-          </p:cNvPr>
-          <p:cNvSpPr/>
-          <p:nvPr/>
-        </p:nvSpPr>
-        <p:spPr>
-          <a:xfrm>
-            <a:off x="1688409" y="2057124"/>
-            <a:ext cx="7172561" cy="3380541"/>
-          </a:xfrm>
-          <a:prstGeom prst="rect">
-            <a:avLst/>
-          </a:prstGeom>
-        </p:spPr>
-        <p:txBody>
-          <a:bodyPr wrap="square">
-            <a:spAutoFit/>
-          </a:bodyPr>
-          <a:lstStyle/>
-          <a:p>
-            <a:pPr>
-              <a:lnSpc>
-                <a:spcPct val="150000"/>
-              </a:lnSpc>
-            </a:pPr>
-            <a:br>
-              <a:rPr lang="en-US" sz="1800" dirty="0">
-                <a:latin typeface="Courier" pitchFamily="2" charset="0"/>
-              </a:rPr>
-            </a:br>
-            <a:endParaRPr lang="en-US" sz="1800" dirty="0">
-              <a:latin typeface="Courier" pitchFamily="2" charset="0"/>
-            </a:endParaRPr>
-          </a:p>
-          <a:p>
-            <a:pPr>
-              <a:lnSpc>
-                <a:spcPct val="150000"/>
-              </a:lnSpc>
-            </a:pPr>
-            <a:r>
-              <a:rPr lang="en-US" sz="1800" dirty="0">
-                <a:solidFill>
-                  <a:srgbClr val="B00040"/>
-                </a:solidFill>
-                <a:latin typeface="Courier" pitchFamily="2" charset="0"/>
-              </a:rPr>
-              <a:t>void</a:t>
-            </a:r>
-            <a:r>
-              <a:rPr lang="en-US" sz="1800" dirty="0">
-                <a:latin typeface="Courier" pitchFamily="2" charset="0"/>
-              </a:rPr>
-              <a:t> </a:t>
-            </a:r>
-            <a:r>
-              <a:rPr lang="en-US" sz="1800" dirty="0">
-                <a:solidFill>
-                  <a:srgbClr val="0000FF"/>
-                </a:solidFill>
-                <a:latin typeface="Courier" pitchFamily="2" charset="0"/>
-              </a:rPr>
-              <a:t>check</a:t>
-            </a:r>
-            <a:r>
-              <a:rPr lang="en-US" sz="1800" dirty="0">
-                <a:latin typeface="Courier" pitchFamily="2" charset="0"/>
-              </a:rPr>
-              <a:t>(</a:t>
-            </a:r>
-            <a:r>
-              <a:rPr lang="en-US" sz="1800" dirty="0">
-                <a:solidFill>
-                  <a:srgbClr val="B00040"/>
-                </a:solidFill>
-                <a:latin typeface="Courier" pitchFamily="2" charset="0"/>
-              </a:rPr>
-              <a:t>char</a:t>
-            </a:r>
-            <a:r>
-              <a:rPr lang="en-US" sz="1800" dirty="0">
-                <a:latin typeface="Courier" pitchFamily="2" charset="0"/>
-              </a:rPr>
-              <a:t> id[</a:t>
-            </a:r>
-            <a:r>
-              <a:rPr lang="en-US" sz="1800" dirty="0">
-                <a:solidFill>
-                  <a:srgbClr val="666666"/>
-                </a:solidFill>
-                <a:latin typeface="Courier" pitchFamily="2" charset="0"/>
-              </a:rPr>
-              <a:t>15</a:t>
-            </a:r>
-            <a:r>
-              <a:rPr lang="en-US" sz="1800" dirty="0">
-                <a:latin typeface="Courier" pitchFamily="2" charset="0"/>
-              </a:rPr>
-              <a:t>]){</a:t>
-            </a:r>
-          </a:p>
-          <a:p>
-            <a:pPr>
-              <a:lnSpc>
-                <a:spcPct val="150000"/>
-              </a:lnSpc>
-            </a:pPr>
-            <a:r>
-              <a:rPr lang="en-US" sz="1800" dirty="0">
-                <a:latin typeface="Courier" pitchFamily="2" charset="0"/>
-              </a:rPr>
-              <a:t>  </a:t>
-            </a:r>
-            <a:r>
-              <a:rPr lang="en-US" sz="1800" dirty="0">
-                <a:solidFill>
-                  <a:srgbClr val="B00040"/>
-                </a:solidFill>
-                <a:latin typeface="Courier" pitchFamily="2" charset="0"/>
-              </a:rPr>
-              <a:t>char</a:t>
-            </a:r>
-            <a:r>
-              <a:rPr lang="en-US" sz="1800" dirty="0">
-                <a:latin typeface="Courier" pitchFamily="2" charset="0"/>
-              </a:rPr>
-              <a:t> command[</a:t>
-            </a:r>
-            <a:r>
-              <a:rPr lang="en-US" sz="1800" dirty="0">
-                <a:solidFill>
-                  <a:srgbClr val="666666"/>
-                </a:solidFill>
-                <a:latin typeface="Courier" pitchFamily="2" charset="0"/>
-              </a:rPr>
-              <a:t>50</a:t>
-            </a:r>
-            <a:r>
-              <a:rPr lang="en-US" sz="1800" dirty="0">
-                <a:latin typeface="Courier" pitchFamily="2" charset="0"/>
-              </a:rPr>
-              <a:t>] </a:t>
-            </a:r>
-            <a:r>
-              <a:rPr lang="en-US" sz="1800" dirty="0">
-                <a:solidFill>
-                  <a:srgbClr val="666666"/>
-                </a:solidFill>
-                <a:latin typeface="Courier" pitchFamily="2" charset="0"/>
-              </a:rPr>
-              <a:t>=</a:t>
-            </a:r>
-            <a:r>
-              <a:rPr lang="en-US" sz="1800" dirty="0">
-                <a:latin typeface="Courier" pitchFamily="2" charset="0"/>
-              </a:rPr>
-              <a:t> {};</a:t>
-            </a:r>
-          </a:p>
-          <a:p>
-            <a:pPr>
-              <a:lnSpc>
-                <a:spcPct val="150000"/>
-              </a:lnSpc>
-            </a:pPr>
-            <a:r>
-              <a:rPr lang="en-US" sz="1800" dirty="0">
-                <a:latin typeface="Courier" pitchFamily="2" charset="0"/>
-              </a:rPr>
-              <a:t>  </a:t>
-            </a:r>
-            <a:r>
-              <a:rPr lang="en-US" sz="1800" dirty="0" err="1">
-                <a:latin typeface="Courier" pitchFamily="2" charset="0"/>
-              </a:rPr>
-              <a:t>sprintf</a:t>
-            </a:r>
-            <a:r>
-              <a:rPr lang="en-US" sz="1800" dirty="0">
-                <a:latin typeface="Courier" pitchFamily="2" charset="0"/>
-              </a:rPr>
-              <a:t>(command, </a:t>
-            </a:r>
-            <a:r>
-              <a:rPr lang="en-US" sz="1800" dirty="0">
-                <a:solidFill>
-                  <a:srgbClr val="BA2121"/>
-                </a:solidFill>
-                <a:latin typeface="Courier" pitchFamily="2" charset="0"/>
-              </a:rPr>
-              <a:t>"cat records/%s"</a:t>
-            </a:r>
-            <a:r>
-              <a:rPr lang="en-US" sz="1800" dirty="0">
-                <a:latin typeface="Courier" pitchFamily="2" charset="0"/>
-              </a:rPr>
-              <a:t>, id);</a:t>
-            </a:r>
-          </a:p>
-          <a:p>
-            <a:pPr>
-              <a:lnSpc>
-                <a:spcPct val="150000"/>
-              </a:lnSpc>
-            </a:pPr>
-            <a:r>
-              <a:rPr lang="en-US" sz="1800" dirty="0">
-                <a:latin typeface="Courier" pitchFamily="2" charset="0"/>
-              </a:rPr>
-              <a:t>  system(command);</a:t>
-            </a:r>
-          </a:p>
-          <a:p>
-            <a:pPr>
-              <a:lnSpc>
-                <a:spcPct val="150000"/>
-              </a:lnSpc>
-            </a:pPr>
-            <a:r>
-              <a:rPr lang="en-US" sz="1800" dirty="0">
-                <a:latin typeface="Courier" pitchFamily="2" charset="0"/>
-              </a:rPr>
-              <a:t>}</a:t>
-            </a:r>
-          </a:p>
-          <a:p>
-            <a:pPr>
-              <a:lnSpc>
-                <a:spcPct val="150000"/>
-              </a:lnSpc>
-            </a:pPr>
-            <a:endParaRPr lang="en-US" sz="1800" dirty="0">
-              <a:latin typeface="Courier" pitchFamily="2" charset="0"/>
-            </a:endParaRPr>
-          </a:p>
-        </p:txBody>
-      </p:sp>
     </p:spTree>
     <p:extLst>
       <p:ext uri="{BB962C8B-B14F-4D97-AF65-F5344CB8AC3E}">
-        <p14:creationId xmlns:p14="http://schemas.microsoft.com/office/powerpoint/2010/main" val="524362576"/>
+        <p14:creationId xmlns:p14="http://schemas.microsoft.com/office/powerpoint/2010/main" val="1792878916"/>
       </p:ext>
     </p:extLst>
   </p:cSld>
@@ -6493,7 +6339,7 @@
         <p:spPr>
           <a:xfrm>
             <a:off x="1688409" y="2057124"/>
-            <a:ext cx="7281419" cy="3380541"/>
+            <a:ext cx="7172561" cy="3380541"/>
           </a:xfrm>
           <a:prstGeom prst="rect">
             <a:avLst/>
@@ -6694,16 +6540,7 @@
               <a:rPr lang="en-US" sz="1800" dirty="0">
                 <a:latin typeface="Courier" pitchFamily="2" charset="0"/>
               </a:rPr>
-              <a:t>  </a:t>
-            </a:r>
-            <a:r>
-              <a:rPr lang="en-US" sz="1800" dirty="0">
-                <a:highlight>
-                  <a:srgbClr val="FFFF00"/>
-                </a:highlight>
-                <a:latin typeface="Courier" pitchFamily="2" charset="0"/>
-              </a:rPr>
-              <a:t>system(command);</a:t>
+              <a:t>  system(command);</a:t>
             </a:r>
           </a:p>
           <a:p>
@@ -6734,7 +6571,7 @@
     </p:spTree>
     <p:extLst>
       <p:ext uri="{BB962C8B-B14F-4D97-AF65-F5344CB8AC3E}">
-        <p14:creationId xmlns:p14="http://schemas.microsoft.com/office/powerpoint/2010/main" val="3060547146"/>
+        <p14:creationId xmlns:p14="http://schemas.microsoft.com/office/powerpoint/2010/main" val="524362576"/>
       </p:ext>
     </p:extLst>
   </p:cSld>
@@ -6832,8 +6669,8 @@
         </p:nvSpPr>
         <p:spPr>
           <a:xfrm>
-            <a:off x="1688410" y="2057124"/>
-            <a:ext cx="8380876" cy="3657540"/>
+            <a:off x="1688409" y="2057124"/>
+            <a:ext cx="7281419" cy="3380541"/>
           </a:xfrm>
           <a:prstGeom prst="rect">
             <a:avLst/>
@@ -6850,45 +6687,12 @@
                 <a:spcPct val="150000"/>
               </a:lnSpc>
             </a:pPr>
-            <a:r>
-              <a:rPr lang="en-US" sz="2400" dirty="0">
-                <a:solidFill>
-                  <a:schemeClr val="accent6"/>
-                </a:solidFill>
-                <a:latin typeface="Courier" pitchFamily="2" charset="0"/>
-              </a:rPr>
-              <a:t>id: “</a:t>
-            </a:r>
-            <a:r>
-              <a:rPr lang="en-US" sz="2400" dirty="0" err="1">
-                <a:solidFill>
-                  <a:schemeClr val="accent6"/>
-                </a:solidFill>
-                <a:latin typeface="Courier" pitchFamily="2" charset="0"/>
-              </a:rPr>
-              <a:t>tiffanyb</a:t>
-            </a:r>
-            <a:r>
-              <a:rPr lang="en-US" sz="2400" dirty="0">
-                <a:solidFill>
-                  <a:schemeClr val="accent6"/>
-                </a:solidFill>
-                <a:latin typeface="Courier" pitchFamily="2" charset="0"/>
-              </a:rPr>
-              <a:t>”</a:t>
-            </a:r>
             <a:br>
-              <a:rPr lang="en-US" sz="2400" dirty="0">
-                <a:solidFill>
-                  <a:schemeClr val="accent6"/>
-                </a:solidFill>
+              <a:rPr lang="en-US" sz="1800" dirty="0">
                 <a:latin typeface="Courier" pitchFamily="2" charset="0"/>
               </a:rPr>
             </a:br>
-            <a:endParaRPr lang="en-US" sz="2400" dirty="0">
-              <a:solidFill>
-                <a:schemeClr val="accent6"/>
-              </a:solidFill>
+            <a:endParaRPr lang="en-US" sz="1800" dirty="0">
               <a:latin typeface="Courier" pitchFamily="2" charset="0"/>
             </a:endParaRPr>
           </a:p>
@@ -7076,40 +6880,7 @@
                 </a:highlight>
                 <a:latin typeface="Courier" pitchFamily="2" charset="0"/>
               </a:rPr>
-              <a:t>system(command); </a:t>
-            </a:r>
-            <a:r>
-              <a:rPr lang="en-US" sz="1800" dirty="0">
-                <a:latin typeface="Courier" pitchFamily="2" charset="0"/>
-              </a:rPr>
-              <a:t>       </a:t>
-            </a:r>
-            <a:r>
-              <a:rPr lang="en-US" sz="1800" dirty="0">
-                <a:solidFill>
-                  <a:schemeClr val="accent6"/>
-                </a:solidFill>
-                <a:latin typeface="Courier" pitchFamily="2" charset="0"/>
-              </a:rPr>
-              <a:t>”cat records/</a:t>
-            </a:r>
-            <a:r>
-              <a:rPr lang="en-US" sz="1800" dirty="0" err="1">
-                <a:solidFill>
-                  <a:schemeClr val="accent6"/>
-                </a:solidFill>
-                <a:latin typeface="Courier" pitchFamily="2" charset="0"/>
-              </a:rPr>
-              <a:t>tiffanyb</a:t>
-            </a:r>
-            <a:r>
-              <a:rPr lang="en-US" sz="1800" dirty="0">
-                <a:solidFill>
-                  <a:schemeClr val="accent6"/>
-                </a:solidFill>
-                <a:latin typeface="Courier" pitchFamily="2" charset="0"/>
-              </a:rPr>
-              <a:t>”</a:t>
+              <a:t>system(command);</a:t>
             </a:r>
           </a:p>
           <a:p>
@@ -7140,7 +6911,7 @@
     </p:spTree>
     <p:extLst>
       <p:ext uri="{BB962C8B-B14F-4D97-AF65-F5344CB8AC3E}">
-        <p14:creationId xmlns:p14="http://schemas.microsoft.com/office/powerpoint/2010/main" val="3475340244"/>
+        <p14:creationId xmlns:p14="http://schemas.microsoft.com/office/powerpoint/2010/main" val="3060547146"/>
       </p:ext>
     </p:extLst>
   </p:cSld>
@@ -7281,6 +7052,412 @@
                 </a:solidFill>
                 <a:latin typeface="Courier" pitchFamily="2" charset="0"/>
               </a:rPr>
+              <a:t>”</a:t>
+            </a:r>
+            <a:br>
+              <a:rPr lang="en-US" sz="2400" dirty="0">
+                <a:solidFill>
+                  <a:schemeClr val="accent6"/>
+                </a:solidFill>
+                <a:latin typeface="Courier" pitchFamily="2" charset="0"/>
+              </a:rPr>
+            </a:br>
+            <a:endParaRPr lang="en-US" sz="2400" dirty="0">
+              <a:solidFill>
+                <a:schemeClr val="accent6"/>
+              </a:solidFill>
+              <a:latin typeface="Courier" pitchFamily="2" charset="0"/>
+            </a:endParaRPr>
+          </a:p>
+          <a:p>
+            <a:pPr>
+              <a:lnSpc>
+                <a:spcPct val="150000"/>
+              </a:lnSpc>
+            </a:pPr>
+            <a:r>
+              <a:rPr lang="en-US" sz="1800" dirty="0">
+                <a:solidFill>
+                  <a:srgbClr val="B00040"/>
+                </a:solidFill>
+                <a:latin typeface="Courier" pitchFamily="2" charset="0"/>
+              </a:rPr>
+              <a:t>void</a:t>
+            </a:r>
+            <a:r>
+              <a:rPr lang="en-US" sz="1800" dirty="0">
+                <a:latin typeface="Courier" pitchFamily="2" charset="0"/>
+              </a:rPr>
+              <a:t> </a:t>
+            </a:r>
+            <a:r>
+              <a:rPr lang="en-US" sz="1800" dirty="0">
+                <a:solidFill>
+                  <a:srgbClr val="0000FF"/>
+                </a:solidFill>
+                <a:latin typeface="Courier" pitchFamily="2" charset="0"/>
+              </a:rPr>
+              <a:t>check</a:t>
+            </a:r>
+            <a:r>
+              <a:rPr lang="en-US" sz="1800" dirty="0">
+                <a:latin typeface="Courier" pitchFamily="2" charset="0"/>
+              </a:rPr>
+              <a:t>(</a:t>
+            </a:r>
+            <a:r>
+              <a:rPr lang="en-US" sz="1800" dirty="0">
+                <a:solidFill>
+                  <a:srgbClr val="B00040"/>
+                </a:solidFill>
+                <a:latin typeface="Courier" pitchFamily="2" charset="0"/>
+              </a:rPr>
+              <a:t>char</a:t>
+            </a:r>
+            <a:r>
+              <a:rPr lang="en-US" sz="1800" dirty="0">
+                <a:latin typeface="Courier" pitchFamily="2" charset="0"/>
+              </a:rPr>
+              <a:t> id[</a:t>
+            </a:r>
+            <a:r>
+              <a:rPr lang="en-US" sz="1800" dirty="0">
+                <a:solidFill>
+                  <a:srgbClr val="666666"/>
+                </a:solidFill>
+                <a:latin typeface="Courier" pitchFamily="2" charset="0"/>
+              </a:rPr>
+              <a:t>15</a:t>
+            </a:r>
+            <a:r>
+              <a:rPr lang="en-US" sz="1800" dirty="0">
+                <a:latin typeface="Courier" pitchFamily="2" charset="0"/>
+              </a:rPr>
+              <a:t>]){</a:t>
+            </a:r>
+          </a:p>
+          <a:p>
+            <a:pPr>
+              <a:lnSpc>
+                <a:spcPct val="150000"/>
+              </a:lnSpc>
+            </a:pPr>
+            <a:r>
+              <a:rPr lang="en-US" sz="1800" dirty="0">
+                <a:latin typeface="Courier" pitchFamily="2" charset="0"/>
+              </a:rPr>
+              <a:t>  </a:t>
+            </a:r>
+            <a:r>
+              <a:rPr lang="en-US" sz="1800" dirty="0">
+                <a:solidFill>
+                  <a:srgbClr val="B00040"/>
+                </a:solidFill>
+                <a:latin typeface="Courier" pitchFamily="2" charset="0"/>
+              </a:rPr>
+              <a:t>char</a:t>
+            </a:r>
+            <a:r>
+              <a:rPr lang="en-US" sz="1800" dirty="0">
+                <a:latin typeface="Courier" pitchFamily="2" charset="0"/>
+              </a:rPr>
+              <a:t> command[</a:t>
+            </a:r>
+            <a:r>
+              <a:rPr lang="en-US" sz="1800" dirty="0">
+                <a:solidFill>
+                  <a:srgbClr val="666666"/>
+                </a:solidFill>
+                <a:latin typeface="Courier" pitchFamily="2" charset="0"/>
+              </a:rPr>
+              <a:t>50</a:t>
+            </a:r>
+            <a:r>
+              <a:rPr lang="en-US" sz="1800" dirty="0">
+                <a:latin typeface="Courier" pitchFamily="2" charset="0"/>
+              </a:rPr>
+              <a:t>] </a:t>
+            </a:r>
+            <a:r>
+              <a:rPr lang="en-US" sz="1800" dirty="0">
+                <a:solidFill>
+                  <a:srgbClr val="666666"/>
+                </a:solidFill>
+                <a:latin typeface="Courier" pitchFamily="2" charset="0"/>
+              </a:rPr>
+              <a:t>=</a:t>
+            </a:r>
+            <a:r>
+              <a:rPr lang="en-US" sz="1800" dirty="0">
+                <a:latin typeface="Courier" pitchFamily="2" charset="0"/>
+              </a:rPr>
+              <a:t> {};</a:t>
+            </a:r>
+          </a:p>
+          <a:p>
+            <a:pPr>
+              <a:lnSpc>
+                <a:spcPct val="150000"/>
+              </a:lnSpc>
+            </a:pPr>
+            <a:r>
+              <a:rPr lang="en-US" sz="1800" dirty="0">
+                <a:latin typeface="Courier" pitchFamily="2" charset="0"/>
+              </a:rPr>
+              <a:t>  </a:t>
+            </a:r>
+            <a:r>
+              <a:rPr lang="en-US" sz="1800" dirty="0" err="1">
+                <a:latin typeface="Courier" pitchFamily="2" charset="0"/>
+              </a:rPr>
+              <a:t>sprintf</a:t>
+            </a:r>
+            <a:r>
+              <a:rPr lang="en-US" sz="1800" dirty="0">
+                <a:latin typeface="Courier" pitchFamily="2" charset="0"/>
+              </a:rPr>
+              <a:t>(command, </a:t>
+            </a:r>
+            <a:r>
+              <a:rPr lang="en-US" sz="1800" dirty="0">
+                <a:solidFill>
+                  <a:srgbClr val="BA2121"/>
+                </a:solidFill>
+                <a:latin typeface="Courier" pitchFamily="2" charset="0"/>
+              </a:rPr>
+              <a:t>"cat records/%s"</a:t>
+            </a:r>
+            <a:r>
+              <a:rPr lang="en-US" sz="1800" dirty="0">
+                <a:latin typeface="Courier" pitchFamily="2" charset="0"/>
+              </a:rPr>
+              <a:t>, id);</a:t>
+            </a:r>
+          </a:p>
+          <a:p>
+            <a:pPr>
+              <a:lnSpc>
+                <a:spcPct val="150000"/>
+              </a:lnSpc>
+            </a:pPr>
+            <a:r>
+              <a:rPr lang="en-US" sz="1800" dirty="0">
+                <a:latin typeface="Courier" pitchFamily="2" charset="0"/>
+              </a:rPr>
+              <a:t>  </a:t>
+            </a:r>
+            <a:r>
+              <a:rPr lang="en-US" sz="1800" dirty="0">
+                <a:highlight>
+                  <a:srgbClr val="FFFF00"/>
+                </a:highlight>
+                <a:latin typeface="Courier" pitchFamily="2" charset="0"/>
+              </a:rPr>
+              <a:t>system(command); </a:t>
+            </a:r>
+            <a:r>
+              <a:rPr lang="en-US" sz="1800" dirty="0">
+                <a:latin typeface="Courier" pitchFamily="2" charset="0"/>
+              </a:rPr>
+              <a:t>       </a:t>
+            </a:r>
+            <a:r>
+              <a:rPr lang="en-US" sz="1800" dirty="0">
+                <a:solidFill>
+                  <a:schemeClr val="accent6"/>
+                </a:solidFill>
+                <a:latin typeface="Courier" pitchFamily="2" charset="0"/>
+              </a:rPr>
+              <a:t>”cat records/</a:t>
+            </a:r>
+            <a:r>
+              <a:rPr lang="en-US" sz="1800" dirty="0" err="1">
+                <a:solidFill>
+                  <a:schemeClr val="accent6"/>
+                </a:solidFill>
+                <a:latin typeface="Courier" pitchFamily="2" charset="0"/>
+              </a:rPr>
+              <a:t>tiffanyb</a:t>
+            </a:r>
+            <a:r>
+              <a:rPr lang="en-US" sz="1800" dirty="0">
+                <a:solidFill>
+                  <a:schemeClr val="accent6"/>
+                </a:solidFill>
+                <a:latin typeface="Courier" pitchFamily="2" charset="0"/>
+              </a:rPr>
+              <a:t>”</a:t>
+            </a:r>
+          </a:p>
+          <a:p>
+            <a:pPr>
+              <a:lnSpc>
+                <a:spcPct val="150000"/>
+              </a:lnSpc>
+            </a:pPr>
+            <a:r>
+              <a:rPr lang="en-US" sz="1800" dirty="0">
+                <a:latin typeface="Courier" pitchFamily="2" charset="0"/>
+              </a:rPr>
+              <a:t>}</a:t>
+            </a:r>
+          </a:p>
+          <a:p>
+            <a:pPr>
+              <a:lnSpc>
+                <a:spcPct val="150000"/>
+              </a:lnSpc>
+            </a:pPr>
+            <a:endParaRPr lang="en-US" sz="1800" dirty="0">
+              <a:latin typeface="Courier" pitchFamily="2" charset="0"/>
+            </a:endParaRPr>
+          </a:p>
+        </p:txBody>
+      </p:sp>
+    </p:spTree>
+    <p:extLst>
+      <p:ext uri="{BB962C8B-B14F-4D97-AF65-F5344CB8AC3E}">
+        <p14:creationId xmlns:p14="http://schemas.microsoft.com/office/powerpoint/2010/main" val="3475340244"/>
+      </p:ext>
+    </p:extLst>
+  </p:cSld>
+  <p:clrMapOvr>
+    <a:masterClrMapping/>
+  </p:clrMapOvr>
+</p:sld>
+</file>
+
+<file path=ppt/slides/slide14.xml><?xml version="1.0" encoding="utf-8"?>
+<p:sld xmlns:a="http://schemas.openxmlformats.org/drawingml/2006/main" xmlns:r="http://schemas.openxmlformats.org/officeDocument/2006/relationships" xmlns:p="http://schemas.openxmlformats.org/presentationml/2006/main">
+  <p:cSld>
+    <p:spTree>
+      <p:nvGrpSpPr>
+        <p:cNvPr id="1" name=""/>
+        <p:cNvGrpSpPr/>
+        <p:nvPr/>
+      </p:nvGrpSpPr>
+      <p:grpSpPr>
+        <a:xfrm>
+          <a:off x="0" y="0"/>
+          <a:ext cx="0" cy="0"/>
+          <a:chOff x="0" y="0"/>
+          <a:chExt cx="0" cy="0"/>
+        </a:xfrm>
+      </p:grpSpPr>
+      <p:sp>
+        <p:nvSpPr>
+          <p:cNvPr id="4" name="Title 3">
+            <a:extLst>
+              <a:ext uri="{FF2B5EF4-FFF2-40B4-BE49-F238E27FC236}">
+                <a16:creationId xmlns:a16="http://schemas.microsoft.com/office/drawing/2014/main" id="{EFAAC37B-4C8E-0645-8AA4-44FB247B171A}"/>
+              </a:ext>
+            </a:extLst>
+          </p:cNvPr>
+          <p:cNvSpPr>
+            <a:spLocks noGrp="1"/>
+          </p:cNvSpPr>
+          <p:nvPr>
+            <p:ph type="title"/>
+          </p:nvPr>
+        </p:nvSpPr>
+        <p:spPr/>
+        <p:txBody>
+          <a:bodyPr/>
+          <a:lstStyle/>
+          <a:p>
+            <a:r>
+              <a:rPr lang="en-US" dirty="0"/>
+              <a:t>Example</a:t>
+            </a:r>
+          </a:p>
+        </p:txBody>
+      </p:sp>
+      <p:sp>
+        <p:nvSpPr>
+          <p:cNvPr id="3" name="Slide Number Placeholder 2">
+            <a:extLst>
+              <a:ext uri="{FF2B5EF4-FFF2-40B4-BE49-F238E27FC236}">
+                <a16:creationId xmlns:a16="http://schemas.microsoft.com/office/drawing/2014/main" id="{47D684C6-067D-BE4D-BE9A-9D8E5171BD23}"/>
+              </a:ext>
+            </a:extLst>
+          </p:cNvPr>
+          <p:cNvSpPr>
+            <a:spLocks noGrp="1"/>
+          </p:cNvSpPr>
+          <p:nvPr>
+            <p:ph type="sldNum" idx="12"/>
+          </p:nvPr>
+        </p:nvSpPr>
+        <p:spPr/>
+        <p:txBody>
+          <a:bodyPr/>
+          <a:lstStyle/>
+          <a:p>
+            <a:fld id="{B8AB1F1C-5B97-FA47-A21B-131B164DAC8F}" type="slidenum">
+              <a:rPr lang="en-US" smtClean="0"/>
+              <a:t>13</a:t>
+            </a:fld>
+            <a:endParaRPr lang="en-US"/>
+          </a:p>
+        </p:txBody>
+      </p:sp>
+      <p:sp>
+        <p:nvSpPr>
+          <p:cNvPr id="11" name="Rectangle 10">
+            <a:extLst>
+              <a:ext uri="{FF2B5EF4-FFF2-40B4-BE49-F238E27FC236}">
+                <a16:creationId xmlns:a16="http://schemas.microsoft.com/office/drawing/2014/main" id="{A1984E02-AB78-9748-9034-96BD64906E75}"/>
+              </a:ext>
+            </a:extLst>
+          </p:cNvPr>
+          <p:cNvSpPr/>
+          <p:nvPr/>
+        </p:nvSpPr>
+        <p:spPr>
+          <a:xfrm>
+            <a:off x="1688410" y="2057124"/>
+            <a:ext cx="8380876" cy="3657540"/>
+          </a:xfrm>
+          <a:prstGeom prst="rect">
+            <a:avLst/>
+          </a:prstGeom>
+        </p:spPr>
+        <p:txBody>
+          <a:bodyPr wrap="square">
+            <a:spAutoFit/>
+          </a:bodyPr>
+          <a:lstStyle/>
+          <a:p>
+            <a:pPr>
+              <a:lnSpc>
+                <a:spcPct val="150000"/>
+              </a:lnSpc>
+            </a:pPr>
+            <a:r>
+              <a:rPr lang="en-US" sz="2400" dirty="0">
+                <a:solidFill>
+                  <a:schemeClr val="accent6"/>
+                </a:solidFill>
+                <a:latin typeface="Courier" pitchFamily="2" charset="0"/>
+              </a:rPr>
+              <a:t>id: “</a:t>
+            </a:r>
+            <a:r>
+              <a:rPr lang="en-US" sz="2400" dirty="0" err="1">
+                <a:solidFill>
+                  <a:schemeClr val="accent6"/>
+                </a:solidFill>
+                <a:latin typeface="Courier" pitchFamily="2" charset="0"/>
+              </a:rPr>
+              <a:t>tiffanyb</a:t>
+            </a:r>
+            <a:r>
+              <a:rPr lang="en-US" sz="2400" dirty="0">
+                <a:solidFill>
+                  <a:schemeClr val="accent6"/>
+                </a:solidFill>
+                <a:latin typeface="Courier" pitchFamily="2" charset="0"/>
+              </a:rPr>
               <a:t>; cat secret”</a:t>
             </a:r>
             <a:br>
@@ -7556,7 +7733,7 @@
 </p:sld>
 </file>
 
-<file path=ppt/slides/slide14.xml><?xml version="1.0" encoding="utf-8"?>
+<file path=ppt/slides/slide15.xml><?xml version="1.0" encoding="utf-8"?>
 <p:sld xmlns:a="http://schemas.openxmlformats.org/drawingml/2006/main" xmlns:r="http://schemas.openxmlformats.org/officeDocument/2006/relationships" xmlns:p="http://schemas.openxmlformats.org/presentationml/2006/main">
   <p:cSld>
     <p:spTree>
@@ -7649,7 +7826,7 @@
           <a:p>
             <a:fld id="{B8AB1F1C-5B97-FA47-A21B-131B164DAC8F}" type="slidenum">
               <a:rPr lang="en-US" smtClean="0"/>
-              <a:t>13</a:t>
+              <a:t>14</a:t>
             </a:fld>
             <a:endParaRPr lang="en-US"/>
           </a:p>
@@ -7668,7 +7845,7 @@
 </p:sld>
 </file>
 
-<file path=ppt/slides/slide15.xml><?xml version="1.0" encoding="utf-8"?>
+<file path=ppt/slides/slide16.xml><?xml version="1.0" encoding="utf-8"?>
 <p:sld xmlns:a="http://schemas.openxmlformats.org/drawingml/2006/main" xmlns:r="http://schemas.openxmlformats.org/officeDocument/2006/relationships" xmlns:p="http://schemas.openxmlformats.org/presentationml/2006/main">
   <p:cSld>
     <p:spTree>
@@ -7846,7 +8023,7 @@
           <a:p>
             <a:fld id="{B8AB1F1C-5B97-FA47-A21B-131B164DAC8F}" type="slidenum">
               <a:rPr lang="en-US" smtClean="0"/>
-              <a:t>14</a:t>
+              <a:t>15</a:t>
             </a:fld>
             <a:endParaRPr lang="en-US"/>
           </a:p>
@@ -7945,7 +8122,7 @@
 </p:sld>
 </file>
 
-<file path=ppt/slides/slide16.xml><?xml version="1.0" encoding="utf-8"?>
+<file path=ppt/slides/slide17.xml><?xml version="1.0" encoding="utf-8"?>
 <p:sld xmlns:a="http://schemas.openxmlformats.org/drawingml/2006/main" xmlns:r="http://schemas.openxmlformats.org/officeDocument/2006/relationships" xmlns:p="http://schemas.openxmlformats.org/presentationml/2006/main">
   <p:cSld>
     <p:spTree>
@@ -8088,7 +8265,7 @@
           <a:p>
             <a:fld id="{B8AB1F1C-5B97-FA47-A21B-131B164DAC8F}" type="slidenum">
               <a:rPr lang="en-US" smtClean="0"/>
-              <a:t>15</a:t>
+              <a:t>16</a:t>
             </a:fld>
             <a:endParaRPr lang="en-US"/>
           </a:p>
@@ -8622,7 +8799,7 @@
 </p:sld>
 </file>
 
-<file path=ppt/slides/slide17.xml><?xml version="1.0" encoding="utf-8"?>
+<file path=ppt/slides/slide18.xml><?xml version="1.0" encoding="utf-8"?>
 <p:sld xmlns:a="http://schemas.openxmlformats.org/drawingml/2006/main" xmlns:r="http://schemas.openxmlformats.org/officeDocument/2006/relationships" xmlns:p="http://schemas.openxmlformats.org/presentationml/2006/main">
   <p:cSld>
     <p:spTree>
@@ -8696,7 +8873,7 @@
           <a:p>
             <a:fld id="{B8AB1F1C-5B97-FA47-A21B-131B164DAC8F}" type="slidenum">
               <a:rPr lang="en-US" smtClean="0"/>
-              <a:t>16</a:t>
+              <a:t>17</a:t>
             </a:fld>
             <a:endParaRPr lang="en-US"/>
           </a:p>
@@ -8715,7 +8892,7 @@
 </p:sld>
 </file>
 
-<file path=ppt/slides/slide18.xml><?xml version="1.0" encoding="utf-8"?>
+<file path=ppt/slides/slide19.xml><?xml version="1.0" encoding="utf-8"?>
 <p:sld xmlns:a="http://schemas.openxmlformats.org/drawingml/2006/main" xmlns:r="http://schemas.openxmlformats.org/officeDocument/2006/relationships" xmlns:p="http://schemas.openxmlformats.org/presentationml/2006/main">
   <p:cSld>
     <p:spTree>
@@ -8788,7 +8965,7 @@
           <a:p>
             <a:fld id="{B8AB1F1C-5B97-FA47-A21B-131B164DAC8F}" type="slidenum">
               <a:rPr lang="en-US" smtClean="0"/>
-              <a:t>17</a:t>
+              <a:t>18</a:t>
             </a:fld>
             <a:endParaRPr lang="en-US"/>
           </a:p>
@@ -8807,7 +8984,207 @@
 </p:sld>
 </file>
 
-<file path=ppt/slides/slide19.xml><?xml version="1.0" encoding="utf-8"?>
+<file path=ppt/slides/slide2.xml><?xml version="1.0" encoding="utf-8"?>
+<p:sld xmlns:a="http://schemas.openxmlformats.org/drawingml/2006/main" xmlns:r="http://schemas.openxmlformats.org/officeDocument/2006/relationships" xmlns:p="http://schemas.openxmlformats.org/presentationml/2006/main">
+  <p:cSld>
+    <p:spTree>
+      <p:nvGrpSpPr>
+        <p:cNvPr id="1" name=""/>
+        <p:cNvGrpSpPr/>
+        <p:nvPr/>
+      </p:nvGrpSpPr>
+      <p:grpSpPr>
+        <a:xfrm>
+          <a:off x="0" y="0"/>
+          <a:ext cx="0" cy="0"/>
+          <a:chOff x="0" y="0"/>
+          <a:chExt cx="0" cy="0"/>
+        </a:xfrm>
+      </p:grpSpPr>
+      <p:sp>
+        <p:nvSpPr>
+          <p:cNvPr id="4" name="Title 3">
+            <a:extLst>
+              <a:ext uri="{FF2B5EF4-FFF2-40B4-BE49-F238E27FC236}">
+                <a16:creationId xmlns:a16="http://schemas.microsoft.com/office/drawing/2014/main" id="{D4E84B8C-3666-7046-9504-F9BC5D2795B1}"/>
+              </a:ext>
+            </a:extLst>
+          </p:cNvPr>
+          <p:cNvSpPr>
+            <a:spLocks noGrp="1"/>
+          </p:cNvSpPr>
+          <p:nvPr>
+            <p:ph type="title"/>
+          </p:nvPr>
+        </p:nvSpPr>
+        <p:spPr/>
+        <p:txBody>
+          <a:bodyPr/>
+          <a:lstStyle/>
+          <a:p>
+            <a:r>
+              <a:rPr lang="en-US" dirty="0"/>
+              <a:t>IN-class Lab</a:t>
+            </a:r>
+          </a:p>
+        </p:txBody>
+      </p:sp>
+      <p:sp>
+        <p:nvSpPr>
+          <p:cNvPr id="5" name="Text Placeholder 4">
+            <a:extLst>
+              <a:ext uri="{FF2B5EF4-FFF2-40B4-BE49-F238E27FC236}">
+                <a16:creationId xmlns:a16="http://schemas.microsoft.com/office/drawing/2014/main" id="{64C87057-F448-7D43-9710-BDC591A34BB6}"/>
+              </a:ext>
+            </a:extLst>
+          </p:cNvPr>
+          <p:cNvSpPr>
+            <a:spLocks noGrp="1"/>
+          </p:cNvSpPr>
+          <p:nvPr>
+            <p:ph type="body" idx="1"/>
+          </p:nvPr>
+        </p:nvSpPr>
+        <p:spPr/>
+        <p:txBody>
+          <a:bodyPr anchor="ctr"/>
+          <a:lstStyle/>
+          <a:p>
+            <a:pPr marL="50799" indent="0" algn="ctr">
+              <a:buNone/>
+            </a:pPr>
+            <a:r>
+              <a:rPr lang="en-US" dirty="0" err="1">
+                <a:latin typeface="Courier" pitchFamily="2" charset="0"/>
+              </a:rPr>
+              <a:t>nc</a:t>
+            </a:r>
+            <a:r>
+              <a:rPr lang="en-US" dirty="0">
+                <a:latin typeface="Courier" pitchFamily="2" charset="0"/>
+              </a:rPr>
+              <a:t> asu-cse545.com 9000</a:t>
+            </a:r>
+          </a:p>
+          <a:p>
+            <a:pPr marL="50799" indent="0">
+              <a:buNone/>
+            </a:pPr>
+            <a:r>
+              <a:rPr lang="en-US" dirty="0">
+                <a:latin typeface="Courier" pitchFamily="2" charset="0"/>
+              </a:rPr>
+              <a:t>binary: </a:t>
+            </a:r>
+            <a:r>
+              <a:rPr lang="en-US" sz="1800" dirty="0">
+                <a:latin typeface="Courier" pitchFamily="2" charset="0"/>
+                <a:hlinkClick r:id="rId3"/>
+              </a:rPr>
+              <a:t>https://www.tiffanybao.com//courses/cse545/labs/stack</a:t>
+            </a:r>
+            <a:endParaRPr lang="en-US" sz="1800" dirty="0">
+              <a:latin typeface="Courier" pitchFamily="2" charset="0"/>
+            </a:endParaRPr>
+          </a:p>
+          <a:p>
+            <a:pPr marL="50799" indent="0">
+              <a:buNone/>
+            </a:pPr>
+            <a:r>
+              <a:rPr lang="en-US" sz="1800" dirty="0">
+                <a:latin typeface="Courier" pitchFamily="2" charset="0"/>
+              </a:rPr>
+              <a:t>md5: addffe3117320a175868a01e069e651c</a:t>
+            </a:r>
+          </a:p>
+          <a:p>
+            <a:pPr marL="50799" indent="0">
+              <a:buNone/>
+            </a:pPr>
+            <a:r>
+              <a:rPr lang="en-US" sz="1800" dirty="0">
+                <a:latin typeface="Courier" pitchFamily="2" charset="0"/>
+              </a:rPr>
+              <a:t>Command: </a:t>
+            </a:r>
+          </a:p>
+          <a:p>
+            <a:pPr marL="50799" indent="0">
+              <a:buNone/>
+            </a:pPr>
+            <a:r>
+              <a:rPr lang="en-US" sz="1800" dirty="0">
+                <a:latin typeface="Courier" pitchFamily="2" charset="0"/>
+              </a:rPr>
+              <a:t>  Mac: md5 [stack]</a:t>
+            </a:r>
+          </a:p>
+          <a:p>
+            <a:pPr marL="50799" indent="0">
+              <a:buNone/>
+            </a:pPr>
+            <a:r>
+              <a:rPr lang="en-US" sz="1800" dirty="0">
+                <a:latin typeface="Courier" pitchFamily="2" charset="0"/>
+              </a:rPr>
+              <a:t>  Linux: md5sum </a:t>
+            </a:r>
+            <a:r>
+              <a:rPr lang="en-US" sz="1800">
+                <a:latin typeface="Courier" pitchFamily="2" charset="0"/>
+              </a:rPr>
+              <a:t>[stack]</a:t>
+            </a:r>
+            <a:endParaRPr lang="en-US" sz="1800" dirty="0">
+              <a:latin typeface="Courier" pitchFamily="2" charset="0"/>
+            </a:endParaRPr>
+          </a:p>
+        </p:txBody>
+      </p:sp>
+      <p:sp>
+        <p:nvSpPr>
+          <p:cNvPr id="3" name="Slide Number Placeholder 2">
+            <a:extLst>
+              <a:ext uri="{FF2B5EF4-FFF2-40B4-BE49-F238E27FC236}">
+                <a16:creationId xmlns:a16="http://schemas.microsoft.com/office/drawing/2014/main" id="{5D926466-69B5-D944-B619-294269FC4B72}"/>
+              </a:ext>
+            </a:extLst>
+          </p:cNvPr>
+          <p:cNvSpPr>
+            <a:spLocks noGrp="1"/>
+          </p:cNvSpPr>
+          <p:nvPr>
+            <p:ph type="sldNum" idx="12"/>
+          </p:nvPr>
+        </p:nvSpPr>
+        <p:spPr/>
+        <p:txBody>
+          <a:bodyPr/>
+          <a:lstStyle/>
+          <a:p>
+            <a:fld id="{B8AB1F1C-5B97-FA47-A21B-131B164DAC8F}" type="slidenum">
+              <a:rPr lang="en-US" smtClean="0"/>
+              <a:t>1</a:t>
+            </a:fld>
+            <a:endParaRPr lang="en-US"/>
+          </a:p>
+        </p:txBody>
+      </p:sp>
+    </p:spTree>
+    <p:extLst>
+      <p:ext uri="{BB962C8B-B14F-4D97-AF65-F5344CB8AC3E}">
+        <p14:creationId xmlns:p14="http://schemas.microsoft.com/office/powerpoint/2010/main" val="2852179739"/>
+      </p:ext>
+    </p:extLst>
+  </p:cSld>
+  <p:clrMapOvr>
+    <a:masterClrMapping/>
+  </p:clrMapOvr>
+</p:sld>
+</file>
+
+<file path=ppt/slides/slide20.xml><?xml version="1.0" encoding="utf-8"?>
 <p:sld xmlns:a="http://schemas.openxmlformats.org/drawingml/2006/main" xmlns:r="http://schemas.openxmlformats.org/officeDocument/2006/relationships" xmlns:p="http://schemas.openxmlformats.org/presentationml/2006/main">
   <p:cSld>
     <p:spTree>
@@ -8950,7 +9327,7 @@
           <a:p>
             <a:fld id="{B8AB1F1C-5B97-FA47-A21B-131B164DAC8F}" type="slidenum">
               <a:rPr lang="en-US" smtClean="0"/>
-              <a:t>18</a:t>
+              <a:t>19</a:t>
             </a:fld>
             <a:endParaRPr lang="en-US"/>
           </a:p>
@@ -9475,536 +9852,6 @@
     <p:extLst>
       <p:ext uri="{BB962C8B-B14F-4D97-AF65-F5344CB8AC3E}">
         <p14:creationId xmlns:p14="http://schemas.microsoft.com/office/powerpoint/2010/main" val="3664916147"/>
-      </p:ext>
-    </p:extLst>
-  </p:cSld>
-  <p:clrMapOvr>
-    <a:masterClrMapping/>
-  </p:clrMapOvr>
-</p:sld>
-</file>
-
-<file path=ppt/slides/slide2.xml><?xml version="1.0" encoding="utf-8"?>
-<p:sld xmlns:a="http://schemas.openxmlformats.org/drawingml/2006/main" xmlns:r="http://schemas.openxmlformats.org/officeDocument/2006/relationships" xmlns:p="http://schemas.openxmlformats.org/presentationml/2006/main">
-  <p:cSld>
-    <p:spTree>
-      <p:nvGrpSpPr>
-        <p:cNvPr id="1" name=""/>
-        <p:cNvGrpSpPr/>
-        <p:nvPr/>
-      </p:nvGrpSpPr>
-      <p:grpSpPr>
-        <a:xfrm>
-          <a:off x="0" y="0"/>
-          <a:ext cx="0" cy="0"/>
-          <a:chOff x="0" y="0"/>
-          <a:chExt cx="0" cy="0"/>
-        </a:xfrm>
-      </p:grpSpPr>
-      <p:sp>
-        <p:nvSpPr>
-          <p:cNvPr id="4" name="Title 3">
-            <a:extLst>
-              <a:ext uri="{FF2B5EF4-FFF2-40B4-BE49-F238E27FC236}">
-                <a16:creationId xmlns:a16="http://schemas.microsoft.com/office/drawing/2014/main" id="{BD4A714B-ABAA-2148-9342-A7418B01A7D8}"/>
-              </a:ext>
-            </a:extLst>
-          </p:cNvPr>
-          <p:cNvSpPr>
-            <a:spLocks noGrp="1"/>
-          </p:cNvSpPr>
-          <p:nvPr>
-            <p:ph type="title"/>
-          </p:nvPr>
-        </p:nvSpPr>
-        <p:spPr/>
-        <p:txBody>
-          <a:bodyPr/>
-          <a:lstStyle/>
-          <a:p>
-            <a:r>
-              <a:rPr lang="en-US" dirty="0"/>
-              <a:t>Remember what I said…</a:t>
-            </a:r>
-          </a:p>
-        </p:txBody>
-      </p:sp>
-      <p:sp>
-        <p:nvSpPr>
-          <p:cNvPr id="5" name="Text Placeholder 4">
-            <a:extLst>
-              <a:ext uri="{FF2B5EF4-FFF2-40B4-BE49-F238E27FC236}">
-                <a16:creationId xmlns:a16="http://schemas.microsoft.com/office/drawing/2014/main" id="{8313A836-D1CA-C84D-AB8F-D1CF3AFA4141}"/>
-              </a:ext>
-            </a:extLst>
-          </p:cNvPr>
-          <p:cNvSpPr>
-            <a:spLocks noGrp="1"/>
-          </p:cNvSpPr>
-          <p:nvPr>
-            <p:ph type="body" idx="1"/>
-          </p:nvPr>
-        </p:nvSpPr>
-        <p:spPr/>
-        <p:txBody>
-          <a:bodyPr/>
-          <a:lstStyle/>
-          <a:p>
-            <a:pPr marL="50799" indent="0">
-              <a:buNone/>
-            </a:pPr>
-            <a:endParaRPr lang="en-US" dirty="0"/>
-          </a:p>
-          <a:p>
-            <a:pPr marL="50799" indent="0">
-              <a:buNone/>
-            </a:pPr>
-            <a:endParaRPr lang="en-US" dirty="0"/>
-          </a:p>
-          <a:p>
-            <a:pPr marL="50799" indent="0">
-              <a:buNone/>
-            </a:pPr>
-            <a:r>
-              <a:rPr lang="en-US" sz="4400" dirty="0"/>
-              <a:t>“This program is secure”</a:t>
-            </a:r>
-          </a:p>
-        </p:txBody>
-      </p:sp>
-      <p:sp>
-        <p:nvSpPr>
-          <p:cNvPr id="3" name="Slide Number Placeholder 2">
-            <a:extLst>
-              <a:ext uri="{FF2B5EF4-FFF2-40B4-BE49-F238E27FC236}">
-                <a16:creationId xmlns:a16="http://schemas.microsoft.com/office/drawing/2014/main" id="{E2FC923F-98F9-8346-B4C5-57CBEFE1EBCF}"/>
-              </a:ext>
-            </a:extLst>
-          </p:cNvPr>
-          <p:cNvSpPr>
-            <a:spLocks noGrp="1"/>
-          </p:cNvSpPr>
-          <p:nvPr>
-            <p:ph type="sldNum" idx="12"/>
-          </p:nvPr>
-        </p:nvSpPr>
-        <p:spPr/>
-        <p:txBody>
-          <a:bodyPr/>
-          <a:lstStyle/>
-          <a:p>
-            <a:fld id="{B8AB1F1C-5B97-FA47-A21B-131B164DAC8F}" type="slidenum">
-              <a:rPr lang="en-US" smtClean="0"/>
-              <a:t>1</a:t>
-            </a:fld>
-            <a:endParaRPr lang="en-US"/>
-          </a:p>
-        </p:txBody>
-      </p:sp>
-    </p:spTree>
-    <p:extLst>
-      <p:ext uri="{BB962C8B-B14F-4D97-AF65-F5344CB8AC3E}">
-        <p14:creationId xmlns:p14="http://schemas.microsoft.com/office/powerpoint/2010/main" val="3731920562"/>
-      </p:ext>
-    </p:extLst>
-  </p:cSld>
-  <p:clrMapOvr>
-    <a:masterClrMapping/>
-  </p:clrMapOvr>
-</p:sld>
-</file>
-
-<file path=ppt/slides/slide20.xml><?xml version="1.0" encoding="utf-8"?>
-<p:sld xmlns:a="http://schemas.openxmlformats.org/drawingml/2006/main" xmlns:r="http://schemas.openxmlformats.org/officeDocument/2006/relationships" xmlns:p="http://schemas.openxmlformats.org/presentationml/2006/main">
-  <p:cSld>
-    <p:spTree>
-      <p:nvGrpSpPr>
-        <p:cNvPr id="1" name=""/>
-        <p:cNvGrpSpPr/>
-        <p:nvPr/>
-      </p:nvGrpSpPr>
-      <p:grpSpPr>
-        <a:xfrm>
-          <a:off x="0" y="0"/>
-          <a:ext cx="0" cy="0"/>
-          <a:chOff x="0" y="0"/>
-          <a:chExt cx="0" cy="0"/>
-        </a:xfrm>
-      </p:grpSpPr>
-      <p:sp>
-        <p:nvSpPr>
-          <p:cNvPr id="4" name="Title 3">
-            <a:extLst>
-              <a:ext uri="{FF2B5EF4-FFF2-40B4-BE49-F238E27FC236}">
-                <a16:creationId xmlns:a16="http://schemas.microsoft.com/office/drawing/2014/main" id="{EFAAC37B-4C8E-0645-8AA4-44FB247B171A}"/>
-              </a:ext>
-            </a:extLst>
-          </p:cNvPr>
-          <p:cNvSpPr>
-            <a:spLocks noGrp="1"/>
-          </p:cNvSpPr>
-          <p:nvPr>
-            <p:ph type="title"/>
-          </p:nvPr>
-        </p:nvSpPr>
-        <p:spPr/>
-        <p:txBody>
-          <a:bodyPr/>
-          <a:lstStyle/>
-          <a:p>
-            <a:r>
-              <a:rPr lang="en-US" dirty="0"/>
-              <a:t>Example</a:t>
-            </a:r>
-          </a:p>
-        </p:txBody>
-      </p:sp>
-      <p:sp>
-        <p:nvSpPr>
-          <p:cNvPr id="3" name="Slide Number Placeholder 2">
-            <a:extLst>
-              <a:ext uri="{FF2B5EF4-FFF2-40B4-BE49-F238E27FC236}">
-                <a16:creationId xmlns:a16="http://schemas.microsoft.com/office/drawing/2014/main" id="{47D684C6-067D-BE4D-BE9A-9D8E5171BD23}"/>
-              </a:ext>
-            </a:extLst>
-          </p:cNvPr>
-          <p:cNvSpPr>
-            <a:spLocks noGrp="1"/>
-          </p:cNvSpPr>
-          <p:nvPr>
-            <p:ph type="sldNum" idx="12"/>
-          </p:nvPr>
-        </p:nvSpPr>
-        <p:spPr/>
-        <p:txBody>
-          <a:bodyPr/>
-          <a:lstStyle/>
-          <a:p>
-            <a:fld id="{B8AB1F1C-5B97-FA47-A21B-131B164DAC8F}" type="slidenum">
-              <a:rPr lang="en-US" smtClean="0"/>
-              <a:t>19</a:t>
-            </a:fld>
-            <a:endParaRPr lang="en-US"/>
-          </a:p>
-        </p:txBody>
-      </p:sp>
-      <p:sp>
-        <p:nvSpPr>
-          <p:cNvPr id="5" name="Rectangle 4">
-            <a:extLst>
-              <a:ext uri="{FF2B5EF4-FFF2-40B4-BE49-F238E27FC236}">
-                <a16:creationId xmlns:a16="http://schemas.microsoft.com/office/drawing/2014/main" id="{A66CE6FD-C874-544D-BD20-A0D3459D971A}"/>
-              </a:ext>
-            </a:extLst>
-          </p:cNvPr>
-          <p:cNvSpPr/>
-          <p:nvPr/>
-        </p:nvSpPr>
-        <p:spPr>
-          <a:xfrm>
-            <a:off x="1296217" y="2282825"/>
-            <a:ext cx="10363202" cy="3368679"/>
-          </a:xfrm>
-          <a:prstGeom prst="rect">
-            <a:avLst/>
-          </a:prstGeom>
-        </p:spPr>
-        <p:txBody>
-          <a:bodyPr wrap="square">
-            <a:spAutoFit/>
-          </a:bodyPr>
-          <a:lstStyle/>
-          <a:p>
-            <a:pPr>
-              <a:lnSpc>
-                <a:spcPct val="150000"/>
-              </a:lnSpc>
-            </a:pPr>
-            <a:endParaRPr lang="en-US" sz="2400" dirty="0">
-              <a:solidFill>
-                <a:srgbClr val="B00040"/>
-              </a:solidFill>
-              <a:latin typeface="Courier" pitchFamily="2" charset="0"/>
-            </a:endParaRPr>
-          </a:p>
-          <a:p>
-            <a:pPr>
-              <a:lnSpc>
-                <a:spcPct val="150000"/>
-              </a:lnSpc>
-            </a:pPr>
-            <a:r>
-              <a:rPr lang="en-US" sz="2400" dirty="0">
-                <a:solidFill>
-                  <a:srgbClr val="B00040"/>
-                </a:solidFill>
-                <a:latin typeface="Courier" pitchFamily="2" charset="0"/>
-              </a:rPr>
-              <a:t>void</a:t>
-            </a:r>
-            <a:r>
-              <a:rPr lang="en-US" sz="2400" dirty="0">
-                <a:latin typeface="Courier" pitchFamily="2" charset="0"/>
-              </a:rPr>
-              <a:t> </a:t>
-            </a:r>
-            <a:r>
-              <a:rPr lang="en-US" sz="2400" dirty="0">
-                <a:solidFill>
-                  <a:srgbClr val="0000FF"/>
-                </a:solidFill>
-                <a:latin typeface="Courier" pitchFamily="2" charset="0"/>
-              </a:rPr>
-              <a:t>check</a:t>
-            </a:r>
-            <a:r>
-              <a:rPr lang="en-US" sz="2400" dirty="0">
-                <a:latin typeface="Courier" pitchFamily="2" charset="0"/>
-              </a:rPr>
-              <a:t>(</a:t>
-            </a:r>
-            <a:r>
-              <a:rPr lang="en-US" sz="2400" dirty="0">
-                <a:solidFill>
-                  <a:srgbClr val="B00040"/>
-                </a:solidFill>
-                <a:latin typeface="Courier" pitchFamily="2" charset="0"/>
-              </a:rPr>
-              <a:t>char</a:t>
-            </a:r>
-            <a:r>
-              <a:rPr lang="en-US" sz="2400" dirty="0">
-                <a:latin typeface="Courier" pitchFamily="2" charset="0"/>
-              </a:rPr>
-              <a:t> id[</a:t>
-            </a:r>
-            <a:r>
-              <a:rPr lang="en-US" sz="2400" dirty="0">
-                <a:solidFill>
-                  <a:srgbClr val="666666"/>
-                </a:solidFill>
-                <a:latin typeface="Courier" pitchFamily="2" charset="0"/>
-              </a:rPr>
-              <a:t>15</a:t>
-            </a:r>
-            <a:r>
-              <a:rPr lang="en-US" sz="2400" dirty="0">
-                <a:latin typeface="Courier" pitchFamily="2" charset="0"/>
-              </a:rPr>
-              <a:t>]){</a:t>
-            </a:r>
-          </a:p>
-          <a:p>
-            <a:pPr>
-              <a:lnSpc>
-                <a:spcPct val="150000"/>
-              </a:lnSpc>
-            </a:pPr>
-            <a:r>
-              <a:rPr lang="en-US" sz="2400" dirty="0">
-                <a:latin typeface="Courier" pitchFamily="2" charset="0"/>
-              </a:rPr>
-              <a:t>  </a:t>
-            </a:r>
-            <a:r>
-              <a:rPr lang="en-US" sz="2400" dirty="0">
-                <a:solidFill>
-                  <a:srgbClr val="B00040"/>
-                </a:solidFill>
-                <a:latin typeface="Courier" pitchFamily="2" charset="0"/>
-              </a:rPr>
-              <a:t>char</a:t>
-            </a:r>
-            <a:r>
-              <a:rPr lang="en-US" sz="2400" dirty="0">
-                <a:latin typeface="Courier" pitchFamily="2" charset="0"/>
-              </a:rPr>
-              <a:t> path[</a:t>
-            </a:r>
-            <a:r>
-              <a:rPr lang="en-US" sz="2400" dirty="0">
-                <a:solidFill>
-                  <a:srgbClr val="666666"/>
-                </a:solidFill>
-                <a:latin typeface="Courier" pitchFamily="2" charset="0"/>
-              </a:rPr>
-              <a:t>50</a:t>
-            </a:r>
-            <a:r>
-              <a:rPr lang="en-US" sz="2400" dirty="0">
-                <a:latin typeface="Courier" pitchFamily="2" charset="0"/>
-              </a:rPr>
-              <a:t>] </a:t>
-            </a:r>
-            <a:r>
-              <a:rPr lang="en-US" sz="2400" dirty="0">
-                <a:solidFill>
-                  <a:srgbClr val="666666"/>
-                </a:solidFill>
-                <a:latin typeface="Courier" pitchFamily="2" charset="0"/>
-              </a:rPr>
-              <a:t>=</a:t>
-            </a:r>
-            <a:r>
-              <a:rPr lang="en-US" sz="2400" dirty="0">
-                <a:latin typeface="Courier" pitchFamily="2" charset="0"/>
-              </a:rPr>
-              <a:t> {};</a:t>
-            </a:r>
-          </a:p>
-          <a:p>
-            <a:pPr>
-              <a:lnSpc>
-                <a:spcPct val="150000"/>
-              </a:lnSpc>
-            </a:pPr>
-            <a:r>
-              <a:rPr lang="en-US" sz="2400" dirty="0">
-                <a:latin typeface="Courier" pitchFamily="2" charset="0"/>
-              </a:rPr>
-              <a:t>  </a:t>
-            </a:r>
-            <a:r>
-              <a:rPr lang="en-US" sz="2400" dirty="0" err="1">
-                <a:latin typeface="Courier" pitchFamily="2" charset="0"/>
-              </a:rPr>
-              <a:t>sprintf</a:t>
-            </a:r>
-            <a:r>
-              <a:rPr lang="en-US" sz="2400" dirty="0">
-                <a:latin typeface="Courier" pitchFamily="2" charset="0"/>
-              </a:rPr>
-              <a:t>(path, </a:t>
-            </a:r>
-            <a:r>
-              <a:rPr lang="en-US" sz="2400" dirty="0">
-                <a:solidFill>
-                  <a:srgbClr val="BA2121"/>
-                </a:solidFill>
-                <a:latin typeface="Courier" pitchFamily="2" charset="0"/>
-              </a:rPr>
-              <a:t>"records/%s"</a:t>
-            </a:r>
-            <a:r>
-              <a:rPr lang="en-US" sz="2400" dirty="0">
-                <a:latin typeface="Courier" pitchFamily="2" charset="0"/>
-              </a:rPr>
-              <a:t>, id);</a:t>
-            </a:r>
-            <a:endParaRPr lang="en-US" sz="2400" strike="sngStrike" dirty="0">
-              <a:latin typeface="Courier" pitchFamily="2" charset="0"/>
-            </a:endParaRPr>
-          </a:p>
-          <a:p>
-            <a:pPr>
-              <a:lnSpc>
-                <a:spcPct val="150000"/>
-              </a:lnSpc>
-            </a:pPr>
-            <a:r>
-              <a:rPr lang="en-US" sz="2400" dirty="0">
-                <a:latin typeface="Courier" pitchFamily="2" charset="0"/>
-              </a:rPr>
-              <a:t>  </a:t>
-            </a:r>
-            <a:r>
-              <a:rPr lang="en-US" sz="2400" dirty="0" err="1">
-                <a:highlight>
-                  <a:srgbClr val="FFFF00"/>
-                </a:highlight>
-                <a:latin typeface="Courier" pitchFamily="2" charset="0"/>
-              </a:rPr>
-              <a:t>execl</a:t>
-            </a:r>
-            <a:r>
-              <a:rPr lang="en-US" sz="2400" dirty="0">
-                <a:highlight>
-                  <a:srgbClr val="FFFF00"/>
-                </a:highlight>
-                <a:latin typeface="Courier" pitchFamily="2" charset="0"/>
-              </a:rPr>
-              <a:t>(</a:t>
-            </a:r>
-            <a:r>
-              <a:rPr lang="en-US" sz="2400" dirty="0">
-                <a:solidFill>
-                  <a:srgbClr val="BA2121"/>
-                </a:solidFill>
-                <a:highlight>
-                  <a:srgbClr val="FFFF00"/>
-                </a:highlight>
-                <a:latin typeface="Courier" pitchFamily="2" charset="0"/>
-              </a:rPr>
-              <a:t>"/bin/cat", "/bin/cat"</a:t>
-            </a:r>
-            <a:r>
-              <a:rPr lang="en-US" sz="2400" dirty="0">
-                <a:highlight>
-                  <a:srgbClr val="FFFF00"/>
-                </a:highlight>
-                <a:latin typeface="Courier" pitchFamily="2" charset="0"/>
-              </a:rPr>
-              <a:t>,</a:t>
-            </a:r>
-            <a:r>
-              <a:rPr lang="en-US" sz="2400" dirty="0">
-                <a:solidFill>
-                  <a:srgbClr val="BA2121"/>
-                </a:solidFill>
-                <a:highlight>
-                  <a:srgbClr val="FFFF00"/>
-                </a:highlight>
-                <a:latin typeface="Courier" pitchFamily="2" charset="0"/>
-              </a:rPr>
-              <a:t> </a:t>
-            </a:r>
-            <a:r>
-              <a:rPr lang="en-US" sz="2400" dirty="0">
-                <a:solidFill>
-                  <a:schemeClr val="tx1"/>
-                </a:solidFill>
-                <a:highlight>
-                  <a:srgbClr val="FFFF00"/>
-                </a:highlight>
-                <a:latin typeface="Courier" pitchFamily="2" charset="0"/>
-              </a:rPr>
-              <a:t>path, NULL</a:t>
-            </a:r>
-            <a:r>
-              <a:rPr lang="en-US" sz="2400" dirty="0">
-                <a:highlight>
-                  <a:srgbClr val="FFFF00"/>
-                </a:highlight>
-                <a:latin typeface="Courier" pitchFamily="2" charset="0"/>
-              </a:rPr>
-              <a:t>);</a:t>
-            </a:r>
-            <a:endParaRPr lang="en-US" sz="2000" dirty="0">
-              <a:solidFill>
-                <a:schemeClr val="accent6"/>
-              </a:solidFill>
-              <a:latin typeface="Courier" pitchFamily="2" charset="0"/>
-            </a:endParaRPr>
-          </a:p>
-          <a:p>
-            <a:pPr>
-              <a:lnSpc>
-                <a:spcPct val="150000"/>
-              </a:lnSpc>
-            </a:pPr>
-            <a:r>
-              <a:rPr lang="en-US" sz="2400" dirty="0">
-                <a:latin typeface="Courier" pitchFamily="2" charset="0"/>
-              </a:rPr>
-              <a:t>}</a:t>
-            </a:r>
-          </a:p>
-        </p:txBody>
-      </p:sp>
-    </p:spTree>
-    <p:extLst>
-      <p:ext uri="{BB962C8B-B14F-4D97-AF65-F5344CB8AC3E}">
-        <p14:creationId xmlns:p14="http://schemas.microsoft.com/office/powerpoint/2010/main" val="2769125959"/>
       </p:ext>
     </p:extLst>
   </p:cSld>
@@ -10103,7 +9950,7 @@
         <p:spPr>
           <a:xfrm>
             <a:off x="1296217" y="2282825"/>
-            <a:ext cx="10363202" cy="3922677"/>
+            <a:ext cx="10363202" cy="3368679"/>
           </a:xfrm>
           <a:prstGeom prst="rect">
             <a:avLst/>
@@ -10120,27 +9967,9 @@
                 <a:spcPct val="150000"/>
               </a:lnSpc>
             </a:pPr>
-            <a:r>
-              <a:rPr lang="en-US" sz="2400" dirty="0">
-                <a:solidFill>
-                  <a:schemeClr val="accent6"/>
-                </a:solidFill>
-                <a:latin typeface="Courier" pitchFamily="2" charset="0"/>
-              </a:rPr>
-              <a:t>id: </a:t>
-            </a:r>
-            <a:r>
-              <a:rPr lang="en-US" sz="2400" dirty="0" err="1">
-                <a:solidFill>
-                  <a:schemeClr val="accent6"/>
-                </a:solidFill>
-                <a:latin typeface="Courier" pitchFamily="2" charset="0"/>
-              </a:rPr>
-              <a:t>tiffanyb</a:t>
-            </a:r>
             <a:endParaRPr lang="en-US" sz="2400" dirty="0">
               <a:solidFill>
-                <a:schemeClr val="accent6"/>
+                <a:srgbClr val="B00040"/>
               </a:solidFill>
               <a:latin typeface="Courier" pitchFamily="2" charset="0"/>
             </a:endParaRPr>
@@ -10353,19 +10182,7 @@
                 </a:highlight>
                 <a:latin typeface="Courier" pitchFamily="2" charset="0"/>
               </a:rPr>
-              <a:t>"/bin/cat", "/bin/cat", </a:t>
-            </a:r>
-            <a:r>
-              <a:rPr lang="en-US" sz="2400" dirty="0">
-                <a:solidFill>
-                  <a:schemeClr val="tx1"/>
-                </a:solidFill>
-                <a:highlight>
-                  <a:srgbClr val="FFFF00"/>
-                </a:highlight>
-                <a:latin typeface="Courier" pitchFamily="2" charset="0"/>
-              </a:rPr>
-              <a:t>path, NULL</a:t>
+              <a:t>"/bin/cat", "/bin/cat"</a:t>
             </a:r>
             <a:r>
               <a:rPr lang="en-US" sz="2400" dirty="0">
@@ -10374,47 +10191,40 @@
                 </a:highlight>
                 <a:latin typeface="Courier" pitchFamily="2" charset="0"/>
               </a:rPr>
+              <a:t>,</a:t>
+            </a:r>
+            <a:r>
+              <a:rPr lang="en-US" sz="2400" dirty="0">
+                <a:solidFill>
+                  <a:srgbClr val="BA2121"/>
+                </a:solidFill>
+                <a:highlight>
+                  <a:srgbClr val="FFFF00"/>
+                </a:highlight>
+                <a:latin typeface="Courier" pitchFamily="2" charset="0"/>
+              </a:rPr>
+              <a:t> </a:t>
+            </a:r>
+            <a:r>
+              <a:rPr lang="en-US" sz="2400" dirty="0">
+                <a:solidFill>
+                  <a:schemeClr val="tx1"/>
+                </a:solidFill>
+                <a:highlight>
+                  <a:srgbClr val="FFFF00"/>
+                </a:highlight>
+                <a:latin typeface="Courier" pitchFamily="2" charset="0"/>
+              </a:rPr>
+              <a:t>path, NULL</a:t>
+            </a:r>
+            <a:r>
+              <a:rPr lang="en-US" sz="2400" dirty="0">
+                <a:highlight>
+                  <a:srgbClr val="FFFF00"/>
+                </a:highlight>
+                <a:latin typeface="Courier" pitchFamily="2" charset="0"/>
+              </a:rPr>
               <a:t>);</a:t>
-            </a:r>
-            <a:r>
-              <a:rPr lang="en-US" sz="2400" dirty="0">
-                <a:latin typeface="Courier" pitchFamily="2" charset="0"/>
-              </a:rPr>
-              <a:t> </a:t>
-            </a:r>
-          </a:p>
-          <a:p>
-            <a:pPr>
-              <a:lnSpc>
-                <a:spcPct val="150000"/>
-              </a:lnSpc>
-            </a:pPr>
-            <a:r>
-              <a:rPr lang="en-US" sz="2400" dirty="0">
-                <a:solidFill>
-                  <a:schemeClr val="accent6"/>
-                </a:solidFill>
-                <a:latin typeface="Courier" pitchFamily="2" charset="0"/>
-              </a:rPr>
-              <a:t>  </a:t>
-            </a:r>
-            <a:r>
-              <a:rPr lang="en-US" sz="2000" dirty="0">
-                <a:solidFill>
-                  <a:schemeClr val="accent6"/>
-                </a:solidFill>
-                <a:latin typeface="Courier" pitchFamily="2" charset="0"/>
-              </a:rPr>
-              <a:t>// path: records/</a:t>
-            </a:r>
-            <a:r>
-              <a:rPr lang="en-US" sz="2000" dirty="0" err="1">
-                <a:solidFill>
-                  <a:schemeClr val="accent6"/>
-                </a:solidFill>
-                <a:latin typeface="Courier" pitchFamily="2" charset="0"/>
-              </a:rPr>
-              <a:t>tiffanyb</a:t>
             </a:r>
             <a:endParaRPr lang="en-US" sz="2000" dirty="0">
               <a:solidFill>
@@ -10441,7 +10251,7 @@
     </p:spTree>
     <p:extLst>
       <p:ext uri="{BB962C8B-B14F-4D97-AF65-F5344CB8AC3E}">
-        <p14:creationId xmlns:p14="http://schemas.microsoft.com/office/powerpoint/2010/main" val="509602727"/>
+        <p14:creationId xmlns:p14="http://schemas.microsoft.com/office/powerpoint/2010/main" val="2769125959"/>
       </p:ext>
     </p:extLst>
   </p:cSld>
@@ -10564,6 +10374,443 @@
                 </a:solidFill>
                 <a:latin typeface="Courier" pitchFamily="2" charset="0"/>
               </a:rPr>
+              <a:t>id: </a:t>
+            </a:r>
+            <a:r>
+              <a:rPr lang="en-US" sz="2400" dirty="0" err="1">
+                <a:solidFill>
+                  <a:schemeClr val="accent6"/>
+                </a:solidFill>
+                <a:latin typeface="Courier" pitchFamily="2" charset="0"/>
+              </a:rPr>
+              <a:t>tiffanyb</a:t>
+            </a:r>
+            <a:endParaRPr lang="en-US" sz="2400" dirty="0">
+              <a:solidFill>
+                <a:schemeClr val="accent6"/>
+              </a:solidFill>
+              <a:latin typeface="Courier" pitchFamily="2" charset="0"/>
+            </a:endParaRPr>
+          </a:p>
+          <a:p>
+            <a:pPr>
+              <a:lnSpc>
+                <a:spcPct val="150000"/>
+              </a:lnSpc>
+            </a:pPr>
+            <a:r>
+              <a:rPr lang="en-US" sz="2400" dirty="0">
+                <a:solidFill>
+                  <a:srgbClr val="B00040"/>
+                </a:solidFill>
+                <a:latin typeface="Courier" pitchFamily="2" charset="0"/>
+              </a:rPr>
+              <a:t>void</a:t>
+            </a:r>
+            <a:r>
+              <a:rPr lang="en-US" sz="2400" dirty="0">
+                <a:latin typeface="Courier" pitchFamily="2" charset="0"/>
+              </a:rPr>
+              <a:t> </a:t>
+            </a:r>
+            <a:r>
+              <a:rPr lang="en-US" sz="2400" dirty="0">
+                <a:solidFill>
+                  <a:srgbClr val="0000FF"/>
+                </a:solidFill>
+                <a:latin typeface="Courier" pitchFamily="2" charset="0"/>
+              </a:rPr>
+              <a:t>check</a:t>
+            </a:r>
+            <a:r>
+              <a:rPr lang="en-US" sz="2400" dirty="0">
+                <a:latin typeface="Courier" pitchFamily="2" charset="0"/>
+              </a:rPr>
+              <a:t>(</a:t>
+            </a:r>
+            <a:r>
+              <a:rPr lang="en-US" sz="2400" dirty="0">
+                <a:solidFill>
+                  <a:srgbClr val="B00040"/>
+                </a:solidFill>
+                <a:latin typeface="Courier" pitchFamily="2" charset="0"/>
+              </a:rPr>
+              <a:t>char</a:t>
+            </a:r>
+            <a:r>
+              <a:rPr lang="en-US" sz="2400" dirty="0">
+                <a:latin typeface="Courier" pitchFamily="2" charset="0"/>
+              </a:rPr>
+              <a:t> id[</a:t>
+            </a:r>
+            <a:r>
+              <a:rPr lang="en-US" sz="2400" dirty="0">
+                <a:solidFill>
+                  <a:srgbClr val="666666"/>
+                </a:solidFill>
+                <a:latin typeface="Courier" pitchFamily="2" charset="0"/>
+              </a:rPr>
+              <a:t>15</a:t>
+            </a:r>
+            <a:r>
+              <a:rPr lang="en-US" sz="2400" dirty="0">
+                <a:latin typeface="Courier" pitchFamily="2" charset="0"/>
+              </a:rPr>
+              <a:t>]){</a:t>
+            </a:r>
+          </a:p>
+          <a:p>
+            <a:pPr>
+              <a:lnSpc>
+                <a:spcPct val="150000"/>
+              </a:lnSpc>
+            </a:pPr>
+            <a:r>
+              <a:rPr lang="en-US" sz="2400" dirty="0">
+                <a:latin typeface="Courier" pitchFamily="2" charset="0"/>
+              </a:rPr>
+              <a:t>  </a:t>
+            </a:r>
+            <a:r>
+              <a:rPr lang="en-US" sz="2400" dirty="0">
+                <a:solidFill>
+                  <a:srgbClr val="B00040"/>
+                </a:solidFill>
+                <a:latin typeface="Courier" pitchFamily="2" charset="0"/>
+              </a:rPr>
+              <a:t>char</a:t>
+            </a:r>
+            <a:r>
+              <a:rPr lang="en-US" sz="2400" dirty="0">
+                <a:latin typeface="Courier" pitchFamily="2" charset="0"/>
+              </a:rPr>
+              <a:t> path[</a:t>
+            </a:r>
+            <a:r>
+              <a:rPr lang="en-US" sz="2400" dirty="0">
+                <a:solidFill>
+                  <a:srgbClr val="666666"/>
+                </a:solidFill>
+                <a:latin typeface="Courier" pitchFamily="2" charset="0"/>
+              </a:rPr>
+              <a:t>50</a:t>
+            </a:r>
+            <a:r>
+              <a:rPr lang="en-US" sz="2400" dirty="0">
+                <a:latin typeface="Courier" pitchFamily="2" charset="0"/>
+              </a:rPr>
+              <a:t>] </a:t>
+            </a:r>
+            <a:r>
+              <a:rPr lang="en-US" sz="2400" dirty="0">
+                <a:solidFill>
+                  <a:srgbClr val="666666"/>
+                </a:solidFill>
+                <a:latin typeface="Courier" pitchFamily="2" charset="0"/>
+              </a:rPr>
+              <a:t>=</a:t>
+            </a:r>
+            <a:r>
+              <a:rPr lang="en-US" sz="2400" dirty="0">
+                <a:latin typeface="Courier" pitchFamily="2" charset="0"/>
+              </a:rPr>
+              <a:t> {};</a:t>
+            </a:r>
+          </a:p>
+          <a:p>
+            <a:pPr>
+              <a:lnSpc>
+                <a:spcPct val="150000"/>
+              </a:lnSpc>
+            </a:pPr>
+            <a:r>
+              <a:rPr lang="en-US" sz="2400" dirty="0">
+                <a:latin typeface="Courier" pitchFamily="2" charset="0"/>
+              </a:rPr>
+              <a:t>  </a:t>
+            </a:r>
+            <a:r>
+              <a:rPr lang="en-US" sz="2400" dirty="0" err="1">
+                <a:latin typeface="Courier" pitchFamily="2" charset="0"/>
+              </a:rPr>
+              <a:t>sprintf</a:t>
+            </a:r>
+            <a:r>
+              <a:rPr lang="en-US" sz="2400" dirty="0">
+                <a:latin typeface="Courier" pitchFamily="2" charset="0"/>
+              </a:rPr>
+              <a:t>(path, </a:t>
+            </a:r>
+            <a:r>
+              <a:rPr lang="en-US" sz="2400" dirty="0">
+                <a:solidFill>
+                  <a:srgbClr val="BA2121"/>
+                </a:solidFill>
+                <a:latin typeface="Courier" pitchFamily="2" charset="0"/>
+              </a:rPr>
+              <a:t>"records/%s"</a:t>
+            </a:r>
+            <a:r>
+              <a:rPr lang="en-US" sz="2400" dirty="0">
+                <a:latin typeface="Courier" pitchFamily="2" charset="0"/>
+              </a:rPr>
+              <a:t>, id);</a:t>
+            </a:r>
+            <a:endParaRPr lang="en-US" sz="2400" strike="sngStrike" dirty="0">
+              <a:latin typeface="Courier" pitchFamily="2" charset="0"/>
+            </a:endParaRPr>
+          </a:p>
+          <a:p>
+            <a:pPr>
+              <a:lnSpc>
+                <a:spcPct val="150000"/>
+              </a:lnSpc>
+            </a:pPr>
+            <a:r>
+              <a:rPr lang="en-US" sz="2400" dirty="0">
+                <a:latin typeface="Courier" pitchFamily="2" charset="0"/>
+              </a:rPr>
+              <a:t>  </a:t>
+            </a:r>
+            <a:r>
+              <a:rPr lang="en-US" sz="2400" dirty="0" err="1">
+                <a:highlight>
+                  <a:srgbClr val="FFFF00"/>
+                </a:highlight>
+                <a:latin typeface="Courier" pitchFamily="2" charset="0"/>
+              </a:rPr>
+              <a:t>execl</a:t>
+            </a:r>
+            <a:r>
+              <a:rPr lang="en-US" sz="2400" dirty="0">
+                <a:highlight>
+                  <a:srgbClr val="FFFF00"/>
+                </a:highlight>
+                <a:latin typeface="Courier" pitchFamily="2" charset="0"/>
+              </a:rPr>
+              <a:t>(</a:t>
+            </a:r>
+            <a:r>
+              <a:rPr lang="en-US" sz="2400" dirty="0">
+                <a:solidFill>
+                  <a:srgbClr val="BA2121"/>
+                </a:solidFill>
+                <a:highlight>
+                  <a:srgbClr val="FFFF00"/>
+                </a:highlight>
+                <a:latin typeface="Courier" pitchFamily="2" charset="0"/>
+              </a:rPr>
+              <a:t>"/bin/cat", "/bin/cat", </a:t>
+            </a:r>
+            <a:r>
+              <a:rPr lang="en-US" sz="2400" dirty="0">
+                <a:solidFill>
+                  <a:schemeClr val="tx1"/>
+                </a:solidFill>
+                <a:highlight>
+                  <a:srgbClr val="FFFF00"/>
+                </a:highlight>
+                <a:latin typeface="Courier" pitchFamily="2" charset="0"/>
+              </a:rPr>
+              <a:t>path, NULL</a:t>
+            </a:r>
+            <a:r>
+              <a:rPr lang="en-US" sz="2400" dirty="0">
+                <a:highlight>
+                  <a:srgbClr val="FFFF00"/>
+                </a:highlight>
+                <a:latin typeface="Courier" pitchFamily="2" charset="0"/>
+              </a:rPr>
+              <a:t>);</a:t>
+            </a:r>
+            <a:r>
+              <a:rPr lang="en-US" sz="2400" dirty="0">
+                <a:latin typeface="Courier" pitchFamily="2" charset="0"/>
+              </a:rPr>
+              <a:t> </a:t>
+            </a:r>
+          </a:p>
+          <a:p>
+            <a:pPr>
+              <a:lnSpc>
+                <a:spcPct val="150000"/>
+              </a:lnSpc>
+            </a:pPr>
+            <a:r>
+              <a:rPr lang="en-US" sz="2400" dirty="0">
+                <a:solidFill>
+                  <a:schemeClr val="accent6"/>
+                </a:solidFill>
+                <a:latin typeface="Courier" pitchFamily="2" charset="0"/>
+              </a:rPr>
+              <a:t>  </a:t>
+            </a:r>
+            <a:r>
+              <a:rPr lang="en-US" sz="2000" dirty="0">
+                <a:solidFill>
+                  <a:schemeClr val="accent6"/>
+                </a:solidFill>
+                <a:latin typeface="Courier" pitchFamily="2" charset="0"/>
+              </a:rPr>
+              <a:t>// path: records/</a:t>
+            </a:r>
+            <a:r>
+              <a:rPr lang="en-US" sz="2000" dirty="0" err="1">
+                <a:solidFill>
+                  <a:schemeClr val="accent6"/>
+                </a:solidFill>
+                <a:latin typeface="Courier" pitchFamily="2" charset="0"/>
+              </a:rPr>
+              <a:t>tiffanyb</a:t>
+            </a:r>
+            <a:endParaRPr lang="en-US" sz="2000" dirty="0">
+              <a:solidFill>
+                <a:schemeClr val="accent6"/>
+              </a:solidFill>
+              <a:latin typeface="Courier" pitchFamily="2" charset="0"/>
+            </a:endParaRPr>
+          </a:p>
+          <a:p>
+            <a:pPr>
+              <a:lnSpc>
+                <a:spcPct val="150000"/>
+              </a:lnSpc>
+            </a:pPr>
+            <a:r>
+              <a:rPr lang="en-US" sz="2400" dirty="0">
+                <a:latin typeface="Courier" pitchFamily="2" charset="0"/>
+              </a:rPr>
+              <a:t>}</a:t>
+            </a:r>
+          </a:p>
+        </p:txBody>
+      </p:sp>
+    </p:spTree>
+    <p:extLst>
+      <p:ext uri="{BB962C8B-B14F-4D97-AF65-F5344CB8AC3E}">
+        <p14:creationId xmlns:p14="http://schemas.microsoft.com/office/powerpoint/2010/main" val="509602727"/>
+      </p:ext>
+    </p:extLst>
+  </p:cSld>
+  <p:clrMapOvr>
+    <a:masterClrMapping/>
+  </p:clrMapOvr>
+</p:sld>
+</file>
+
+<file path=ppt/slides/slide23.xml><?xml version="1.0" encoding="utf-8"?>
+<p:sld xmlns:a="http://schemas.openxmlformats.org/drawingml/2006/main" xmlns:r="http://schemas.openxmlformats.org/officeDocument/2006/relationships" xmlns:p="http://schemas.openxmlformats.org/presentationml/2006/main">
+  <p:cSld>
+    <p:spTree>
+      <p:nvGrpSpPr>
+        <p:cNvPr id="1" name=""/>
+        <p:cNvGrpSpPr/>
+        <p:nvPr/>
+      </p:nvGrpSpPr>
+      <p:grpSpPr>
+        <a:xfrm>
+          <a:off x="0" y="0"/>
+          <a:ext cx="0" cy="0"/>
+          <a:chOff x="0" y="0"/>
+          <a:chExt cx="0" cy="0"/>
+        </a:xfrm>
+      </p:grpSpPr>
+      <p:sp>
+        <p:nvSpPr>
+          <p:cNvPr id="4" name="Title 3">
+            <a:extLst>
+              <a:ext uri="{FF2B5EF4-FFF2-40B4-BE49-F238E27FC236}">
+                <a16:creationId xmlns:a16="http://schemas.microsoft.com/office/drawing/2014/main" id="{EFAAC37B-4C8E-0645-8AA4-44FB247B171A}"/>
+              </a:ext>
+            </a:extLst>
+          </p:cNvPr>
+          <p:cNvSpPr>
+            <a:spLocks noGrp="1"/>
+          </p:cNvSpPr>
+          <p:nvPr>
+            <p:ph type="title"/>
+          </p:nvPr>
+        </p:nvSpPr>
+        <p:spPr/>
+        <p:txBody>
+          <a:bodyPr/>
+          <a:lstStyle/>
+          <a:p>
+            <a:r>
+              <a:rPr lang="en-US" dirty="0"/>
+              <a:t>Example</a:t>
+            </a:r>
+          </a:p>
+        </p:txBody>
+      </p:sp>
+      <p:sp>
+        <p:nvSpPr>
+          <p:cNvPr id="3" name="Slide Number Placeholder 2">
+            <a:extLst>
+              <a:ext uri="{FF2B5EF4-FFF2-40B4-BE49-F238E27FC236}">
+                <a16:creationId xmlns:a16="http://schemas.microsoft.com/office/drawing/2014/main" id="{47D684C6-067D-BE4D-BE9A-9D8E5171BD23}"/>
+              </a:ext>
+            </a:extLst>
+          </p:cNvPr>
+          <p:cNvSpPr>
+            <a:spLocks noGrp="1"/>
+          </p:cNvSpPr>
+          <p:nvPr>
+            <p:ph type="sldNum" idx="12"/>
+          </p:nvPr>
+        </p:nvSpPr>
+        <p:spPr/>
+        <p:txBody>
+          <a:bodyPr/>
+          <a:lstStyle/>
+          <a:p>
+            <a:fld id="{B8AB1F1C-5B97-FA47-A21B-131B164DAC8F}" type="slidenum">
+              <a:rPr lang="en-US" smtClean="0"/>
+              <a:t>22</a:t>
+            </a:fld>
+            <a:endParaRPr lang="en-US"/>
+          </a:p>
+        </p:txBody>
+      </p:sp>
+      <p:sp>
+        <p:nvSpPr>
+          <p:cNvPr id="5" name="Rectangle 4">
+            <a:extLst>
+              <a:ext uri="{FF2B5EF4-FFF2-40B4-BE49-F238E27FC236}">
+                <a16:creationId xmlns:a16="http://schemas.microsoft.com/office/drawing/2014/main" id="{A66CE6FD-C874-544D-BD20-A0D3459D971A}"/>
+              </a:ext>
+            </a:extLst>
+          </p:cNvPr>
+          <p:cNvSpPr/>
+          <p:nvPr/>
+        </p:nvSpPr>
+        <p:spPr>
+          <a:xfrm>
+            <a:off x="1296217" y="2282825"/>
+            <a:ext cx="10363202" cy="3922677"/>
+          </a:xfrm>
+          <a:prstGeom prst="rect">
+            <a:avLst/>
+          </a:prstGeom>
+        </p:spPr>
+        <p:txBody>
+          <a:bodyPr wrap="square">
+            <a:spAutoFit/>
+          </a:bodyPr>
+          <a:lstStyle/>
+          <a:p>
+            <a:pPr>
+              <a:lnSpc>
+                <a:spcPct val="150000"/>
+              </a:lnSpc>
+            </a:pPr>
+            <a:r>
+              <a:rPr lang="en-US" sz="2400" dirty="0">
+                <a:solidFill>
+                  <a:schemeClr val="accent6"/>
+                </a:solidFill>
+                <a:latin typeface="Courier" pitchFamily="2" charset="0"/>
+              </a:rPr>
               <a:t>id: ../secret</a:t>
             </a:r>
           </a:p>
@@ -10858,7 +11105,7 @@
 </p:sld>
 </file>
 
-<file path=ppt/slides/slide23.xml><?xml version="1.0" encoding="utf-8"?>
+<file path=ppt/slides/slide24.xml><?xml version="1.0" encoding="utf-8"?>
 <p:sld xmlns:a="http://schemas.openxmlformats.org/drawingml/2006/main" xmlns:r="http://schemas.openxmlformats.org/officeDocument/2006/relationships" xmlns:p="http://schemas.openxmlformats.org/presentationml/2006/main">
   <p:cSld>
     <p:spTree>
@@ -10951,7 +11198,7 @@
           <a:p>
             <a:fld id="{B8AB1F1C-5B97-FA47-A21B-131B164DAC8F}" type="slidenum">
               <a:rPr lang="en-US" smtClean="0"/>
-              <a:t>22</a:t>
+              <a:t>23</a:t>
             </a:fld>
             <a:endParaRPr lang="en-US"/>
           </a:p>
@@ -10970,7 +11217,7 @@
 </p:sld>
 </file>
 
-<file path=ppt/slides/slide24.xml><?xml version="1.0" encoding="utf-8"?>
+<file path=ppt/slides/slide25.xml><?xml version="1.0" encoding="utf-8"?>
 <p:sld xmlns:a="http://schemas.openxmlformats.org/drawingml/2006/main" xmlns:r="http://schemas.openxmlformats.org/officeDocument/2006/relationships" xmlns:p="http://schemas.openxmlformats.org/presentationml/2006/main">
   <p:cSld>
     <p:spTree>
@@ -11078,7 +11325,7 @@
           <a:p>
             <a:fld id="{B8AB1F1C-5B97-FA47-A21B-131B164DAC8F}" type="slidenum">
               <a:rPr lang="en-US" smtClean="0"/>
-              <a:t>23</a:t>
+              <a:t>24</a:t>
             </a:fld>
             <a:endParaRPr lang="en-US"/>
           </a:p>
@@ -11097,7 +11344,7 @@
 </p:sld>
 </file>
 
-<file path=ppt/slides/slide25.xml><?xml version="1.0" encoding="utf-8"?>
+<file path=ppt/slides/slide26.xml><?xml version="1.0" encoding="utf-8"?>
 <p:sld xmlns:a="http://schemas.openxmlformats.org/drawingml/2006/main" xmlns:r="http://schemas.openxmlformats.org/officeDocument/2006/relationships" xmlns:p="http://schemas.openxmlformats.org/presentationml/2006/main">
   <p:cSld>
     <p:spTree>
@@ -11237,7 +11484,7 @@
           <a:p>
             <a:fld id="{B8AB1F1C-5B97-FA47-A21B-131B164DAC8F}" type="slidenum">
               <a:rPr lang="en-US" smtClean="0"/>
-              <a:t>24</a:t>
+              <a:t>25</a:t>
             </a:fld>
             <a:endParaRPr lang="en-US"/>
           </a:p>
@@ -11863,7 +12110,7 @@
 </p:sld>
 </file>
 
-<file path=ppt/slides/slide26.xml><?xml version="1.0" encoding="utf-8"?>
+<file path=ppt/slides/slide27.xml><?xml version="1.0" encoding="utf-8"?>
 <p:sld xmlns:a="http://schemas.openxmlformats.org/drawingml/2006/main" xmlns:r="http://schemas.openxmlformats.org/officeDocument/2006/relationships" xmlns:p="http://schemas.openxmlformats.org/presentationml/2006/main">
   <p:cSld>
     <p:spTree>
@@ -11936,7 +12183,7 @@
           <a:p>
             <a:fld id="{B8AB1F1C-5B97-FA47-A21B-131B164DAC8F}" type="slidenum">
               <a:rPr lang="en-US" smtClean="0"/>
-              <a:t>25</a:t>
+              <a:t>26</a:t>
             </a:fld>
             <a:endParaRPr lang="en-US"/>
           </a:p>
@@ -11955,7 +12202,7 @@
 </p:sld>
 </file>
 
-<file path=ppt/slides/slide27.xml><?xml version="1.0" encoding="utf-8"?>
+<file path=ppt/slides/slide28.xml><?xml version="1.0" encoding="utf-8"?>
 <p:sld xmlns:a="http://schemas.openxmlformats.org/drawingml/2006/main" xmlns:r="http://schemas.openxmlformats.org/officeDocument/2006/relationships" xmlns:p="http://schemas.openxmlformats.org/presentationml/2006/main">
   <p:cSld>
     <p:spTree>
@@ -12023,7 +12270,7 @@
           <a:p>
             <a:fld id="{B8AB1F1C-5B97-FA47-A21B-131B164DAC8F}" type="slidenum">
               <a:rPr lang="en-US" smtClean="0"/>
-              <a:t>26</a:t>
+              <a:t>27</a:t>
             </a:fld>
             <a:endParaRPr lang="en-US"/>
           </a:p>
@@ -12673,7 +12920,7 @@
 </p:sld>
 </file>
 
-<file path=ppt/slides/slide28.xml><?xml version="1.0" encoding="utf-8"?>
+<file path=ppt/slides/slide29.xml><?xml version="1.0" encoding="utf-8"?>
 <p:sld xmlns:a="http://schemas.openxmlformats.org/drawingml/2006/main" xmlns:r="http://schemas.openxmlformats.org/officeDocument/2006/relationships" xmlns:p="http://schemas.openxmlformats.org/presentationml/2006/main">
   <p:cSld>
     <p:spTree>
@@ -12741,7 +12988,7 @@
           <a:p>
             <a:fld id="{B8AB1F1C-5B97-FA47-A21B-131B164DAC8F}" type="slidenum">
               <a:rPr lang="en-US" smtClean="0"/>
-              <a:t>27</a:t>
+              <a:t>28</a:t>
             </a:fld>
             <a:endParaRPr lang="en-US"/>
           </a:p>
@@ -13494,7 +13741,137 @@
 </p:sld>
 </file>
 
-<file path=ppt/slides/slide29.xml><?xml version="1.0" encoding="utf-8"?>
+<file path=ppt/slides/slide3.xml><?xml version="1.0" encoding="utf-8"?>
+<p:sld xmlns:a="http://schemas.openxmlformats.org/drawingml/2006/main" xmlns:r="http://schemas.openxmlformats.org/officeDocument/2006/relationships" xmlns:p="http://schemas.openxmlformats.org/presentationml/2006/main">
+  <p:cSld>
+    <p:spTree>
+      <p:nvGrpSpPr>
+        <p:cNvPr id="1" name=""/>
+        <p:cNvGrpSpPr/>
+        <p:nvPr/>
+      </p:nvGrpSpPr>
+      <p:grpSpPr>
+        <a:xfrm>
+          <a:off x="0" y="0"/>
+          <a:ext cx="0" cy="0"/>
+          <a:chOff x="0" y="0"/>
+          <a:chExt cx="0" cy="0"/>
+        </a:xfrm>
+      </p:grpSpPr>
+      <p:sp>
+        <p:nvSpPr>
+          <p:cNvPr id="4" name="Title 3">
+            <a:extLst>
+              <a:ext uri="{FF2B5EF4-FFF2-40B4-BE49-F238E27FC236}">
+                <a16:creationId xmlns:a16="http://schemas.microsoft.com/office/drawing/2014/main" id="{BD4A714B-ABAA-2148-9342-A7418B01A7D8}"/>
+              </a:ext>
+            </a:extLst>
+          </p:cNvPr>
+          <p:cNvSpPr>
+            <a:spLocks noGrp="1"/>
+          </p:cNvSpPr>
+          <p:nvPr>
+            <p:ph type="title"/>
+          </p:nvPr>
+        </p:nvSpPr>
+        <p:spPr/>
+        <p:txBody>
+          <a:bodyPr/>
+          <a:lstStyle/>
+          <a:p>
+            <a:r>
+              <a:rPr lang="en-US" dirty="0"/>
+              <a:t>Remember what I said…</a:t>
+            </a:r>
+          </a:p>
+        </p:txBody>
+      </p:sp>
+      <p:sp>
+        <p:nvSpPr>
+          <p:cNvPr id="5" name="Text Placeholder 4">
+            <a:extLst>
+              <a:ext uri="{FF2B5EF4-FFF2-40B4-BE49-F238E27FC236}">
+                <a16:creationId xmlns:a16="http://schemas.microsoft.com/office/drawing/2014/main" id="{8313A836-D1CA-C84D-AB8F-D1CF3AFA4141}"/>
+              </a:ext>
+            </a:extLst>
+          </p:cNvPr>
+          <p:cNvSpPr>
+            <a:spLocks noGrp="1"/>
+          </p:cNvSpPr>
+          <p:nvPr>
+            <p:ph type="body" idx="1"/>
+          </p:nvPr>
+        </p:nvSpPr>
+        <p:spPr/>
+        <p:txBody>
+          <a:bodyPr/>
+          <a:lstStyle/>
+          <a:p>
+            <a:pPr marL="50799" indent="0">
+              <a:buNone/>
+            </a:pPr>
+            <a:endParaRPr lang="en-US" dirty="0"/>
+          </a:p>
+          <a:p>
+            <a:pPr marL="50799" indent="0">
+              <a:buNone/>
+            </a:pPr>
+            <a:endParaRPr lang="en-US" dirty="0"/>
+          </a:p>
+          <a:p>
+            <a:pPr marL="50799" indent="0">
+              <a:buNone/>
+            </a:pPr>
+            <a:r>
+              <a:rPr lang="en-US" sz="4400" dirty="0"/>
+              <a:t>“This program is secure”</a:t>
+            </a:r>
+          </a:p>
+        </p:txBody>
+      </p:sp>
+      <p:sp>
+        <p:nvSpPr>
+          <p:cNvPr id="3" name="Slide Number Placeholder 2">
+            <a:extLst>
+              <a:ext uri="{FF2B5EF4-FFF2-40B4-BE49-F238E27FC236}">
+                <a16:creationId xmlns:a16="http://schemas.microsoft.com/office/drawing/2014/main" id="{E2FC923F-98F9-8346-B4C5-57CBEFE1EBCF}"/>
+              </a:ext>
+            </a:extLst>
+          </p:cNvPr>
+          <p:cNvSpPr>
+            <a:spLocks noGrp="1"/>
+          </p:cNvSpPr>
+          <p:nvPr>
+            <p:ph type="sldNum" idx="12"/>
+          </p:nvPr>
+        </p:nvSpPr>
+        <p:spPr/>
+        <p:txBody>
+          <a:bodyPr/>
+          <a:lstStyle/>
+          <a:p>
+            <a:fld id="{B8AB1F1C-5B97-FA47-A21B-131B164DAC8F}" type="slidenum">
+              <a:rPr lang="en-US" smtClean="0"/>
+              <a:t>2</a:t>
+            </a:fld>
+            <a:endParaRPr lang="en-US"/>
+          </a:p>
+        </p:txBody>
+      </p:sp>
+    </p:spTree>
+    <p:extLst>
+      <p:ext uri="{BB962C8B-B14F-4D97-AF65-F5344CB8AC3E}">
+        <p14:creationId xmlns:p14="http://schemas.microsoft.com/office/powerpoint/2010/main" val="3731920562"/>
+      </p:ext>
+    </p:extLst>
+  </p:cSld>
+  <p:clrMapOvr>
+    <a:masterClrMapping/>
+  </p:clrMapOvr>
+</p:sld>
+</file>
+
+<file path=ppt/slides/slide30.xml><?xml version="1.0" encoding="utf-8"?>
 <p:sld xmlns:a="http://schemas.openxmlformats.org/drawingml/2006/main" xmlns:r="http://schemas.openxmlformats.org/officeDocument/2006/relationships" xmlns:p="http://schemas.openxmlformats.org/presentationml/2006/main">
   <p:cSld>
     <p:spTree>
@@ -13562,7 +13939,7 @@
           <a:p>
             <a:fld id="{B8AB1F1C-5B97-FA47-A21B-131B164DAC8F}" type="slidenum">
               <a:rPr lang="en-US" smtClean="0"/>
-              <a:t>28</a:t>
+              <a:t>29</a:t>
             </a:fld>
             <a:endParaRPr lang="en-US"/>
           </a:p>
@@ -14377,119 +14754,7 @@
 </p:sld>
 </file>
 
-<file path=ppt/slides/slide3.xml><?xml version="1.0" encoding="utf-8"?>
-<p:sld xmlns:a="http://schemas.openxmlformats.org/drawingml/2006/main" xmlns:r="http://schemas.openxmlformats.org/officeDocument/2006/relationships" xmlns:p="http://schemas.openxmlformats.org/presentationml/2006/main">
-  <p:cSld>
-    <p:spTree>
-      <p:nvGrpSpPr>
-        <p:cNvPr id="1" name=""/>
-        <p:cNvGrpSpPr/>
-        <p:nvPr/>
-      </p:nvGrpSpPr>
-      <p:grpSpPr>
-        <a:xfrm>
-          <a:off x="0" y="0"/>
-          <a:ext cx="0" cy="0"/>
-          <a:chOff x="0" y="0"/>
-          <a:chExt cx="0" cy="0"/>
-        </a:xfrm>
-      </p:grpSpPr>
-      <p:sp>
-        <p:nvSpPr>
-          <p:cNvPr id="4" name="Title 3">
-            <a:extLst>
-              <a:ext uri="{FF2B5EF4-FFF2-40B4-BE49-F238E27FC236}">
-                <a16:creationId xmlns:a16="http://schemas.microsoft.com/office/drawing/2014/main" id="{BD4A714B-ABAA-2148-9342-A7418B01A7D8}"/>
-              </a:ext>
-            </a:extLst>
-          </p:cNvPr>
-          <p:cNvSpPr>
-            <a:spLocks noGrp="1"/>
-          </p:cNvSpPr>
-          <p:nvPr>
-            <p:ph type="title"/>
-          </p:nvPr>
-        </p:nvSpPr>
-        <p:spPr/>
-        <p:txBody>
-          <a:bodyPr/>
-          <a:lstStyle/>
-          <a:p>
-            <a:r>
-              <a:rPr lang="en-US" dirty="0"/>
-              <a:t>Is it really secure?</a:t>
-            </a:r>
-          </a:p>
-        </p:txBody>
-      </p:sp>
-      <p:sp>
-        <p:nvSpPr>
-          <p:cNvPr id="5" name="Text Placeholder 4">
-            <a:extLst>
-              <a:ext uri="{FF2B5EF4-FFF2-40B4-BE49-F238E27FC236}">
-                <a16:creationId xmlns:a16="http://schemas.microsoft.com/office/drawing/2014/main" id="{8313A836-D1CA-C84D-AB8F-D1CF3AFA4141}"/>
-              </a:ext>
-            </a:extLst>
-          </p:cNvPr>
-          <p:cNvSpPr>
-            <a:spLocks noGrp="1"/>
-          </p:cNvSpPr>
-          <p:nvPr>
-            <p:ph type="body" idx="1"/>
-          </p:nvPr>
-        </p:nvSpPr>
-        <p:spPr/>
-        <p:txBody>
-          <a:bodyPr/>
-          <a:lstStyle/>
-          <a:p>
-            <a:endParaRPr lang="en-US" dirty="0"/>
-          </a:p>
-        </p:txBody>
-      </p:sp>
-      <p:sp>
-        <p:nvSpPr>
-          <p:cNvPr id="3" name="Slide Number Placeholder 2">
-            <a:extLst>
-              <a:ext uri="{FF2B5EF4-FFF2-40B4-BE49-F238E27FC236}">
-                <a16:creationId xmlns:a16="http://schemas.microsoft.com/office/drawing/2014/main" id="{E2FC923F-98F9-8346-B4C5-57CBEFE1EBCF}"/>
-              </a:ext>
-            </a:extLst>
-          </p:cNvPr>
-          <p:cNvSpPr>
-            <a:spLocks noGrp="1"/>
-          </p:cNvSpPr>
-          <p:nvPr>
-            <p:ph type="sldNum" idx="12"/>
-          </p:nvPr>
-        </p:nvSpPr>
-        <p:spPr/>
-        <p:txBody>
-          <a:bodyPr/>
-          <a:lstStyle/>
-          <a:p>
-            <a:fld id="{B8AB1F1C-5B97-FA47-A21B-131B164DAC8F}" type="slidenum">
-              <a:rPr lang="en-US" smtClean="0"/>
-              <a:t>2</a:t>
-            </a:fld>
-            <a:endParaRPr lang="en-US"/>
-          </a:p>
-        </p:txBody>
-      </p:sp>
-    </p:spTree>
-    <p:extLst>
-      <p:ext uri="{BB962C8B-B14F-4D97-AF65-F5344CB8AC3E}">
-        <p14:creationId xmlns:p14="http://schemas.microsoft.com/office/powerpoint/2010/main" val="713916247"/>
-      </p:ext>
-    </p:extLst>
-  </p:cSld>
-  <p:clrMapOvr>
-    <a:masterClrMapping/>
-  </p:clrMapOvr>
-</p:sld>
-</file>
-
-<file path=ppt/slides/slide30.xml><?xml version="1.0" encoding="utf-8"?>
+<file path=ppt/slides/slide31.xml><?xml version="1.0" encoding="utf-8"?>
 <p:sld xmlns:a="http://schemas.openxmlformats.org/drawingml/2006/main" xmlns:r="http://schemas.openxmlformats.org/officeDocument/2006/relationships" xmlns:p="http://schemas.openxmlformats.org/presentationml/2006/main">
   <p:cSld>
     <p:spTree>
@@ -14557,7 +14822,7 @@
           <a:p>
             <a:fld id="{B8AB1F1C-5B97-FA47-A21B-131B164DAC8F}" type="slidenum">
               <a:rPr lang="en-US" smtClean="0"/>
-              <a:t>29</a:t>
+              <a:t>30</a:t>
             </a:fld>
             <a:endParaRPr lang="en-US"/>
           </a:p>
@@ -15372,7 +15637,7 @@
 </p:sld>
 </file>
 
-<file path=ppt/slides/slide31.xml><?xml version="1.0" encoding="utf-8"?>
+<file path=ppt/slides/slide32.xml><?xml version="1.0" encoding="utf-8"?>
 <p:sld xmlns:a="http://schemas.openxmlformats.org/drawingml/2006/main" xmlns:r="http://schemas.openxmlformats.org/officeDocument/2006/relationships" xmlns:p="http://schemas.openxmlformats.org/presentationml/2006/main">
   <p:cSld>
     <p:spTree>
@@ -15440,7 +15705,7 @@
           <a:p>
             <a:fld id="{B8AB1F1C-5B97-FA47-A21B-131B164DAC8F}" type="slidenum">
               <a:rPr lang="en-US" smtClean="0"/>
-              <a:t>30</a:t>
+              <a:t>31</a:t>
             </a:fld>
             <a:endParaRPr lang="en-US"/>
           </a:p>
@@ -16278,7 +16543,7 @@
 </p:sld>
 </file>
 
-<file path=ppt/slides/slide32.xml><?xml version="1.0" encoding="utf-8"?>
+<file path=ppt/slides/slide33.xml><?xml version="1.0" encoding="utf-8"?>
 <p:sld xmlns:a="http://schemas.openxmlformats.org/drawingml/2006/main" xmlns:r="http://schemas.openxmlformats.org/officeDocument/2006/relationships" xmlns:p="http://schemas.openxmlformats.org/presentationml/2006/main">
   <p:cSld>
     <p:spTree>
@@ -16346,7 +16611,7 @@
           <a:p>
             <a:fld id="{B8AB1F1C-5B97-FA47-A21B-131B164DAC8F}" type="slidenum">
               <a:rPr lang="en-US" smtClean="0"/>
-              <a:t>31</a:t>
+              <a:t>32</a:t>
             </a:fld>
             <a:endParaRPr lang="en-US"/>
           </a:p>
@@ -17244,7 +17509,7 @@
 </p:sld>
 </file>
 
-<file path=ppt/slides/slide33.xml><?xml version="1.0" encoding="utf-8"?>
+<file path=ppt/slides/slide34.xml><?xml version="1.0" encoding="utf-8"?>
 <p:sld xmlns:a="http://schemas.openxmlformats.org/drawingml/2006/main" xmlns:r="http://schemas.openxmlformats.org/officeDocument/2006/relationships" xmlns:p="http://schemas.openxmlformats.org/presentationml/2006/main">
   <p:cSld>
     <p:spTree>
@@ -17312,7 +17577,7 @@
           <a:p>
             <a:fld id="{B8AB1F1C-5B97-FA47-A21B-131B164DAC8F}" type="slidenum">
               <a:rPr lang="en-US" smtClean="0"/>
-              <a:t>32</a:t>
+              <a:t>33</a:t>
             </a:fld>
             <a:endParaRPr lang="en-US"/>
           </a:p>
@@ -18210,7 +18475,7 @@
 </p:sld>
 </file>
 
-<file path=ppt/slides/slide34.xml><?xml version="1.0" encoding="utf-8"?>
+<file path=ppt/slides/slide35.xml><?xml version="1.0" encoding="utf-8"?>
 <p:sld xmlns:a="http://schemas.openxmlformats.org/drawingml/2006/main" xmlns:r="http://schemas.openxmlformats.org/officeDocument/2006/relationships" xmlns:p="http://schemas.openxmlformats.org/presentationml/2006/main">
   <p:cSld>
     <p:spTree>
@@ -18278,7 +18543,7 @@
           <a:p>
             <a:fld id="{B8AB1F1C-5B97-FA47-A21B-131B164DAC8F}" type="slidenum">
               <a:rPr lang="en-US" smtClean="0"/>
-              <a:t>33</a:t>
+              <a:t>34</a:t>
             </a:fld>
             <a:endParaRPr lang="en-US"/>
           </a:p>
@@ -19159,7 +19424,7 @@
 </p:sld>
 </file>
 
-<file path=ppt/slides/slide35.xml><?xml version="1.0" encoding="utf-8"?>
+<file path=ppt/slides/slide36.xml><?xml version="1.0" encoding="utf-8"?>
 <p:sld xmlns:a="http://schemas.openxmlformats.org/drawingml/2006/main" xmlns:r="http://schemas.openxmlformats.org/officeDocument/2006/relationships" xmlns:p="http://schemas.openxmlformats.org/presentationml/2006/main">
   <p:cSld>
     <p:spTree>
@@ -19227,7 +19492,7 @@
           <a:p>
             <a:fld id="{B8AB1F1C-5B97-FA47-A21B-131B164DAC8F}" type="slidenum">
               <a:rPr lang="en-US" smtClean="0"/>
-              <a:t>34</a:t>
+              <a:t>35</a:t>
             </a:fld>
             <a:endParaRPr lang="en-US"/>
           </a:p>
@@ -20181,1090 +20446,6 @@
 </p:sld>
 </file>
 
-<file path=ppt/slides/slide36.xml><?xml version="1.0" encoding="utf-8"?>
-<p:sld xmlns:a="http://schemas.openxmlformats.org/drawingml/2006/main" xmlns:r="http://schemas.openxmlformats.org/officeDocument/2006/relationships" xmlns:p="http://schemas.openxmlformats.org/presentationml/2006/main">
-  <p:cSld>
-    <p:spTree>
-      <p:nvGrpSpPr>
-        <p:cNvPr id="1" name=""/>
-        <p:cNvGrpSpPr/>
-        <p:nvPr/>
-      </p:nvGrpSpPr>
-      <p:grpSpPr>
-        <a:xfrm>
-          <a:off x="0" y="0"/>
-          <a:ext cx="0" cy="0"/>
-          <a:chOff x="0" y="0"/>
-          <a:chExt cx="0" cy="0"/>
-        </a:xfrm>
-      </p:grpSpPr>
-      <p:sp>
-        <p:nvSpPr>
-          <p:cNvPr id="4" name="Title 3">
-            <a:extLst>
-              <a:ext uri="{FF2B5EF4-FFF2-40B4-BE49-F238E27FC236}">
-                <a16:creationId xmlns:a16="http://schemas.microsoft.com/office/drawing/2014/main" id="{DC5024CD-871D-4241-AEEF-7F8685EE501D}"/>
-              </a:ext>
-            </a:extLst>
-          </p:cNvPr>
-          <p:cNvSpPr>
-            <a:spLocks noGrp="1"/>
-          </p:cNvSpPr>
-          <p:nvPr>
-            <p:ph type="title"/>
-          </p:nvPr>
-        </p:nvSpPr>
-        <p:spPr/>
-        <p:txBody>
-          <a:bodyPr/>
-          <a:lstStyle/>
-          <a:p>
-            <a:r>
-              <a:rPr lang="en-US" dirty="0"/>
-              <a:t>Example</a:t>
-            </a:r>
-          </a:p>
-        </p:txBody>
-      </p:sp>
-      <p:sp>
-        <p:nvSpPr>
-          <p:cNvPr id="3" name="Slide Number Placeholder 2">
-            <a:extLst>
-              <a:ext uri="{FF2B5EF4-FFF2-40B4-BE49-F238E27FC236}">
-                <a16:creationId xmlns:a16="http://schemas.microsoft.com/office/drawing/2014/main" id="{A09335C1-DA68-6243-B24E-E4D0BF61E043}"/>
-              </a:ext>
-            </a:extLst>
-          </p:cNvPr>
-          <p:cNvSpPr>
-            <a:spLocks noGrp="1"/>
-          </p:cNvSpPr>
-          <p:nvPr>
-            <p:ph type="sldNum" idx="12"/>
-          </p:nvPr>
-        </p:nvSpPr>
-        <p:spPr/>
-        <p:txBody>
-          <a:bodyPr/>
-          <a:lstStyle/>
-          <a:p>
-            <a:fld id="{B8AB1F1C-5B97-FA47-A21B-131B164DAC8F}" type="slidenum">
-              <a:rPr lang="en-US" smtClean="0"/>
-              <a:t>35</a:t>
-            </a:fld>
-            <a:endParaRPr lang="en-US"/>
-          </a:p>
-        </p:txBody>
-      </p:sp>
-      <p:sp>
-        <p:nvSpPr>
-          <p:cNvPr id="9" name="Rectangle 8">
-            <a:extLst>
-              <a:ext uri="{FF2B5EF4-FFF2-40B4-BE49-F238E27FC236}">
-                <a16:creationId xmlns:a16="http://schemas.microsoft.com/office/drawing/2014/main" id="{27676B4F-7244-0940-A77E-379D57D6C2E7}"/>
-              </a:ext>
-            </a:extLst>
-          </p:cNvPr>
-          <p:cNvSpPr/>
-          <p:nvPr/>
-        </p:nvSpPr>
-        <p:spPr>
-          <a:xfrm>
-            <a:off x="1283034" y="1956252"/>
-            <a:ext cx="6858000" cy="2462213"/>
-          </a:xfrm>
-          <a:prstGeom prst="rect">
-            <a:avLst/>
-          </a:prstGeom>
-        </p:spPr>
-        <p:txBody>
-          <a:bodyPr wrap="square">
-            <a:spAutoFit/>
-          </a:bodyPr>
-          <a:lstStyle/>
-          <a:p>
-            <a:r>
-              <a:rPr lang="en-US" dirty="0">
-                <a:solidFill>
-                  <a:srgbClr val="B00040"/>
-                </a:solidFill>
-                <a:latin typeface="Courier" pitchFamily="2" charset="0"/>
-              </a:rPr>
-              <a:t>void</a:t>
-            </a:r>
-            <a:r>
-              <a:rPr lang="en-US" dirty="0">
-                <a:latin typeface="Courier" pitchFamily="2" charset="0"/>
-              </a:rPr>
-              <a:t> </a:t>
-            </a:r>
-            <a:r>
-              <a:rPr lang="en-US" dirty="0">
-                <a:solidFill>
-                  <a:srgbClr val="0000FF"/>
-                </a:solidFill>
-                <a:latin typeface="Courier" pitchFamily="2" charset="0"/>
-              </a:rPr>
-              <a:t>check</a:t>
-            </a:r>
-            <a:r>
-              <a:rPr lang="en-US" dirty="0">
-                <a:latin typeface="Courier" pitchFamily="2" charset="0"/>
-              </a:rPr>
-              <a:t>(</a:t>
-            </a:r>
-            <a:r>
-              <a:rPr lang="en-US" dirty="0">
-                <a:solidFill>
-                  <a:srgbClr val="B00040"/>
-                </a:solidFill>
-                <a:latin typeface="Courier" pitchFamily="2" charset="0"/>
-              </a:rPr>
-              <a:t>char</a:t>
-            </a:r>
-            <a:r>
-              <a:rPr lang="en-US" dirty="0">
-                <a:latin typeface="Courier" pitchFamily="2" charset="0"/>
-              </a:rPr>
-              <a:t> id[</a:t>
-            </a:r>
-            <a:r>
-              <a:rPr lang="en-US" dirty="0">
-                <a:solidFill>
-                  <a:srgbClr val="666666"/>
-                </a:solidFill>
-                <a:latin typeface="Courier" pitchFamily="2" charset="0"/>
-              </a:rPr>
-              <a:t>15</a:t>
-            </a:r>
-            <a:r>
-              <a:rPr lang="en-US" dirty="0">
-                <a:latin typeface="Courier" pitchFamily="2" charset="0"/>
-              </a:rPr>
-              <a:t>]){</a:t>
-            </a:r>
-          </a:p>
-          <a:p>
-            <a:r>
-              <a:rPr lang="en-US" dirty="0">
-                <a:latin typeface="Courier" pitchFamily="2" charset="0"/>
-              </a:rPr>
-              <a:t>  </a:t>
-            </a:r>
-            <a:r>
-              <a:rPr lang="en-US" dirty="0">
-                <a:solidFill>
-                  <a:srgbClr val="B00040"/>
-                </a:solidFill>
-                <a:latin typeface="Courier" pitchFamily="2" charset="0"/>
-              </a:rPr>
-              <a:t>char</a:t>
-            </a:r>
-            <a:r>
-              <a:rPr lang="en-US" dirty="0">
-                <a:latin typeface="Courier" pitchFamily="2" charset="0"/>
-              </a:rPr>
-              <a:t> path[</a:t>
-            </a:r>
-            <a:r>
-              <a:rPr lang="en-US" dirty="0">
-                <a:solidFill>
-                  <a:srgbClr val="666666"/>
-                </a:solidFill>
-                <a:latin typeface="Courier" pitchFamily="2" charset="0"/>
-              </a:rPr>
-              <a:t>50</a:t>
-            </a:r>
-            <a:r>
-              <a:rPr lang="en-US" dirty="0">
-                <a:latin typeface="Courier" pitchFamily="2" charset="0"/>
-              </a:rPr>
-              <a:t>] </a:t>
-            </a:r>
-            <a:r>
-              <a:rPr lang="en-US" dirty="0">
-                <a:solidFill>
-                  <a:srgbClr val="666666"/>
-                </a:solidFill>
-                <a:latin typeface="Courier" pitchFamily="2" charset="0"/>
-              </a:rPr>
-              <a:t>=</a:t>
-            </a:r>
-            <a:r>
-              <a:rPr lang="en-US" dirty="0">
-                <a:latin typeface="Courier" pitchFamily="2" charset="0"/>
-              </a:rPr>
-              <a:t> {};</a:t>
-            </a:r>
-          </a:p>
-          <a:p>
-            <a:r>
-              <a:rPr lang="en-US" dirty="0">
-                <a:latin typeface="Courier" pitchFamily="2" charset="0"/>
-              </a:rPr>
-              <a:t>  </a:t>
-            </a:r>
-            <a:r>
-              <a:rPr lang="en-US" dirty="0">
-                <a:solidFill>
-                  <a:srgbClr val="B00040"/>
-                </a:solidFill>
-                <a:latin typeface="Courier" pitchFamily="2" charset="0"/>
-              </a:rPr>
-              <a:t>int</a:t>
-            </a:r>
-            <a:r>
-              <a:rPr lang="en-US" dirty="0">
-                <a:latin typeface="Courier" pitchFamily="2" charset="0"/>
-              </a:rPr>
-              <a:t> res;</a:t>
-            </a:r>
-          </a:p>
-          <a:p>
-            <a:r>
-              <a:rPr lang="en-US" dirty="0">
-                <a:latin typeface="Courier" pitchFamily="2" charset="0"/>
-              </a:rPr>
-              <a:t>  </a:t>
-            </a:r>
-            <a:r>
-              <a:rPr lang="en-US" dirty="0" err="1">
-                <a:latin typeface="Courier" pitchFamily="2" charset="0"/>
-              </a:rPr>
-              <a:t>sprintf</a:t>
-            </a:r>
-            <a:r>
-              <a:rPr lang="en-US" dirty="0">
-                <a:latin typeface="Courier" pitchFamily="2" charset="0"/>
-              </a:rPr>
-              <a:t>(path, </a:t>
-            </a:r>
-            <a:r>
-              <a:rPr lang="en-US" dirty="0">
-                <a:solidFill>
-                  <a:srgbClr val="BA2121"/>
-                </a:solidFill>
-                <a:latin typeface="Courier" pitchFamily="2" charset="0"/>
-              </a:rPr>
-              <a:t>"records/%s"</a:t>
-            </a:r>
-            <a:r>
-              <a:rPr lang="en-US" dirty="0">
-                <a:latin typeface="Courier" pitchFamily="2" charset="0"/>
-              </a:rPr>
-              <a:t>, id);</a:t>
-            </a:r>
-          </a:p>
-          <a:p>
-            <a:r>
-              <a:rPr lang="en-US" dirty="0">
-                <a:latin typeface="Courier" pitchFamily="2" charset="0"/>
-              </a:rPr>
-              <a:t>  </a:t>
-            </a:r>
-            <a:r>
-              <a:rPr lang="en-US" b="1" dirty="0">
-                <a:solidFill>
-                  <a:srgbClr val="008000"/>
-                </a:solidFill>
-                <a:latin typeface="Courier" pitchFamily="2" charset="0"/>
-              </a:rPr>
-              <a:t>if</a:t>
-            </a:r>
-            <a:r>
-              <a:rPr lang="en-US" dirty="0">
-                <a:latin typeface="Courier" pitchFamily="2" charset="0"/>
-              </a:rPr>
-              <a:t> (</a:t>
-            </a:r>
-            <a:r>
-              <a:rPr lang="en-US" dirty="0" err="1">
-                <a:latin typeface="Courier" pitchFamily="2" charset="0"/>
-              </a:rPr>
-              <a:t>valid_path</a:t>
-            </a:r>
-            <a:r>
-              <a:rPr lang="en-US" dirty="0">
-                <a:latin typeface="Courier" pitchFamily="2" charset="0"/>
-              </a:rPr>
-              <a:t>(path) </a:t>
-            </a:r>
-            <a:r>
-              <a:rPr lang="en-US" dirty="0">
-                <a:solidFill>
-                  <a:srgbClr val="666666"/>
-                </a:solidFill>
-                <a:latin typeface="Courier" pitchFamily="2" charset="0"/>
-              </a:rPr>
-              <a:t>!=</a:t>
-            </a:r>
-            <a:r>
-              <a:rPr lang="en-US" dirty="0">
-                <a:latin typeface="Courier" pitchFamily="2" charset="0"/>
-              </a:rPr>
-              <a:t> </a:t>
-            </a:r>
-            <a:r>
-              <a:rPr lang="en-US" dirty="0">
-                <a:solidFill>
-                  <a:srgbClr val="666666"/>
-                </a:solidFill>
-                <a:latin typeface="Courier" pitchFamily="2" charset="0"/>
-              </a:rPr>
-              <a:t>0</a:t>
-            </a:r>
-            <a:r>
-              <a:rPr lang="en-US" dirty="0">
-                <a:latin typeface="Courier" pitchFamily="2" charset="0"/>
-              </a:rPr>
-              <a:t>){</a:t>
-            </a:r>
-          </a:p>
-          <a:p>
-            <a:r>
-              <a:rPr lang="en-US" dirty="0">
-                <a:latin typeface="Courier" pitchFamily="2" charset="0"/>
-              </a:rPr>
-              <a:t>    res </a:t>
-            </a:r>
-            <a:r>
-              <a:rPr lang="en-US" dirty="0">
-                <a:solidFill>
-                  <a:srgbClr val="666666"/>
-                </a:solidFill>
-                <a:latin typeface="Courier" pitchFamily="2" charset="0"/>
-              </a:rPr>
-              <a:t>=</a:t>
-            </a:r>
-            <a:r>
-              <a:rPr lang="en-US" dirty="0">
-                <a:latin typeface="Courier" pitchFamily="2" charset="0"/>
-              </a:rPr>
-              <a:t> </a:t>
-            </a:r>
-            <a:r>
-              <a:rPr lang="en-US" dirty="0" err="1">
-                <a:latin typeface="Courier" pitchFamily="2" charset="0"/>
-              </a:rPr>
-              <a:t>execl</a:t>
-            </a:r>
-            <a:r>
-              <a:rPr lang="en-US" dirty="0">
-                <a:latin typeface="Courier" pitchFamily="2" charset="0"/>
-              </a:rPr>
-              <a:t>(</a:t>
-            </a:r>
-            <a:r>
-              <a:rPr lang="en-US" dirty="0">
-                <a:solidFill>
-                  <a:srgbClr val="BA2121"/>
-                </a:solidFill>
-                <a:latin typeface="Courier" pitchFamily="2" charset="0"/>
-              </a:rPr>
-              <a:t>"/</a:t>
-            </a:r>
-            <a:r>
-              <a:rPr lang="en-US" dirty="0" err="1">
-                <a:solidFill>
-                  <a:srgbClr val="BA2121"/>
-                </a:solidFill>
-                <a:latin typeface="Courier" pitchFamily="2" charset="0"/>
-              </a:rPr>
-              <a:t>usr</a:t>
-            </a:r>
-            <a:r>
-              <a:rPr lang="en-US" dirty="0">
-                <a:solidFill>
-                  <a:srgbClr val="BA2121"/>
-                </a:solidFill>
-                <a:latin typeface="Courier" pitchFamily="2" charset="0"/>
-              </a:rPr>
-              <a:t>/bin/cat"</a:t>
-            </a:r>
-            <a:r>
-              <a:rPr lang="en-US" dirty="0">
-                <a:latin typeface="Courier" pitchFamily="2" charset="0"/>
-              </a:rPr>
-              <a:t>, </a:t>
-            </a:r>
-            <a:r>
-              <a:rPr lang="en-US" dirty="0">
-                <a:solidFill>
-                  <a:srgbClr val="BA2121"/>
-                </a:solidFill>
-                <a:latin typeface="Courier" pitchFamily="2" charset="0"/>
-              </a:rPr>
-              <a:t>"/</a:t>
-            </a:r>
-            <a:r>
-              <a:rPr lang="en-US" dirty="0" err="1">
-                <a:solidFill>
-                  <a:srgbClr val="BA2121"/>
-                </a:solidFill>
-                <a:latin typeface="Courier" pitchFamily="2" charset="0"/>
-              </a:rPr>
-              <a:t>usr</a:t>
-            </a:r>
-            <a:r>
-              <a:rPr lang="en-US" dirty="0">
-                <a:solidFill>
-                  <a:srgbClr val="BA2121"/>
-                </a:solidFill>
-                <a:latin typeface="Courier" pitchFamily="2" charset="0"/>
-              </a:rPr>
-              <a:t>/bin/cat"</a:t>
-            </a:r>
-            <a:r>
-              <a:rPr lang="en-US" dirty="0">
-                <a:latin typeface="Courier" pitchFamily="2" charset="0"/>
-              </a:rPr>
-              <a:t>, path, </a:t>
-            </a:r>
-            <a:r>
-              <a:rPr lang="en-US" dirty="0">
-                <a:solidFill>
-                  <a:srgbClr val="008000"/>
-                </a:solidFill>
-                <a:latin typeface="Courier" pitchFamily="2" charset="0"/>
-              </a:rPr>
-              <a:t>NULL</a:t>
-            </a:r>
-            <a:r>
-              <a:rPr lang="en-US" dirty="0">
-                <a:latin typeface="Courier" pitchFamily="2" charset="0"/>
-              </a:rPr>
-              <a:t>);</a:t>
-            </a:r>
-            <a:endParaRPr lang="en-US" dirty="0">
-              <a:solidFill>
-                <a:srgbClr val="BA2121"/>
-              </a:solidFill>
-              <a:latin typeface="Courier" pitchFamily="2" charset="0"/>
-            </a:endParaRPr>
-          </a:p>
-          <a:p>
-            <a:r>
-              <a:rPr lang="en-US" dirty="0">
-                <a:latin typeface="Courier" pitchFamily="2" charset="0"/>
-              </a:rPr>
-              <a:t>    </a:t>
-            </a:r>
-            <a:r>
-              <a:rPr lang="en-US" b="1" dirty="0">
-                <a:solidFill>
-                  <a:srgbClr val="008000"/>
-                </a:solidFill>
-                <a:latin typeface="Courier" pitchFamily="2" charset="0"/>
-              </a:rPr>
-              <a:t>if</a:t>
-            </a:r>
-            <a:r>
-              <a:rPr lang="en-US" dirty="0">
-                <a:latin typeface="Courier" pitchFamily="2" charset="0"/>
-              </a:rPr>
-              <a:t> (res </a:t>
-            </a:r>
-            <a:r>
-              <a:rPr lang="en-US" dirty="0">
-                <a:solidFill>
-                  <a:srgbClr val="666666"/>
-                </a:solidFill>
-                <a:latin typeface="Courier" pitchFamily="2" charset="0"/>
-              </a:rPr>
-              <a:t>==</a:t>
-            </a:r>
-            <a:r>
-              <a:rPr lang="en-US" dirty="0">
-                <a:latin typeface="Courier" pitchFamily="2" charset="0"/>
-              </a:rPr>
-              <a:t> </a:t>
-            </a:r>
-            <a:r>
-              <a:rPr lang="en-US" dirty="0">
-                <a:solidFill>
-                  <a:srgbClr val="666666"/>
-                </a:solidFill>
-                <a:latin typeface="Courier" pitchFamily="2" charset="0"/>
-              </a:rPr>
-              <a:t>0</a:t>
-            </a:r>
-            <a:r>
-              <a:rPr lang="en-US" dirty="0">
-                <a:latin typeface="Courier" pitchFamily="2" charset="0"/>
-              </a:rPr>
-              <a:t>) </a:t>
-            </a:r>
-            <a:r>
-              <a:rPr lang="en-US" dirty="0" err="1">
-                <a:latin typeface="Courier" pitchFamily="2" charset="0"/>
-              </a:rPr>
-              <a:t>printf</a:t>
-            </a:r>
-            <a:r>
-              <a:rPr lang="en-US" dirty="0">
-                <a:latin typeface="Courier" pitchFamily="2" charset="0"/>
-              </a:rPr>
-              <a:t>(</a:t>
-            </a:r>
-            <a:r>
-              <a:rPr lang="en-US" dirty="0">
-                <a:solidFill>
-                  <a:srgbClr val="BA2121"/>
-                </a:solidFill>
-                <a:latin typeface="Courier" pitchFamily="2" charset="0"/>
-              </a:rPr>
-              <a:t>"Check pass!</a:t>
-            </a:r>
-            <a:r>
-              <a:rPr lang="en-US" b="1" dirty="0">
-                <a:solidFill>
-                  <a:srgbClr val="BB6622"/>
-                </a:solidFill>
-                <a:latin typeface="Courier" pitchFamily="2" charset="0"/>
-              </a:rPr>
-              <a:t>\n</a:t>
-            </a:r>
-            <a:r>
-              <a:rPr lang="en-US" dirty="0">
-                <a:solidFill>
-                  <a:srgbClr val="BA2121"/>
-                </a:solidFill>
-                <a:latin typeface="Courier" pitchFamily="2" charset="0"/>
-              </a:rPr>
-              <a:t>"</a:t>
-            </a:r>
-            <a:r>
-              <a:rPr lang="en-US" dirty="0">
-                <a:latin typeface="Courier" pitchFamily="2" charset="0"/>
-              </a:rPr>
-              <a:t>);</a:t>
-            </a:r>
-          </a:p>
-          <a:p>
-            <a:r>
-              <a:rPr lang="en-US" dirty="0">
-                <a:latin typeface="Courier" pitchFamily="2" charset="0"/>
-              </a:rPr>
-              <a:t>    </a:t>
-            </a:r>
-            <a:r>
-              <a:rPr lang="en-US" b="1" dirty="0">
-                <a:solidFill>
-                  <a:srgbClr val="008000"/>
-                </a:solidFill>
-                <a:latin typeface="Courier" pitchFamily="2" charset="0"/>
-              </a:rPr>
-              <a:t>else </a:t>
-            </a:r>
-            <a:r>
-              <a:rPr lang="en-US" dirty="0" err="1">
-                <a:latin typeface="Courier" pitchFamily="2" charset="0"/>
-              </a:rPr>
-              <a:t>printf</a:t>
-            </a:r>
-            <a:r>
-              <a:rPr lang="en-US" dirty="0">
-                <a:latin typeface="Courier" pitchFamily="2" charset="0"/>
-              </a:rPr>
-              <a:t>(</a:t>
-            </a:r>
-            <a:r>
-              <a:rPr lang="en-US" dirty="0">
-                <a:solidFill>
-                  <a:srgbClr val="BA2121"/>
-                </a:solidFill>
-                <a:latin typeface="Courier" pitchFamily="2" charset="0"/>
-              </a:rPr>
-              <a:t>"Check failed</a:t>
-            </a:r>
-            <a:r>
-              <a:rPr lang="en-US" b="1" dirty="0">
-                <a:solidFill>
-                  <a:srgbClr val="BB6622"/>
-                </a:solidFill>
-                <a:latin typeface="Courier" pitchFamily="2" charset="0"/>
-              </a:rPr>
-              <a:t>\n</a:t>
-            </a:r>
-            <a:r>
-              <a:rPr lang="en-US" dirty="0">
-                <a:solidFill>
-                  <a:srgbClr val="BA2121"/>
-                </a:solidFill>
-                <a:latin typeface="Courier" pitchFamily="2" charset="0"/>
-              </a:rPr>
-              <a:t>"</a:t>
-            </a:r>
-            <a:r>
-              <a:rPr lang="en-US" dirty="0">
-                <a:latin typeface="Courier" pitchFamily="2" charset="0"/>
-              </a:rPr>
-              <a:t>);</a:t>
-            </a:r>
-          </a:p>
-          <a:p>
-            <a:r>
-              <a:rPr lang="en-US" dirty="0">
-                <a:latin typeface="Courier" pitchFamily="2" charset="0"/>
-              </a:rPr>
-              <a:t>  }</a:t>
-            </a:r>
-          </a:p>
-          <a:p>
-            <a:r>
-              <a:rPr lang="en-US" dirty="0">
-                <a:latin typeface="Courier" pitchFamily="2" charset="0"/>
-              </a:rPr>
-              <a:t>}</a:t>
-            </a:r>
-            <a:br>
-              <a:rPr lang="en-US" dirty="0">
-                <a:latin typeface="Courier" pitchFamily="2" charset="0"/>
-              </a:rPr>
-            </a:br>
-            <a:endParaRPr lang="en-US" dirty="0">
-              <a:effectLst/>
-              <a:latin typeface="Courier" pitchFamily="2" charset="0"/>
-            </a:endParaRPr>
-          </a:p>
-        </p:txBody>
-      </p:sp>
-      <p:sp>
-        <p:nvSpPr>
-          <p:cNvPr id="10" name="Rectangle 9">
-            <a:extLst>
-              <a:ext uri="{FF2B5EF4-FFF2-40B4-BE49-F238E27FC236}">
-                <a16:creationId xmlns:a16="http://schemas.microsoft.com/office/drawing/2014/main" id="{C5BDD55F-E397-364A-8921-C9C0386FBE06}"/>
-              </a:ext>
-            </a:extLst>
-          </p:cNvPr>
-          <p:cNvSpPr/>
-          <p:nvPr/>
-        </p:nvSpPr>
-        <p:spPr>
-          <a:xfrm>
-            <a:off x="1283034" y="4024426"/>
-            <a:ext cx="6096000" cy="2031325"/>
-          </a:xfrm>
-          <a:prstGeom prst="rect">
-            <a:avLst/>
-          </a:prstGeom>
-        </p:spPr>
-        <p:txBody>
-          <a:bodyPr>
-            <a:spAutoFit/>
-          </a:bodyPr>
-          <a:lstStyle/>
-          <a:p>
-            <a:endParaRPr lang="en-US" dirty="0">
-              <a:latin typeface="Courier" pitchFamily="2" charset="0"/>
-            </a:endParaRPr>
-          </a:p>
-          <a:p>
-            <a:r>
-              <a:rPr lang="en-US" dirty="0">
-                <a:solidFill>
-                  <a:srgbClr val="B00040"/>
-                </a:solidFill>
-                <a:latin typeface="Courier" pitchFamily="2" charset="0"/>
-              </a:rPr>
-              <a:t>int</a:t>
-            </a:r>
-            <a:r>
-              <a:rPr lang="en-US" dirty="0">
-                <a:latin typeface="Courier" pitchFamily="2" charset="0"/>
-              </a:rPr>
-              <a:t> </a:t>
-            </a:r>
-            <a:r>
-              <a:rPr lang="en-US" dirty="0">
-                <a:solidFill>
-                  <a:srgbClr val="0000FF"/>
-                </a:solidFill>
-                <a:latin typeface="Courier" pitchFamily="2" charset="0"/>
-              </a:rPr>
-              <a:t>main</a:t>
-            </a:r>
-            <a:r>
-              <a:rPr lang="en-US" dirty="0">
-                <a:latin typeface="Courier" pitchFamily="2" charset="0"/>
-              </a:rPr>
-              <a:t>(){</a:t>
-            </a:r>
-          </a:p>
-          <a:p>
-            <a:r>
-              <a:rPr lang="en-US" dirty="0">
-                <a:latin typeface="Courier" pitchFamily="2" charset="0"/>
-              </a:rPr>
-              <a:t>  </a:t>
-            </a:r>
-            <a:r>
-              <a:rPr lang="en-US" dirty="0">
-                <a:solidFill>
-                  <a:srgbClr val="B00040"/>
-                </a:solidFill>
-                <a:latin typeface="Courier" pitchFamily="2" charset="0"/>
-              </a:rPr>
-              <a:t>char</a:t>
-            </a:r>
-            <a:r>
-              <a:rPr lang="en-US" dirty="0">
-                <a:latin typeface="Courier" pitchFamily="2" charset="0"/>
-              </a:rPr>
-              <a:t> </a:t>
-            </a:r>
-            <a:r>
-              <a:rPr lang="en-US" dirty="0">
-                <a:solidFill>
-                  <a:srgbClr val="666666"/>
-                </a:solidFill>
-                <a:latin typeface="Courier" pitchFamily="2" charset="0"/>
-              </a:rPr>
-              <a:t>*</a:t>
-            </a:r>
-            <a:r>
-              <a:rPr lang="en-US" dirty="0">
-                <a:latin typeface="Courier" pitchFamily="2" charset="0"/>
-              </a:rPr>
-              <a:t>id </a:t>
-            </a:r>
-            <a:r>
-              <a:rPr lang="en-US" dirty="0">
-                <a:solidFill>
-                  <a:srgbClr val="666666"/>
-                </a:solidFill>
-                <a:latin typeface="Courier" pitchFamily="2" charset="0"/>
-              </a:rPr>
-              <a:t>=</a:t>
-            </a:r>
-            <a:r>
-              <a:rPr lang="en-US" dirty="0">
-                <a:latin typeface="Courier" pitchFamily="2" charset="0"/>
-              </a:rPr>
-              <a:t> </a:t>
-            </a:r>
-            <a:r>
-              <a:rPr lang="en-US" dirty="0">
-                <a:solidFill>
-                  <a:srgbClr val="008000"/>
-                </a:solidFill>
-                <a:latin typeface="Courier" pitchFamily="2" charset="0"/>
-              </a:rPr>
-              <a:t>NULL</a:t>
-            </a:r>
-            <a:r>
-              <a:rPr lang="en-US" dirty="0">
-                <a:latin typeface="Courier" pitchFamily="2" charset="0"/>
-              </a:rPr>
-              <a:t>;</a:t>
-            </a:r>
-          </a:p>
-          <a:p>
-            <a:r>
-              <a:rPr lang="en-US" dirty="0">
-                <a:latin typeface="Courier" pitchFamily="2" charset="0"/>
-              </a:rPr>
-              <a:t>  </a:t>
-            </a:r>
-            <a:r>
-              <a:rPr lang="en-US" dirty="0" err="1">
-                <a:solidFill>
-                  <a:srgbClr val="B00040"/>
-                </a:solidFill>
-                <a:latin typeface="Courier" pitchFamily="2" charset="0"/>
-              </a:rPr>
-              <a:t>size_t</a:t>
-            </a:r>
-            <a:r>
-              <a:rPr lang="en-US" dirty="0">
-                <a:latin typeface="Courier" pitchFamily="2" charset="0"/>
-              </a:rPr>
-              <a:t> size </a:t>
-            </a:r>
-            <a:r>
-              <a:rPr lang="en-US" dirty="0">
-                <a:solidFill>
-                  <a:srgbClr val="666666"/>
-                </a:solidFill>
-                <a:latin typeface="Courier" pitchFamily="2" charset="0"/>
-              </a:rPr>
-              <a:t>=</a:t>
-            </a:r>
-            <a:r>
-              <a:rPr lang="en-US" dirty="0">
-                <a:latin typeface="Courier" pitchFamily="2" charset="0"/>
-              </a:rPr>
-              <a:t> </a:t>
-            </a:r>
-            <a:r>
-              <a:rPr lang="en-US" dirty="0">
-                <a:solidFill>
-                  <a:srgbClr val="666666"/>
-                </a:solidFill>
-                <a:latin typeface="Courier" pitchFamily="2" charset="0"/>
-              </a:rPr>
-              <a:t>0</a:t>
-            </a:r>
-            <a:r>
-              <a:rPr lang="en-US" dirty="0">
-                <a:latin typeface="Courier" pitchFamily="2" charset="0"/>
-              </a:rPr>
-              <a:t>;</a:t>
-            </a:r>
-          </a:p>
-          <a:p>
-            <a:r>
-              <a:rPr lang="en-US" dirty="0">
-                <a:latin typeface="Courier" pitchFamily="2" charset="0"/>
-              </a:rPr>
-              <a:t>  </a:t>
-            </a:r>
-            <a:r>
-              <a:rPr lang="en-US" dirty="0" err="1">
-                <a:solidFill>
-                  <a:srgbClr val="B00040"/>
-                </a:solidFill>
-                <a:latin typeface="Courier" pitchFamily="2" charset="0"/>
-              </a:rPr>
-              <a:t>ssize_t</a:t>
-            </a:r>
-            <a:r>
-              <a:rPr lang="en-US" dirty="0">
-                <a:latin typeface="Courier" pitchFamily="2" charset="0"/>
-              </a:rPr>
-              <a:t> </a:t>
-            </a:r>
-            <a:r>
-              <a:rPr lang="en-US" dirty="0" err="1">
-                <a:latin typeface="Courier" pitchFamily="2" charset="0"/>
-              </a:rPr>
-              <a:t>len</a:t>
-            </a:r>
-            <a:r>
-              <a:rPr lang="en-US" dirty="0">
-                <a:latin typeface="Courier" pitchFamily="2" charset="0"/>
-              </a:rPr>
-              <a:t> </a:t>
-            </a:r>
-            <a:r>
-              <a:rPr lang="en-US" dirty="0">
-                <a:solidFill>
-                  <a:srgbClr val="666666"/>
-                </a:solidFill>
-                <a:latin typeface="Courier" pitchFamily="2" charset="0"/>
-              </a:rPr>
-              <a:t>=</a:t>
-            </a:r>
-            <a:r>
-              <a:rPr lang="en-US" dirty="0">
-                <a:latin typeface="Courier" pitchFamily="2" charset="0"/>
-              </a:rPr>
-              <a:t> </a:t>
-            </a:r>
-            <a:r>
-              <a:rPr lang="en-US" dirty="0">
-                <a:solidFill>
-                  <a:srgbClr val="666666"/>
-                </a:solidFill>
-                <a:latin typeface="Courier" pitchFamily="2" charset="0"/>
-              </a:rPr>
-              <a:t>0</a:t>
-            </a:r>
-            <a:r>
-              <a:rPr lang="en-US" dirty="0">
-                <a:latin typeface="Courier" pitchFamily="2" charset="0"/>
-              </a:rPr>
-              <a:t>;</a:t>
-            </a:r>
-          </a:p>
-          <a:p>
-            <a:r>
-              <a:rPr lang="en-US" dirty="0">
-                <a:latin typeface="Courier" pitchFamily="2" charset="0"/>
-              </a:rPr>
-              <a:t>  </a:t>
-            </a:r>
-            <a:r>
-              <a:rPr lang="en-US" dirty="0" err="1">
-                <a:latin typeface="Courier" pitchFamily="2" charset="0"/>
-              </a:rPr>
-              <a:t>len</a:t>
-            </a:r>
-            <a:r>
-              <a:rPr lang="en-US" dirty="0">
-                <a:latin typeface="Courier" pitchFamily="2" charset="0"/>
-              </a:rPr>
-              <a:t> </a:t>
-            </a:r>
-            <a:r>
-              <a:rPr lang="en-US" dirty="0">
-                <a:solidFill>
-                  <a:srgbClr val="666666"/>
-                </a:solidFill>
-                <a:latin typeface="Courier" pitchFamily="2" charset="0"/>
-              </a:rPr>
-              <a:t>=</a:t>
-            </a:r>
-            <a:r>
-              <a:rPr lang="en-US" dirty="0">
-                <a:latin typeface="Courier" pitchFamily="2" charset="0"/>
-              </a:rPr>
-              <a:t> </a:t>
-            </a:r>
-            <a:r>
-              <a:rPr lang="en-US" dirty="0" err="1">
-                <a:latin typeface="Courier" pitchFamily="2" charset="0"/>
-              </a:rPr>
-              <a:t>getline</a:t>
-            </a:r>
-            <a:r>
-              <a:rPr lang="en-US" dirty="0">
-                <a:latin typeface="Courier" pitchFamily="2" charset="0"/>
-              </a:rPr>
-              <a:t>(</a:t>
-            </a:r>
-            <a:r>
-              <a:rPr lang="en-US" dirty="0">
-                <a:solidFill>
-                  <a:srgbClr val="666666"/>
-                </a:solidFill>
-                <a:latin typeface="Courier" pitchFamily="2" charset="0"/>
-              </a:rPr>
-              <a:t>&amp;</a:t>
-            </a:r>
-            <a:r>
-              <a:rPr lang="en-US" dirty="0">
-                <a:latin typeface="Courier" pitchFamily="2" charset="0"/>
-              </a:rPr>
-              <a:t>id, </a:t>
-            </a:r>
-            <a:r>
-              <a:rPr lang="en-US" dirty="0">
-                <a:solidFill>
-                  <a:srgbClr val="666666"/>
-                </a:solidFill>
-                <a:latin typeface="Courier" pitchFamily="2" charset="0"/>
-              </a:rPr>
-              <a:t>&amp;</a:t>
-            </a:r>
-            <a:r>
-              <a:rPr lang="en-US" dirty="0">
-                <a:latin typeface="Courier" pitchFamily="2" charset="0"/>
-              </a:rPr>
-              <a:t>size, stdin);</a:t>
-            </a:r>
-          </a:p>
-          <a:p>
-            <a:r>
-              <a:rPr lang="en-US" dirty="0">
-                <a:latin typeface="Courier" pitchFamily="2" charset="0"/>
-              </a:rPr>
-              <a:t>  id[</a:t>
-            </a:r>
-            <a:r>
-              <a:rPr lang="en-US" dirty="0" err="1">
-                <a:latin typeface="Courier" pitchFamily="2" charset="0"/>
-              </a:rPr>
-              <a:t>len</a:t>
-            </a:r>
-            <a:r>
-              <a:rPr lang="en-US" dirty="0">
-                <a:latin typeface="Courier" pitchFamily="2" charset="0"/>
-              </a:rPr>
-              <a:t> </a:t>
-            </a:r>
-            <a:r>
-              <a:rPr lang="en-US" dirty="0">
-                <a:solidFill>
-                  <a:srgbClr val="666666"/>
-                </a:solidFill>
-                <a:latin typeface="Courier" pitchFamily="2" charset="0"/>
-              </a:rPr>
-              <a:t>-</a:t>
-            </a:r>
-            <a:r>
-              <a:rPr lang="en-US" dirty="0">
-                <a:latin typeface="Courier" pitchFamily="2" charset="0"/>
-              </a:rPr>
-              <a:t> </a:t>
-            </a:r>
-            <a:r>
-              <a:rPr lang="en-US" dirty="0">
-                <a:solidFill>
-                  <a:srgbClr val="666666"/>
-                </a:solidFill>
-                <a:latin typeface="Courier" pitchFamily="2" charset="0"/>
-              </a:rPr>
-              <a:t>1</a:t>
-            </a:r>
-            <a:r>
-              <a:rPr lang="en-US" dirty="0">
-                <a:latin typeface="Courier" pitchFamily="2" charset="0"/>
-              </a:rPr>
-              <a:t>] </a:t>
-            </a:r>
-            <a:r>
-              <a:rPr lang="en-US" dirty="0">
-                <a:solidFill>
-                  <a:srgbClr val="666666"/>
-                </a:solidFill>
-                <a:latin typeface="Courier" pitchFamily="2" charset="0"/>
-              </a:rPr>
-              <a:t>=</a:t>
-            </a:r>
-            <a:r>
-              <a:rPr lang="en-US" dirty="0">
-                <a:latin typeface="Courier" pitchFamily="2" charset="0"/>
-              </a:rPr>
-              <a:t> </a:t>
-            </a:r>
-            <a:r>
-              <a:rPr lang="en-US" dirty="0">
-                <a:solidFill>
-                  <a:srgbClr val="666666"/>
-                </a:solidFill>
-                <a:latin typeface="Courier" pitchFamily="2" charset="0"/>
-              </a:rPr>
-              <a:t>0</a:t>
-            </a:r>
-            <a:r>
-              <a:rPr lang="en-US" dirty="0">
-                <a:latin typeface="Courier" pitchFamily="2" charset="0"/>
-              </a:rPr>
-              <a:t>;</a:t>
-            </a:r>
-          </a:p>
-          <a:p>
-            <a:r>
-              <a:rPr lang="en-US" dirty="0">
-                <a:latin typeface="Courier" pitchFamily="2" charset="0"/>
-              </a:rPr>
-              <a:t>  check(id);</a:t>
-            </a:r>
-          </a:p>
-          <a:p>
-            <a:r>
-              <a:rPr lang="en-US" dirty="0">
-                <a:latin typeface="Courier" pitchFamily="2" charset="0"/>
-              </a:rPr>
-              <a:t>}</a:t>
-            </a:r>
-          </a:p>
-        </p:txBody>
-      </p:sp>
-    </p:spTree>
-    <p:extLst>
-      <p:ext uri="{BB962C8B-B14F-4D97-AF65-F5344CB8AC3E}">
-        <p14:creationId xmlns:p14="http://schemas.microsoft.com/office/powerpoint/2010/main" val="3526623815"/>
-      </p:ext>
-    </p:extLst>
-  </p:cSld>
-  <p:clrMapOvr>
-    <a:masterClrMapping/>
-  </p:clrMapOvr>
-</p:sld>
-</file>
-
 <file path=ppt/slides/slide37.xml><?xml version="1.0" encoding="utf-8"?>
 <p:sld xmlns:a="http://schemas.openxmlformats.org/drawingml/2006/main" xmlns:r="http://schemas.openxmlformats.org/officeDocument/2006/relationships" xmlns:p="http://schemas.openxmlformats.org/presentationml/2006/main">
   <p:cSld>
@@ -21305,7 +20486,7 @@
           <a:p>
             <a:r>
               <a:rPr lang="en-US" dirty="0"/>
-              <a:t>Stack</a:t>
+              <a:t>Example</a:t>
             </a:r>
           </a:p>
         </p:txBody>
@@ -21334,6 +20515,1090 @@
             <a:fld id="{B8AB1F1C-5B97-FA47-A21B-131B164DAC8F}" type="slidenum">
               <a:rPr lang="en-US" smtClean="0"/>
               <a:t>36</a:t>
+            </a:fld>
+            <a:endParaRPr lang="en-US"/>
+          </a:p>
+        </p:txBody>
+      </p:sp>
+      <p:sp>
+        <p:nvSpPr>
+          <p:cNvPr id="9" name="Rectangle 8">
+            <a:extLst>
+              <a:ext uri="{FF2B5EF4-FFF2-40B4-BE49-F238E27FC236}">
+                <a16:creationId xmlns:a16="http://schemas.microsoft.com/office/drawing/2014/main" id="{27676B4F-7244-0940-A77E-379D57D6C2E7}"/>
+              </a:ext>
+            </a:extLst>
+          </p:cNvPr>
+          <p:cNvSpPr/>
+          <p:nvPr/>
+        </p:nvSpPr>
+        <p:spPr>
+          <a:xfrm>
+            <a:off x="1283034" y="1956252"/>
+            <a:ext cx="6858000" cy="2462213"/>
+          </a:xfrm>
+          <a:prstGeom prst="rect">
+            <a:avLst/>
+          </a:prstGeom>
+        </p:spPr>
+        <p:txBody>
+          <a:bodyPr wrap="square">
+            <a:spAutoFit/>
+          </a:bodyPr>
+          <a:lstStyle/>
+          <a:p>
+            <a:r>
+              <a:rPr lang="en-US" dirty="0">
+                <a:solidFill>
+                  <a:srgbClr val="B00040"/>
+                </a:solidFill>
+                <a:latin typeface="Courier" pitchFamily="2" charset="0"/>
+              </a:rPr>
+              <a:t>void</a:t>
+            </a:r>
+            <a:r>
+              <a:rPr lang="en-US" dirty="0">
+                <a:latin typeface="Courier" pitchFamily="2" charset="0"/>
+              </a:rPr>
+              <a:t> </a:t>
+            </a:r>
+            <a:r>
+              <a:rPr lang="en-US" dirty="0">
+                <a:solidFill>
+                  <a:srgbClr val="0000FF"/>
+                </a:solidFill>
+                <a:latin typeface="Courier" pitchFamily="2" charset="0"/>
+              </a:rPr>
+              <a:t>check</a:t>
+            </a:r>
+            <a:r>
+              <a:rPr lang="en-US" dirty="0">
+                <a:latin typeface="Courier" pitchFamily="2" charset="0"/>
+              </a:rPr>
+              <a:t>(</a:t>
+            </a:r>
+            <a:r>
+              <a:rPr lang="en-US" dirty="0">
+                <a:solidFill>
+                  <a:srgbClr val="B00040"/>
+                </a:solidFill>
+                <a:latin typeface="Courier" pitchFamily="2" charset="0"/>
+              </a:rPr>
+              <a:t>char</a:t>
+            </a:r>
+            <a:r>
+              <a:rPr lang="en-US" dirty="0">
+                <a:latin typeface="Courier" pitchFamily="2" charset="0"/>
+              </a:rPr>
+              <a:t> id[</a:t>
+            </a:r>
+            <a:r>
+              <a:rPr lang="en-US" dirty="0">
+                <a:solidFill>
+                  <a:srgbClr val="666666"/>
+                </a:solidFill>
+                <a:latin typeface="Courier" pitchFamily="2" charset="0"/>
+              </a:rPr>
+              <a:t>15</a:t>
+            </a:r>
+            <a:r>
+              <a:rPr lang="en-US" dirty="0">
+                <a:latin typeface="Courier" pitchFamily="2" charset="0"/>
+              </a:rPr>
+              <a:t>]){</a:t>
+            </a:r>
+          </a:p>
+          <a:p>
+            <a:r>
+              <a:rPr lang="en-US" dirty="0">
+                <a:latin typeface="Courier" pitchFamily="2" charset="0"/>
+              </a:rPr>
+              <a:t>  </a:t>
+            </a:r>
+            <a:r>
+              <a:rPr lang="en-US" dirty="0">
+                <a:solidFill>
+                  <a:srgbClr val="B00040"/>
+                </a:solidFill>
+                <a:latin typeface="Courier" pitchFamily="2" charset="0"/>
+              </a:rPr>
+              <a:t>char</a:t>
+            </a:r>
+            <a:r>
+              <a:rPr lang="en-US" dirty="0">
+                <a:latin typeface="Courier" pitchFamily="2" charset="0"/>
+              </a:rPr>
+              <a:t> path[</a:t>
+            </a:r>
+            <a:r>
+              <a:rPr lang="en-US" dirty="0">
+                <a:solidFill>
+                  <a:srgbClr val="666666"/>
+                </a:solidFill>
+                <a:latin typeface="Courier" pitchFamily="2" charset="0"/>
+              </a:rPr>
+              <a:t>50</a:t>
+            </a:r>
+            <a:r>
+              <a:rPr lang="en-US" dirty="0">
+                <a:latin typeface="Courier" pitchFamily="2" charset="0"/>
+              </a:rPr>
+              <a:t>] </a:t>
+            </a:r>
+            <a:r>
+              <a:rPr lang="en-US" dirty="0">
+                <a:solidFill>
+                  <a:srgbClr val="666666"/>
+                </a:solidFill>
+                <a:latin typeface="Courier" pitchFamily="2" charset="0"/>
+              </a:rPr>
+              <a:t>=</a:t>
+            </a:r>
+            <a:r>
+              <a:rPr lang="en-US" dirty="0">
+                <a:latin typeface="Courier" pitchFamily="2" charset="0"/>
+              </a:rPr>
+              <a:t> {};</a:t>
+            </a:r>
+          </a:p>
+          <a:p>
+            <a:r>
+              <a:rPr lang="en-US" dirty="0">
+                <a:latin typeface="Courier" pitchFamily="2" charset="0"/>
+              </a:rPr>
+              <a:t>  </a:t>
+            </a:r>
+            <a:r>
+              <a:rPr lang="en-US" dirty="0">
+                <a:solidFill>
+                  <a:srgbClr val="B00040"/>
+                </a:solidFill>
+                <a:latin typeface="Courier" pitchFamily="2" charset="0"/>
+              </a:rPr>
+              <a:t>int</a:t>
+            </a:r>
+            <a:r>
+              <a:rPr lang="en-US" dirty="0">
+                <a:latin typeface="Courier" pitchFamily="2" charset="0"/>
+              </a:rPr>
+              <a:t> res;</a:t>
+            </a:r>
+          </a:p>
+          <a:p>
+            <a:r>
+              <a:rPr lang="en-US" dirty="0">
+                <a:latin typeface="Courier" pitchFamily="2" charset="0"/>
+              </a:rPr>
+              <a:t>  </a:t>
+            </a:r>
+            <a:r>
+              <a:rPr lang="en-US" dirty="0" err="1">
+                <a:latin typeface="Courier" pitchFamily="2" charset="0"/>
+              </a:rPr>
+              <a:t>sprintf</a:t>
+            </a:r>
+            <a:r>
+              <a:rPr lang="en-US" dirty="0">
+                <a:latin typeface="Courier" pitchFamily="2" charset="0"/>
+              </a:rPr>
+              <a:t>(path, </a:t>
+            </a:r>
+            <a:r>
+              <a:rPr lang="en-US" dirty="0">
+                <a:solidFill>
+                  <a:srgbClr val="BA2121"/>
+                </a:solidFill>
+                <a:latin typeface="Courier" pitchFamily="2" charset="0"/>
+              </a:rPr>
+              <a:t>"records/%s"</a:t>
+            </a:r>
+            <a:r>
+              <a:rPr lang="en-US" dirty="0">
+                <a:latin typeface="Courier" pitchFamily="2" charset="0"/>
+              </a:rPr>
+              <a:t>, id);</a:t>
+            </a:r>
+          </a:p>
+          <a:p>
+            <a:r>
+              <a:rPr lang="en-US" dirty="0">
+                <a:latin typeface="Courier" pitchFamily="2" charset="0"/>
+              </a:rPr>
+              <a:t>  </a:t>
+            </a:r>
+            <a:r>
+              <a:rPr lang="en-US" b="1" dirty="0">
+                <a:solidFill>
+                  <a:srgbClr val="008000"/>
+                </a:solidFill>
+                <a:latin typeface="Courier" pitchFamily="2" charset="0"/>
+              </a:rPr>
+              <a:t>if</a:t>
+            </a:r>
+            <a:r>
+              <a:rPr lang="en-US" dirty="0">
+                <a:latin typeface="Courier" pitchFamily="2" charset="0"/>
+              </a:rPr>
+              <a:t> (</a:t>
+            </a:r>
+            <a:r>
+              <a:rPr lang="en-US" dirty="0" err="1">
+                <a:latin typeface="Courier" pitchFamily="2" charset="0"/>
+              </a:rPr>
+              <a:t>valid_path</a:t>
+            </a:r>
+            <a:r>
+              <a:rPr lang="en-US" dirty="0">
+                <a:latin typeface="Courier" pitchFamily="2" charset="0"/>
+              </a:rPr>
+              <a:t>(path) </a:t>
+            </a:r>
+            <a:r>
+              <a:rPr lang="en-US" dirty="0">
+                <a:solidFill>
+                  <a:srgbClr val="666666"/>
+                </a:solidFill>
+                <a:latin typeface="Courier" pitchFamily="2" charset="0"/>
+              </a:rPr>
+              <a:t>!=</a:t>
+            </a:r>
+            <a:r>
+              <a:rPr lang="en-US" dirty="0">
+                <a:latin typeface="Courier" pitchFamily="2" charset="0"/>
+              </a:rPr>
+              <a:t> </a:t>
+            </a:r>
+            <a:r>
+              <a:rPr lang="en-US" dirty="0">
+                <a:solidFill>
+                  <a:srgbClr val="666666"/>
+                </a:solidFill>
+                <a:latin typeface="Courier" pitchFamily="2" charset="0"/>
+              </a:rPr>
+              <a:t>0</a:t>
+            </a:r>
+            <a:r>
+              <a:rPr lang="en-US" dirty="0">
+                <a:latin typeface="Courier" pitchFamily="2" charset="0"/>
+              </a:rPr>
+              <a:t>){</a:t>
+            </a:r>
+          </a:p>
+          <a:p>
+            <a:r>
+              <a:rPr lang="en-US" dirty="0">
+                <a:latin typeface="Courier" pitchFamily="2" charset="0"/>
+              </a:rPr>
+              <a:t>    res </a:t>
+            </a:r>
+            <a:r>
+              <a:rPr lang="en-US" dirty="0">
+                <a:solidFill>
+                  <a:srgbClr val="666666"/>
+                </a:solidFill>
+                <a:latin typeface="Courier" pitchFamily="2" charset="0"/>
+              </a:rPr>
+              <a:t>=</a:t>
+            </a:r>
+            <a:r>
+              <a:rPr lang="en-US" dirty="0">
+                <a:latin typeface="Courier" pitchFamily="2" charset="0"/>
+              </a:rPr>
+              <a:t> </a:t>
+            </a:r>
+            <a:r>
+              <a:rPr lang="en-US" dirty="0" err="1">
+                <a:latin typeface="Courier" pitchFamily="2" charset="0"/>
+              </a:rPr>
+              <a:t>execl</a:t>
+            </a:r>
+            <a:r>
+              <a:rPr lang="en-US" dirty="0">
+                <a:latin typeface="Courier" pitchFamily="2" charset="0"/>
+              </a:rPr>
+              <a:t>(</a:t>
+            </a:r>
+            <a:r>
+              <a:rPr lang="en-US" dirty="0">
+                <a:solidFill>
+                  <a:srgbClr val="BA2121"/>
+                </a:solidFill>
+                <a:latin typeface="Courier" pitchFamily="2" charset="0"/>
+              </a:rPr>
+              <a:t>"/</a:t>
+            </a:r>
+            <a:r>
+              <a:rPr lang="en-US" dirty="0" err="1">
+                <a:solidFill>
+                  <a:srgbClr val="BA2121"/>
+                </a:solidFill>
+                <a:latin typeface="Courier" pitchFamily="2" charset="0"/>
+              </a:rPr>
+              <a:t>usr</a:t>
+            </a:r>
+            <a:r>
+              <a:rPr lang="en-US" dirty="0">
+                <a:solidFill>
+                  <a:srgbClr val="BA2121"/>
+                </a:solidFill>
+                <a:latin typeface="Courier" pitchFamily="2" charset="0"/>
+              </a:rPr>
+              <a:t>/bin/cat"</a:t>
+            </a:r>
+            <a:r>
+              <a:rPr lang="en-US" dirty="0">
+                <a:latin typeface="Courier" pitchFamily="2" charset="0"/>
+              </a:rPr>
+              <a:t>, </a:t>
+            </a:r>
+            <a:r>
+              <a:rPr lang="en-US" dirty="0">
+                <a:solidFill>
+                  <a:srgbClr val="BA2121"/>
+                </a:solidFill>
+                <a:latin typeface="Courier" pitchFamily="2" charset="0"/>
+              </a:rPr>
+              <a:t>"/</a:t>
+            </a:r>
+            <a:r>
+              <a:rPr lang="en-US" dirty="0" err="1">
+                <a:solidFill>
+                  <a:srgbClr val="BA2121"/>
+                </a:solidFill>
+                <a:latin typeface="Courier" pitchFamily="2" charset="0"/>
+              </a:rPr>
+              <a:t>usr</a:t>
+            </a:r>
+            <a:r>
+              <a:rPr lang="en-US" dirty="0">
+                <a:solidFill>
+                  <a:srgbClr val="BA2121"/>
+                </a:solidFill>
+                <a:latin typeface="Courier" pitchFamily="2" charset="0"/>
+              </a:rPr>
+              <a:t>/bin/cat"</a:t>
+            </a:r>
+            <a:r>
+              <a:rPr lang="en-US" dirty="0">
+                <a:latin typeface="Courier" pitchFamily="2" charset="0"/>
+              </a:rPr>
+              <a:t>, path, </a:t>
+            </a:r>
+            <a:r>
+              <a:rPr lang="en-US" dirty="0">
+                <a:solidFill>
+                  <a:srgbClr val="008000"/>
+                </a:solidFill>
+                <a:latin typeface="Courier" pitchFamily="2" charset="0"/>
+              </a:rPr>
+              <a:t>NULL</a:t>
+            </a:r>
+            <a:r>
+              <a:rPr lang="en-US" dirty="0">
+                <a:latin typeface="Courier" pitchFamily="2" charset="0"/>
+              </a:rPr>
+              <a:t>);</a:t>
+            </a:r>
+            <a:endParaRPr lang="en-US" dirty="0">
+              <a:solidFill>
+                <a:srgbClr val="BA2121"/>
+              </a:solidFill>
+              <a:latin typeface="Courier" pitchFamily="2" charset="0"/>
+            </a:endParaRPr>
+          </a:p>
+          <a:p>
+            <a:r>
+              <a:rPr lang="en-US" dirty="0">
+                <a:latin typeface="Courier" pitchFamily="2" charset="0"/>
+              </a:rPr>
+              <a:t>    </a:t>
+            </a:r>
+            <a:r>
+              <a:rPr lang="en-US" b="1" dirty="0">
+                <a:solidFill>
+                  <a:srgbClr val="008000"/>
+                </a:solidFill>
+                <a:latin typeface="Courier" pitchFamily="2" charset="0"/>
+              </a:rPr>
+              <a:t>if</a:t>
+            </a:r>
+            <a:r>
+              <a:rPr lang="en-US" dirty="0">
+                <a:latin typeface="Courier" pitchFamily="2" charset="0"/>
+              </a:rPr>
+              <a:t> (res </a:t>
+            </a:r>
+            <a:r>
+              <a:rPr lang="en-US" dirty="0">
+                <a:solidFill>
+                  <a:srgbClr val="666666"/>
+                </a:solidFill>
+                <a:latin typeface="Courier" pitchFamily="2" charset="0"/>
+              </a:rPr>
+              <a:t>==</a:t>
+            </a:r>
+            <a:r>
+              <a:rPr lang="en-US" dirty="0">
+                <a:latin typeface="Courier" pitchFamily="2" charset="0"/>
+              </a:rPr>
+              <a:t> </a:t>
+            </a:r>
+            <a:r>
+              <a:rPr lang="en-US" dirty="0">
+                <a:solidFill>
+                  <a:srgbClr val="666666"/>
+                </a:solidFill>
+                <a:latin typeface="Courier" pitchFamily="2" charset="0"/>
+              </a:rPr>
+              <a:t>0</a:t>
+            </a:r>
+            <a:r>
+              <a:rPr lang="en-US" dirty="0">
+                <a:latin typeface="Courier" pitchFamily="2" charset="0"/>
+              </a:rPr>
+              <a:t>) </a:t>
+            </a:r>
+            <a:r>
+              <a:rPr lang="en-US" dirty="0" err="1">
+                <a:latin typeface="Courier" pitchFamily="2" charset="0"/>
+              </a:rPr>
+              <a:t>printf</a:t>
+            </a:r>
+            <a:r>
+              <a:rPr lang="en-US" dirty="0">
+                <a:latin typeface="Courier" pitchFamily="2" charset="0"/>
+              </a:rPr>
+              <a:t>(</a:t>
+            </a:r>
+            <a:r>
+              <a:rPr lang="en-US" dirty="0">
+                <a:solidFill>
+                  <a:srgbClr val="BA2121"/>
+                </a:solidFill>
+                <a:latin typeface="Courier" pitchFamily="2" charset="0"/>
+              </a:rPr>
+              <a:t>"Check pass!</a:t>
+            </a:r>
+            <a:r>
+              <a:rPr lang="en-US" b="1" dirty="0">
+                <a:solidFill>
+                  <a:srgbClr val="BB6622"/>
+                </a:solidFill>
+                <a:latin typeface="Courier" pitchFamily="2" charset="0"/>
+              </a:rPr>
+              <a:t>\n</a:t>
+            </a:r>
+            <a:r>
+              <a:rPr lang="en-US" dirty="0">
+                <a:solidFill>
+                  <a:srgbClr val="BA2121"/>
+                </a:solidFill>
+                <a:latin typeface="Courier" pitchFamily="2" charset="0"/>
+              </a:rPr>
+              <a:t>"</a:t>
+            </a:r>
+            <a:r>
+              <a:rPr lang="en-US" dirty="0">
+                <a:latin typeface="Courier" pitchFamily="2" charset="0"/>
+              </a:rPr>
+              <a:t>);</a:t>
+            </a:r>
+          </a:p>
+          <a:p>
+            <a:r>
+              <a:rPr lang="en-US" dirty="0">
+                <a:latin typeface="Courier" pitchFamily="2" charset="0"/>
+              </a:rPr>
+              <a:t>    </a:t>
+            </a:r>
+            <a:r>
+              <a:rPr lang="en-US" b="1" dirty="0">
+                <a:solidFill>
+                  <a:srgbClr val="008000"/>
+                </a:solidFill>
+                <a:latin typeface="Courier" pitchFamily="2" charset="0"/>
+              </a:rPr>
+              <a:t>else </a:t>
+            </a:r>
+            <a:r>
+              <a:rPr lang="en-US" dirty="0" err="1">
+                <a:latin typeface="Courier" pitchFamily="2" charset="0"/>
+              </a:rPr>
+              <a:t>printf</a:t>
+            </a:r>
+            <a:r>
+              <a:rPr lang="en-US" dirty="0">
+                <a:latin typeface="Courier" pitchFamily="2" charset="0"/>
+              </a:rPr>
+              <a:t>(</a:t>
+            </a:r>
+            <a:r>
+              <a:rPr lang="en-US" dirty="0">
+                <a:solidFill>
+                  <a:srgbClr val="BA2121"/>
+                </a:solidFill>
+                <a:latin typeface="Courier" pitchFamily="2" charset="0"/>
+              </a:rPr>
+              <a:t>"Check failed</a:t>
+            </a:r>
+            <a:r>
+              <a:rPr lang="en-US" b="1" dirty="0">
+                <a:solidFill>
+                  <a:srgbClr val="BB6622"/>
+                </a:solidFill>
+                <a:latin typeface="Courier" pitchFamily="2" charset="0"/>
+              </a:rPr>
+              <a:t>\n</a:t>
+            </a:r>
+            <a:r>
+              <a:rPr lang="en-US" dirty="0">
+                <a:solidFill>
+                  <a:srgbClr val="BA2121"/>
+                </a:solidFill>
+                <a:latin typeface="Courier" pitchFamily="2" charset="0"/>
+              </a:rPr>
+              <a:t>"</a:t>
+            </a:r>
+            <a:r>
+              <a:rPr lang="en-US" dirty="0">
+                <a:latin typeface="Courier" pitchFamily="2" charset="0"/>
+              </a:rPr>
+              <a:t>);</a:t>
+            </a:r>
+          </a:p>
+          <a:p>
+            <a:r>
+              <a:rPr lang="en-US" dirty="0">
+                <a:latin typeface="Courier" pitchFamily="2" charset="0"/>
+              </a:rPr>
+              <a:t>  }</a:t>
+            </a:r>
+          </a:p>
+          <a:p>
+            <a:r>
+              <a:rPr lang="en-US" dirty="0">
+                <a:latin typeface="Courier" pitchFamily="2" charset="0"/>
+              </a:rPr>
+              <a:t>}</a:t>
+            </a:r>
+            <a:br>
+              <a:rPr lang="en-US" dirty="0">
+                <a:latin typeface="Courier" pitchFamily="2" charset="0"/>
+              </a:rPr>
+            </a:br>
+            <a:endParaRPr lang="en-US" dirty="0">
+              <a:effectLst/>
+              <a:latin typeface="Courier" pitchFamily="2" charset="0"/>
+            </a:endParaRPr>
+          </a:p>
+        </p:txBody>
+      </p:sp>
+      <p:sp>
+        <p:nvSpPr>
+          <p:cNvPr id="10" name="Rectangle 9">
+            <a:extLst>
+              <a:ext uri="{FF2B5EF4-FFF2-40B4-BE49-F238E27FC236}">
+                <a16:creationId xmlns:a16="http://schemas.microsoft.com/office/drawing/2014/main" id="{C5BDD55F-E397-364A-8921-C9C0386FBE06}"/>
+              </a:ext>
+            </a:extLst>
+          </p:cNvPr>
+          <p:cNvSpPr/>
+          <p:nvPr/>
+        </p:nvSpPr>
+        <p:spPr>
+          <a:xfrm>
+            <a:off x="1283034" y="4024426"/>
+            <a:ext cx="6096000" cy="2031325"/>
+          </a:xfrm>
+          <a:prstGeom prst="rect">
+            <a:avLst/>
+          </a:prstGeom>
+        </p:spPr>
+        <p:txBody>
+          <a:bodyPr>
+            <a:spAutoFit/>
+          </a:bodyPr>
+          <a:lstStyle/>
+          <a:p>
+            <a:endParaRPr lang="en-US" dirty="0">
+              <a:latin typeface="Courier" pitchFamily="2" charset="0"/>
+            </a:endParaRPr>
+          </a:p>
+          <a:p>
+            <a:r>
+              <a:rPr lang="en-US" dirty="0">
+                <a:solidFill>
+                  <a:srgbClr val="B00040"/>
+                </a:solidFill>
+                <a:latin typeface="Courier" pitchFamily="2" charset="0"/>
+              </a:rPr>
+              <a:t>int</a:t>
+            </a:r>
+            <a:r>
+              <a:rPr lang="en-US" dirty="0">
+                <a:latin typeface="Courier" pitchFamily="2" charset="0"/>
+              </a:rPr>
+              <a:t> </a:t>
+            </a:r>
+            <a:r>
+              <a:rPr lang="en-US" dirty="0">
+                <a:solidFill>
+                  <a:srgbClr val="0000FF"/>
+                </a:solidFill>
+                <a:latin typeface="Courier" pitchFamily="2" charset="0"/>
+              </a:rPr>
+              <a:t>main</a:t>
+            </a:r>
+            <a:r>
+              <a:rPr lang="en-US" dirty="0">
+                <a:latin typeface="Courier" pitchFamily="2" charset="0"/>
+              </a:rPr>
+              <a:t>(){</a:t>
+            </a:r>
+          </a:p>
+          <a:p>
+            <a:r>
+              <a:rPr lang="en-US" dirty="0">
+                <a:latin typeface="Courier" pitchFamily="2" charset="0"/>
+              </a:rPr>
+              <a:t>  </a:t>
+            </a:r>
+            <a:r>
+              <a:rPr lang="en-US" dirty="0">
+                <a:solidFill>
+                  <a:srgbClr val="B00040"/>
+                </a:solidFill>
+                <a:latin typeface="Courier" pitchFamily="2" charset="0"/>
+              </a:rPr>
+              <a:t>char</a:t>
+            </a:r>
+            <a:r>
+              <a:rPr lang="en-US" dirty="0">
+                <a:latin typeface="Courier" pitchFamily="2" charset="0"/>
+              </a:rPr>
+              <a:t> </a:t>
+            </a:r>
+            <a:r>
+              <a:rPr lang="en-US" dirty="0">
+                <a:solidFill>
+                  <a:srgbClr val="666666"/>
+                </a:solidFill>
+                <a:latin typeface="Courier" pitchFamily="2" charset="0"/>
+              </a:rPr>
+              <a:t>*</a:t>
+            </a:r>
+            <a:r>
+              <a:rPr lang="en-US" dirty="0">
+                <a:latin typeface="Courier" pitchFamily="2" charset="0"/>
+              </a:rPr>
+              <a:t>id </a:t>
+            </a:r>
+            <a:r>
+              <a:rPr lang="en-US" dirty="0">
+                <a:solidFill>
+                  <a:srgbClr val="666666"/>
+                </a:solidFill>
+                <a:latin typeface="Courier" pitchFamily="2" charset="0"/>
+              </a:rPr>
+              <a:t>=</a:t>
+            </a:r>
+            <a:r>
+              <a:rPr lang="en-US" dirty="0">
+                <a:latin typeface="Courier" pitchFamily="2" charset="0"/>
+              </a:rPr>
+              <a:t> </a:t>
+            </a:r>
+            <a:r>
+              <a:rPr lang="en-US" dirty="0">
+                <a:solidFill>
+                  <a:srgbClr val="008000"/>
+                </a:solidFill>
+                <a:latin typeface="Courier" pitchFamily="2" charset="0"/>
+              </a:rPr>
+              <a:t>NULL</a:t>
+            </a:r>
+            <a:r>
+              <a:rPr lang="en-US" dirty="0">
+                <a:latin typeface="Courier" pitchFamily="2" charset="0"/>
+              </a:rPr>
+              <a:t>;</a:t>
+            </a:r>
+          </a:p>
+          <a:p>
+            <a:r>
+              <a:rPr lang="en-US" dirty="0">
+                <a:latin typeface="Courier" pitchFamily="2" charset="0"/>
+              </a:rPr>
+              <a:t>  </a:t>
+            </a:r>
+            <a:r>
+              <a:rPr lang="en-US" dirty="0" err="1">
+                <a:solidFill>
+                  <a:srgbClr val="B00040"/>
+                </a:solidFill>
+                <a:latin typeface="Courier" pitchFamily="2" charset="0"/>
+              </a:rPr>
+              <a:t>size_t</a:t>
+            </a:r>
+            <a:r>
+              <a:rPr lang="en-US" dirty="0">
+                <a:latin typeface="Courier" pitchFamily="2" charset="0"/>
+              </a:rPr>
+              <a:t> size </a:t>
+            </a:r>
+            <a:r>
+              <a:rPr lang="en-US" dirty="0">
+                <a:solidFill>
+                  <a:srgbClr val="666666"/>
+                </a:solidFill>
+                <a:latin typeface="Courier" pitchFamily="2" charset="0"/>
+              </a:rPr>
+              <a:t>=</a:t>
+            </a:r>
+            <a:r>
+              <a:rPr lang="en-US" dirty="0">
+                <a:latin typeface="Courier" pitchFamily="2" charset="0"/>
+              </a:rPr>
+              <a:t> </a:t>
+            </a:r>
+            <a:r>
+              <a:rPr lang="en-US" dirty="0">
+                <a:solidFill>
+                  <a:srgbClr val="666666"/>
+                </a:solidFill>
+                <a:latin typeface="Courier" pitchFamily="2" charset="0"/>
+              </a:rPr>
+              <a:t>0</a:t>
+            </a:r>
+            <a:r>
+              <a:rPr lang="en-US" dirty="0">
+                <a:latin typeface="Courier" pitchFamily="2" charset="0"/>
+              </a:rPr>
+              <a:t>;</a:t>
+            </a:r>
+          </a:p>
+          <a:p>
+            <a:r>
+              <a:rPr lang="en-US" dirty="0">
+                <a:latin typeface="Courier" pitchFamily="2" charset="0"/>
+              </a:rPr>
+              <a:t>  </a:t>
+            </a:r>
+            <a:r>
+              <a:rPr lang="en-US" dirty="0" err="1">
+                <a:solidFill>
+                  <a:srgbClr val="B00040"/>
+                </a:solidFill>
+                <a:latin typeface="Courier" pitchFamily="2" charset="0"/>
+              </a:rPr>
+              <a:t>ssize_t</a:t>
+            </a:r>
+            <a:r>
+              <a:rPr lang="en-US" dirty="0">
+                <a:latin typeface="Courier" pitchFamily="2" charset="0"/>
+              </a:rPr>
+              <a:t> </a:t>
+            </a:r>
+            <a:r>
+              <a:rPr lang="en-US" dirty="0" err="1">
+                <a:latin typeface="Courier" pitchFamily="2" charset="0"/>
+              </a:rPr>
+              <a:t>len</a:t>
+            </a:r>
+            <a:r>
+              <a:rPr lang="en-US" dirty="0">
+                <a:latin typeface="Courier" pitchFamily="2" charset="0"/>
+              </a:rPr>
+              <a:t> </a:t>
+            </a:r>
+            <a:r>
+              <a:rPr lang="en-US" dirty="0">
+                <a:solidFill>
+                  <a:srgbClr val="666666"/>
+                </a:solidFill>
+                <a:latin typeface="Courier" pitchFamily="2" charset="0"/>
+              </a:rPr>
+              <a:t>=</a:t>
+            </a:r>
+            <a:r>
+              <a:rPr lang="en-US" dirty="0">
+                <a:latin typeface="Courier" pitchFamily="2" charset="0"/>
+              </a:rPr>
+              <a:t> </a:t>
+            </a:r>
+            <a:r>
+              <a:rPr lang="en-US" dirty="0">
+                <a:solidFill>
+                  <a:srgbClr val="666666"/>
+                </a:solidFill>
+                <a:latin typeface="Courier" pitchFamily="2" charset="0"/>
+              </a:rPr>
+              <a:t>0</a:t>
+            </a:r>
+            <a:r>
+              <a:rPr lang="en-US" dirty="0">
+                <a:latin typeface="Courier" pitchFamily="2" charset="0"/>
+              </a:rPr>
+              <a:t>;</a:t>
+            </a:r>
+          </a:p>
+          <a:p>
+            <a:r>
+              <a:rPr lang="en-US" dirty="0">
+                <a:latin typeface="Courier" pitchFamily="2" charset="0"/>
+              </a:rPr>
+              <a:t>  </a:t>
+            </a:r>
+            <a:r>
+              <a:rPr lang="en-US" dirty="0" err="1">
+                <a:latin typeface="Courier" pitchFamily="2" charset="0"/>
+              </a:rPr>
+              <a:t>len</a:t>
+            </a:r>
+            <a:r>
+              <a:rPr lang="en-US" dirty="0">
+                <a:latin typeface="Courier" pitchFamily="2" charset="0"/>
+              </a:rPr>
+              <a:t> </a:t>
+            </a:r>
+            <a:r>
+              <a:rPr lang="en-US" dirty="0">
+                <a:solidFill>
+                  <a:srgbClr val="666666"/>
+                </a:solidFill>
+                <a:latin typeface="Courier" pitchFamily="2" charset="0"/>
+              </a:rPr>
+              <a:t>=</a:t>
+            </a:r>
+            <a:r>
+              <a:rPr lang="en-US" dirty="0">
+                <a:latin typeface="Courier" pitchFamily="2" charset="0"/>
+              </a:rPr>
+              <a:t> </a:t>
+            </a:r>
+            <a:r>
+              <a:rPr lang="en-US" dirty="0" err="1">
+                <a:latin typeface="Courier" pitchFamily="2" charset="0"/>
+              </a:rPr>
+              <a:t>getline</a:t>
+            </a:r>
+            <a:r>
+              <a:rPr lang="en-US" dirty="0">
+                <a:latin typeface="Courier" pitchFamily="2" charset="0"/>
+              </a:rPr>
+              <a:t>(</a:t>
+            </a:r>
+            <a:r>
+              <a:rPr lang="en-US" dirty="0">
+                <a:solidFill>
+                  <a:srgbClr val="666666"/>
+                </a:solidFill>
+                <a:latin typeface="Courier" pitchFamily="2" charset="0"/>
+              </a:rPr>
+              <a:t>&amp;</a:t>
+            </a:r>
+            <a:r>
+              <a:rPr lang="en-US" dirty="0">
+                <a:latin typeface="Courier" pitchFamily="2" charset="0"/>
+              </a:rPr>
+              <a:t>id, </a:t>
+            </a:r>
+            <a:r>
+              <a:rPr lang="en-US" dirty="0">
+                <a:solidFill>
+                  <a:srgbClr val="666666"/>
+                </a:solidFill>
+                <a:latin typeface="Courier" pitchFamily="2" charset="0"/>
+              </a:rPr>
+              <a:t>&amp;</a:t>
+            </a:r>
+            <a:r>
+              <a:rPr lang="en-US" dirty="0">
+                <a:latin typeface="Courier" pitchFamily="2" charset="0"/>
+              </a:rPr>
+              <a:t>size, stdin);</a:t>
+            </a:r>
+          </a:p>
+          <a:p>
+            <a:r>
+              <a:rPr lang="en-US" dirty="0">
+                <a:latin typeface="Courier" pitchFamily="2" charset="0"/>
+              </a:rPr>
+              <a:t>  id[</a:t>
+            </a:r>
+            <a:r>
+              <a:rPr lang="en-US" dirty="0" err="1">
+                <a:latin typeface="Courier" pitchFamily="2" charset="0"/>
+              </a:rPr>
+              <a:t>len</a:t>
+            </a:r>
+            <a:r>
+              <a:rPr lang="en-US" dirty="0">
+                <a:latin typeface="Courier" pitchFamily="2" charset="0"/>
+              </a:rPr>
+              <a:t> </a:t>
+            </a:r>
+            <a:r>
+              <a:rPr lang="en-US" dirty="0">
+                <a:solidFill>
+                  <a:srgbClr val="666666"/>
+                </a:solidFill>
+                <a:latin typeface="Courier" pitchFamily="2" charset="0"/>
+              </a:rPr>
+              <a:t>-</a:t>
+            </a:r>
+            <a:r>
+              <a:rPr lang="en-US" dirty="0">
+                <a:latin typeface="Courier" pitchFamily="2" charset="0"/>
+              </a:rPr>
+              <a:t> </a:t>
+            </a:r>
+            <a:r>
+              <a:rPr lang="en-US" dirty="0">
+                <a:solidFill>
+                  <a:srgbClr val="666666"/>
+                </a:solidFill>
+                <a:latin typeface="Courier" pitchFamily="2" charset="0"/>
+              </a:rPr>
+              <a:t>1</a:t>
+            </a:r>
+            <a:r>
+              <a:rPr lang="en-US" dirty="0">
+                <a:latin typeface="Courier" pitchFamily="2" charset="0"/>
+              </a:rPr>
+              <a:t>] </a:t>
+            </a:r>
+            <a:r>
+              <a:rPr lang="en-US" dirty="0">
+                <a:solidFill>
+                  <a:srgbClr val="666666"/>
+                </a:solidFill>
+                <a:latin typeface="Courier" pitchFamily="2" charset="0"/>
+              </a:rPr>
+              <a:t>=</a:t>
+            </a:r>
+            <a:r>
+              <a:rPr lang="en-US" dirty="0">
+                <a:latin typeface="Courier" pitchFamily="2" charset="0"/>
+              </a:rPr>
+              <a:t> </a:t>
+            </a:r>
+            <a:r>
+              <a:rPr lang="en-US" dirty="0">
+                <a:solidFill>
+                  <a:srgbClr val="666666"/>
+                </a:solidFill>
+                <a:latin typeface="Courier" pitchFamily="2" charset="0"/>
+              </a:rPr>
+              <a:t>0</a:t>
+            </a:r>
+            <a:r>
+              <a:rPr lang="en-US" dirty="0">
+                <a:latin typeface="Courier" pitchFamily="2" charset="0"/>
+              </a:rPr>
+              <a:t>;</a:t>
+            </a:r>
+          </a:p>
+          <a:p>
+            <a:r>
+              <a:rPr lang="en-US" dirty="0">
+                <a:latin typeface="Courier" pitchFamily="2" charset="0"/>
+              </a:rPr>
+              <a:t>  check(id);</a:t>
+            </a:r>
+          </a:p>
+          <a:p>
+            <a:r>
+              <a:rPr lang="en-US" dirty="0">
+                <a:latin typeface="Courier" pitchFamily="2" charset="0"/>
+              </a:rPr>
+              <a:t>}</a:t>
+            </a:r>
+          </a:p>
+        </p:txBody>
+      </p:sp>
+    </p:spTree>
+    <p:extLst>
+      <p:ext uri="{BB962C8B-B14F-4D97-AF65-F5344CB8AC3E}">
+        <p14:creationId xmlns:p14="http://schemas.microsoft.com/office/powerpoint/2010/main" val="3526623815"/>
+      </p:ext>
+    </p:extLst>
+  </p:cSld>
+  <p:clrMapOvr>
+    <a:masterClrMapping/>
+  </p:clrMapOvr>
+</p:sld>
+</file>
+
+<file path=ppt/slides/slide38.xml><?xml version="1.0" encoding="utf-8"?>
+<p:sld xmlns:a="http://schemas.openxmlformats.org/drawingml/2006/main" xmlns:r="http://schemas.openxmlformats.org/officeDocument/2006/relationships" xmlns:p="http://schemas.openxmlformats.org/presentationml/2006/main">
+  <p:cSld>
+    <p:spTree>
+      <p:nvGrpSpPr>
+        <p:cNvPr id="1" name=""/>
+        <p:cNvGrpSpPr/>
+        <p:nvPr/>
+      </p:nvGrpSpPr>
+      <p:grpSpPr>
+        <a:xfrm>
+          <a:off x="0" y="0"/>
+          <a:ext cx="0" cy="0"/>
+          <a:chOff x="0" y="0"/>
+          <a:chExt cx="0" cy="0"/>
+        </a:xfrm>
+      </p:grpSpPr>
+      <p:sp>
+        <p:nvSpPr>
+          <p:cNvPr id="4" name="Title 3">
+            <a:extLst>
+              <a:ext uri="{FF2B5EF4-FFF2-40B4-BE49-F238E27FC236}">
+                <a16:creationId xmlns:a16="http://schemas.microsoft.com/office/drawing/2014/main" id="{DC5024CD-871D-4241-AEEF-7F8685EE501D}"/>
+              </a:ext>
+            </a:extLst>
+          </p:cNvPr>
+          <p:cNvSpPr>
+            <a:spLocks noGrp="1"/>
+          </p:cNvSpPr>
+          <p:nvPr>
+            <p:ph type="title"/>
+          </p:nvPr>
+        </p:nvSpPr>
+        <p:spPr/>
+        <p:txBody>
+          <a:bodyPr/>
+          <a:lstStyle/>
+          <a:p>
+            <a:r>
+              <a:rPr lang="en-US" dirty="0"/>
+              <a:t>Stack</a:t>
+            </a:r>
+          </a:p>
+        </p:txBody>
+      </p:sp>
+      <p:sp>
+        <p:nvSpPr>
+          <p:cNvPr id="3" name="Slide Number Placeholder 2">
+            <a:extLst>
+              <a:ext uri="{FF2B5EF4-FFF2-40B4-BE49-F238E27FC236}">
+                <a16:creationId xmlns:a16="http://schemas.microsoft.com/office/drawing/2014/main" id="{A09335C1-DA68-6243-B24E-E4D0BF61E043}"/>
+              </a:ext>
+            </a:extLst>
+          </p:cNvPr>
+          <p:cNvSpPr>
+            <a:spLocks noGrp="1"/>
+          </p:cNvSpPr>
+          <p:nvPr>
+            <p:ph type="sldNum" idx="12"/>
+          </p:nvPr>
+        </p:nvSpPr>
+        <p:spPr/>
+        <p:txBody>
+          <a:bodyPr/>
+          <a:lstStyle/>
+          <a:p>
+            <a:fld id="{B8AB1F1C-5B97-FA47-A21B-131B164DAC8F}" type="slidenum">
+              <a:rPr lang="en-US" smtClean="0"/>
+              <a:t>37</a:t>
             </a:fld>
             <a:endParaRPr lang="en-US"/>
           </a:p>
@@ -22397,7 +22662,7 @@
 </p:sld>
 </file>
 
-<file path=ppt/slides/slide38.xml><?xml version="1.0" encoding="utf-8"?>
+<file path=ppt/slides/slide39.xml><?xml version="1.0" encoding="utf-8"?>
 <p:sld xmlns:a="http://schemas.openxmlformats.org/drawingml/2006/main" xmlns:r="http://schemas.openxmlformats.org/officeDocument/2006/relationships" xmlns:p="http://schemas.openxmlformats.org/presentationml/2006/main">
   <p:cSld>
     <p:spTree>
@@ -22465,7 +22730,7 @@
           <a:p>
             <a:fld id="{B8AB1F1C-5B97-FA47-A21B-131B164DAC8F}" type="slidenum">
               <a:rPr lang="en-US" smtClean="0"/>
-              <a:t>37</a:t>
+              <a:t>38</a:t>
             </a:fld>
             <a:endParaRPr lang="en-US"/>
           </a:p>
@@ -23596,7 +23861,119 @@
 </p:sld>
 </file>
 
-<file path=ppt/slides/slide39.xml><?xml version="1.0" encoding="utf-8"?>
+<file path=ppt/slides/slide4.xml><?xml version="1.0" encoding="utf-8"?>
+<p:sld xmlns:a="http://schemas.openxmlformats.org/drawingml/2006/main" xmlns:r="http://schemas.openxmlformats.org/officeDocument/2006/relationships" xmlns:p="http://schemas.openxmlformats.org/presentationml/2006/main">
+  <p:cSld>
+    <p:spTree>
+      <p:nvGrpSpPr>
+        <p:cNvPr id="1" name=""/>
+        <p:cNvGrpSpPr/>
+        <p:nvPr/>
+      </p:nvGrpSpPr>
+      <p:grpSpPr>
+        <a:xfrm>
+          <a:off x="0" y="0"/>
+          <a:ext cx="0" cy="0"/>
+          <a:chOff x="0" y="0"/>
+          <a:chExt cx="0" cy="0"/>
+        </a:xfrm>
+      </p:grpSpPr>
+      <p:sp>
+        <p:nvSpPr>
+          <p:cNvPr id="4" name="Title 3">
+            <a:extLst>
+              <a:ext uri="{FF2B5EF4-FFF2-40B4-BE49-F238E27FC236}">
+                <a16:creationId xmlns:a16="http://schemas.microsoft.com/office/drawing/2014/main" id="{BD4A714B-ABAA-2148-9342-A7418B01A7D8}"/>
+              </a:ext>
+            </a:extLst>
+          </p:cNvPr>
+          <p:cNvSpPr>
+            <a:spLocks noGrp="1"/>
+          </p:cNvSpPr>
+          <p:nvPr>
+            <p:ph type="title"/>
+          </p:nvPr>
+        </p:nvSpPr>
+        <p:spPr/>
+        <p:txBody>
+          <a:bodyPr/>
+          <a:lstStyle/>
+          <a:p>
+            <a:r>
+              <a:rPr lang="en-US" dirty="0"/>
+              <a:t>Is it really secure?</a:t>
+            </a:r>
+          </a:p>
+        </p:txBody>
+      </p:sp>
+      <p:sp>
+        <p:nvSpPr>
+          <p:cNvPr id="5" name="Text Placeholder 4">
+            <a:extLst>
+              <a:ext uri="{FF2B5EF4-FFF2-40B4-BE49-F238E27FC236}">
+                <a16:creationId xmlns:a16="http://schemas.microsoft.com/office/drawing/2014/main" id="{8313A836-D1CA-C84D-AB8F-D1CF3AFA4141}"/>
+              </a:ext>
+            </a:extLst>
+          </p:cNvPr>
+          <p:cNvSpPr>
+            <a:spLocks noGrp="1"/>
+          </p:cNvSpPr>
+          <p:nvPr>
+            <p:ph type="body" idx="1"/>
+          </p:nvPr>
+        </p:nvSpPr>
+        <p:spPr/>
+        <p:txBody>
+          <a:bodyPr/>
+          <a:lstStyle/>
+          <a:p>
+            <a:endParaRPr lang="en-US" dirty="0"/>
+          </a:p>
+        </p:txBody>
+      </p:sp>
+      <p:sp>
+        <p:nvSpPr>
+          <p:cNvPr id="3" name="Slide Number Placeholder 2">
+            <a:extLst>
+              <a:ext uri="{FF2B5EF4-FFF2-40B4-BE49-F238E27FC236}">
+                <a16:creationId xmlns:a16="http://schemas.microsoft.com/office/drawing/2014/main" id="{E2FC923F-98F9-8346-B4C5-57CBEFE1EBCF}"/>
+              </a:ext>
+            </a:extLst>
+          </p:cNvPr>
+          <p:cNvSpPr>
+            <a:spLocks noGrp="1"/>
+          </p:cNvSpPr>
+          <p:nvPr>
+            <p:ph type="sldNum" idx="12"/>
+          </p:nvPr>
+        </p:nvSpPr>
+        <p:spPr/>
+        <p:txBody>
+          <a:bodyPr/>
+          <a:lstStyle/>
+          <a:p>
+            <a:fld id="{B8AB1F1C-5B97-FA47-A21B-131B164DAC8F}" type="slidenum">
+              <a:rPr lang="en-US" smtClean="0"/>
+              <a:t>3</a:t>
+            </a:fld>
+            <a:endParaRPr lang="en-US"/>
+          </a:p>
+        </p:txBody>
+      </p:sp>
+    </p:spTree>
+    <p:extLst>
+      <p:ext uri="{BB962C8B-B14F-4D97-AF65-F5344CB8AC3E}">
+        <p14:creationId xmlns:p14="http://schemas.microsoft.com/office/powerpoint/2010/main" val="713916247"/>
+      </p:ext>
+    </p:extLst>
+  </p:cSld>
+  <p:clrMapOvr>
+    <a:masterClrMapping/>
+  </p:clrMapOvr>
+</p:sld>
+</file>
+
+<file path=ppt/slides/slide40.xml><?xml version="1.0" encoding="utf-8"?>
 <p:sld xmlns:a="http://schemas.openxmlformats.org/drawingml/2006/main" xmlns:r="http://schemas.openxmlformats.org/officeDocument/2006/relationships" xmlns:p="http://schemas.openxmlformats.org/presentationml/2006/main">
   <p:cSld>
     <p:spTree>
@@ -23664,7 +24041,7 @@
           <a:p>
             <a:fld id="{B8AB1F1C-5B97-FA47-A21B-131B164DAC8F}" type="slidenum">
               <a:rPr lang="en-US" smtClean="0"/>
-              <a:t>38</a:t>
+              <a:t>39</a:t>
             </a:fld>
             <a:endParaRPr lang="en-US"/>
           </a:p>
@@ -24850,143 +25227,7 @@
 </p:sld>
 </file>
 
-<file path=ppt/slides/slide4.xml><?xml version="1.0" encoding="utf-8"?>
-<p:sld xmlns:a="http://schemas.openxmlformats.org/drawingml/2006/main" xmlns:r="http://schemas.openxmlformats.org/officeDocument/2006/relationships" xmlns:p="http://schemas.openxmlformats.org/presentationml/2006/main">
-  <p:cSld>
-    <p:spTree>
-      <p:nvGrpSpPr>
-        <p:cNvPr id="1" name=""/>
-        <p:cNvGrpSpPr/>
-        <p:nvPr/>
-      </p:nvGrpSpPr>
-      <p:grpSpPr>
-        <a:xfrm>
-          <a:off x="0" y="0"/>
-          <a:ext cx="0" cy="0"/>
-          <a:chOff x="0" y="0"/>
-          <a:chExt cx="0" cy="0"/>
-        </a:xfrm>
-      </p:grpSpPr>
-      <p:sp>
-        <p:nvSpPr>
-          <p:cNvPr id="2" name="Title 1">
-            <a:extLst>
-              <a:ext uri="{FF2B5EF4-FFF2-40B4-BE49-F238E27FC236}">
-                <a16:creationId xmlns:a16="http://schemas.microsoft.com/office/drawing/2014/main" id="{16B7B02D-B2A4-A842-8C49-62DAF345D9FF}"/>
-              </a:ext>
-            </a:extLst>
-          </p:cNvPr>
-          <p:cNvSpPr>
-            <a:spLocks noGrp="1"/>
-          </p:cNvSpPr>
-          <p:nvPr>
-            <p:ph type="title"/>
-          </p:nvPr>
-        </p:nvSpPr>
-        <p:spPr/>
-        <p:txBody>
-          <a:bodyPr/>
-          <a:lstStyle/>
-          <a:p>
-            <a:r>
-              <a:rPr lang="en-US" dirty="0"/>
-              <a:t>Agenda</a:t>
-            </a:r>
-          </a:p>
-        </p:txBody>
-      </p:sp>
-      <p:sp>
-        <p:nvSpPr>
-          <p:cNvPr id="3" name="Text Placeholder 2">
-            <a:extLst>
-              <a:ext uri="{FF2B5EF4-FFF2-40B4-BE49-F238E27FC236}">
-                <a16:creationId xmlns:a16="http://schemas.microsoft.com/office/drawing/2014/main" id="{059FD9E1-8E16-A045-94BE-E3C361C33C34}"/>
-              </a:ext>
-            </a:extLst>
-          </p:cNvPr>
-          <p:cNvSpPr>
-            <a:spLocks noGrp="1"/>
-          </p:cNvSpPr>
-          <p:nvPr>
-            <p:ph type="body" idx="1"/>
-          </p:nvPr>
-        </p:nvSpPr>
-        <p:spPr/>
-        <p:txBody>
-          <a:bodyPr/>
-          <a:lstStyle/>
-          <a:p>
-            <a:r>
-              <a:rPr lang="en-US" dirty="0"/>
-              <a:t>Linux File Permissions</a:t>
-            </a:r>
-          </a:p>
-          <a:p>
-            <a:r>
-              <a:rPr lang="en-US" dirty="0"/>
-              <a:t>Command Line Injection</a:t>
-            </a:r>
-          </a:p>
-          <a:p>
-            <a:r>
-              <a:rPr lang="en-US" dirty="0"/>
-              <a:t>Directory Traversal</a:t>
-            </a:r>
-          </a:p>
-          <a:p>
-            <a:r>
-              <a:rPr lang="en-US" dirty="0"/>
-              <a:t>Stack Overflow</a:t>
-            </a:r>
-          </a:p>
-          <a:p>
-            <a:endParaRPr lang="en-US" dirty="0"/>
-          </a:p>
-        </p:txBody>
-      </p:sp>
-      <p:sp>
-        <p:nvSpPr>
-          <p:cNvPr id="4" name="Slide Number Placeholder 3">
-            <a:extLst>
-              <a:ext uri="{FF2B5EF4-FFF2-40B4-BE49-F238E27FC236}">
-                <a16:creationId xmlns:a16="http://schemas.microsoft.com/office/drawing/2014/main" id="{D924C305-45CE-D243-AAD4-44A4C0020473}"/>
-              </a:ext>
-            </a:extLst>
-          </p:cNvPr>
-          <p:cNvSpPr>
-            <a:spLocks noGrp="1"/>
-          </p:cNvSpPr>
-          <p:nvPr>
-            <p:ph type="sldNum" idx="12"/>
-          </p:nvPr>
-        </p:nvSpPr>
-        <p:spPr/>
-        <p:txBody>
-          <a:bodyPr/>
-          <a:lstStyle/>
-          <a:p>
-            <a:fld id="{B8AB1F1C-5B97-FA47-A21B-131B164DAC8F}" type="slidenum">
-              <a:rPr lang="en-US" smtClean="0"/>
-              <a:t>3</a:t>
-            </a:fld>
-            <a:endParaRPr lang="en-US"/>
-          </a:p>
-        </p:txBody>
-      </p:sp>
-    </p:spTree>
-    <p:extLst>
-      <p:ext uri="{BB962C8B-B14F-4D97-AF65-F5344CB8AC3E}">
-        <p14:creationId xmlns:p14="http://schemas.microsoft.com/office/powerpoint/2010/main" val="1336717141"/>
-      </p:ext>
-    </p:extLst>
-  </p:cSld>
-  <p:clrMapOvr>
-    <a:masterClrMapping/>
-  </p:clrMapOvr>
-</p:sld>
-</file>
-
-<file path=ppt/slides/slide40.xml><?xml version="1.0" encoding="utf-8"?>
+<file path=ppt/slides/slide41.xml><?xml version="1.0" encoding="utf-8"?>
 <p:sld xmlns:a="http://schemas.openxmlformats.org/drawingml/2006/main" xmlns:r="http://schemas.openxmlformats.org/officeDocument/2006/relationships" xmlns:p="http://schemas.openxmlformats.org/presentationml/2006/main">
   <p:cSld>
     <p:spTree>
@@ -25054,7 +25295,7 @@
           <a:p>
             <a:fld id="{B8AB1F1C-5B97-FA47-A21B-131B164DAC8F}" type="slidenum">
               <a:rPr lang="en-US" smtClean="0"/>
-              <a:t>39</a:t>
+              <a:t>40</a:t>
             </a:fld>
             <a:endParaRPr lang="en-US"/>
           </a:p>
@@ -25719,7 +25960,7 @@
 </p:sld>
 </file>
 
-<file path=ppt/slides/slide41.xml><?xml version="1.0" encoding="utf-8"?>
+<file path=ppt/slides/slide42.xml><?xml version="1.0" encoding="utf-8"?>
 <p:sld xmlns:a="http://schemas.openxmlformats.org/drawingml/2006/main" xmlns:r="http://schemas.openxmlformats.org/officeDocument/2006/relationships" xmlns:p="http://schemas.openxmlformats.org/presentationml/2006/main">
   <p:cSld>
     <p:spTree>
@@ -25800,7 +26041,7 @@
           <a:p>
             <a:fld id="{B8AB1F1C-5B97-FA47-A21B-131B164DAC8F}" type="slidenum">
               <a:rPr lang="en-US" smtClean="0"/>
-              <a:t>40</a:t>
+              <a:t>41</a:t>
             </a:fld>
             <a:endParaRPr lang="en-US"/>
           </a:p>
@@ -25820,6 +26061,142 @@
 </file>
 
 <file path=ppt/slides/slide5.xml><?xml version="1.0" encoding="utf-8"?>
+<p:sld xmlns:a="http://schemas.openxmlformats.org/drawingml/2006/main" xmlns:r="http://schemas.openxmlformats.org/officeDocument/2006/relationships" xmlns:p="http://schemas.openxmlformats.org/presentationml/2006/main">
+  <p:cSld>
+    <p:spTree>
+      <p:nvGrpSpPr>
+        <p:cNvPr id="1" name=""/>
+        <p:cNvGrpSpPr/>
+        <p:nvPr/>
+      </p:nvGrpSpPr>
+      <p:grpSpPr>
+        <a:xfrm>
+          <a:off x="0" y="0"/>
+          <a:ext cx="0" cy="0"/>
+          <a:chOff x="0" y="0"/>
+          <a:chExt cx="0" cy="0"/>
+        </a:xfrm>
+      </p:grpSpPr>
+      <p:sp>
+        <p:nvSpPr>
+          <p:cNvPr id="2" name="Title 1">
+            <a:extLst>
+              <a:ext uri="{FF2B5EF4-FFF2-40B4-BE49-F238E27FC236}">
+                <a16:creationId xmlns:a16="http://schemas.microsoft.com/office/drawing/2014/main" id="{16B7B02D-B2A4-A842-8C49-62DAF345D9FF}"/>
+              </a:ext>
+            </a:extLst>
+          </p:cNvPr>
+          <p:cNvSpPr>
+            <a:spLocks noGrp="1"/>
+          </p:cNvSpPr>
+          <p:nvPr>
+            <p:ph type="title"/>
+          </p:nvPr>
+        </p:nvSpPr>
+        <p:spPr/>
+        <p:txBody>
+          <a:bodyPr/>
+          <a:lstStyle/>
+          <a:p>
+            <a:r>
+              <a:rPr lang="en-US" dirty="0"/>
+              <a:t>Agenda</a:t>
+            </a:r>
+          </a:p>
+        </p:txBody>
+      </p:sp>
+      <p:sp>
+        <p:nvSpPr>
+          <p:cNvPr id="3" name="Text Placeholder 2">
+            <a:extLst>
+              <a:ext uri="{FF2B5EF4-FFF2-40B4-BE49-F238E27FC236}">
+                <a16:creationId xmlns:a16="http://schemas.microsoft.com/office/drawing/2014/main" id="{059FD9E1-8E16-A045-94BE-E3C361C33C34}"/>
+              </a:ext>
+            </a:extLst>
+          </p:cNvPr>
+          <p:cNvSpPr>
+            <a:spLocks noGrp="1"/>
+          </p:cNvSpPr>
+          <p:nvPr>
+            <p:ph type="body" idx="1"/>
+          </p:nvPr>
+        </p:nvSpPr>
+        <p:spPr/>
+        <p:txBody>
+          <a:bodyPr/>
+          <a:lstStyle/>
+          <a:p>
+            <a:r>
+              <a:rPr lang="en-US" dirty="0"/>
+              <a:t>Linux File Permissions</a:t>
+            </a:r>
+          </a:p>
+          <a:p>
+            <a:r>
+              <a:rPr lang="en-US" dirty="0"/>
+              <a:t>Command Line Injection</a:t>
+            </a:r>
+          </a:p>
+          <a:p>
+            <a:r>
+              <a:rPr lang="en-US" dirty="0"/>
+              <a:t>Directory Traversal</a:t>
+            </a:r>
+          </a:p>
+          <a:p>
+            <a:r>
+              <a:rPr lang="en-US" dirty="0"/>
+              <a:t>Stack Overflow</a:t>
+            </a:r>
+          </a:p>
+          <a:p>
+            <a:endParaRPr lang="en-US" dirty="0"/>
+          </a:p>
+        </p:txBody>
+      </p:sp>
+      <p:sp>
+        <p:nvSpPr>
+          <p:cNvPr id="4" name="Slide Number Placeholder 3">
+            <a:extLst>
+              <a:ext uri="{FF2B5EF4-FFF2-40B4-BE49-F238E27FC236}">
+                <a16:creationId xmlns:a16="http://schemas.microsoft.com/office/drawing/2014/main" id="{D924C305-45CE-D243-AAD4-44A4C0020473}"/>
+              </a:ext>
+            </a:extLst>
+          </p:cNvPr>
+          <p:cNvSpPr>
+            <a:spLocks noGrp="1"/>
+          </p:cNvSpPr>
+          <p:nvPr>
+            <p:ph type="sldNum" idx="12"/>
+          </p:nvPr>
+        </p:nvSpPr>
+        <p:spPr/>
+        <p:txBody>
+          <a:bodyPr/>
+          <a:lstStyle/>
+          <a:p>
+            <a:fld id="{B8AB1F1C-5B97-FA47-A21B-131B164DAC8F}" type="slidenum">
+              <a:rPr lang="en-US" smtClean="0"/>
+              <a:t>4</a:t>
+            </a:fld>
+            <a:endParaRPr lang="en-US"/>
+          </a:p>
+        </p:txBody>
+      </p:sp>
+    </p:spTree>
+    <p:extLst>
+      <p:ext uri="{BB962C8B-B14F-4D97-AF65-F5344CB8AC3E}">
+        <p14:creationId xmlns:p14="http://schemas.microsoft.com/office/powerpoint/2010/main" val="1336717141"/>
+      </p:ext>
+    </p:extLst>
+  </p:cSld>
+  <p:clrMapOvr>
+    <a:masterClrMapping/>
+  </p:clrMapOvr>
+</p:sld>
+</file>
+
+<file path=ppt/slides/slide6.xml><?xml version="1.0" encoding="utf-8"?>
 <p:sld xmlns:a="http://schemas.openxmlformats.org/drawingml/2006/main" xmlns:r="http://schemas.openxmlformats.org/officeDocument/2006/relationships" xmlns:p="http://schemas.openxmlformats.org/presentationml/2006/main">
   <p:cSld>
     <p:spTree>
@@ -25894,7 +26271,7 @@
           <a:p>
             <a:fld id="{B8AB1F1C-5B97-FA47-A21B-131B164DAC8F}" type="slidenum">
               <a:rPr lang="en-US" smtClean="0"/>
-              <a:t>4</a:t>
+              <a:t>5</a:t>
             </a:fld>
             <a:endParaRPr lang="en-US"/>
           </a:p>
@@ -25913,7 +26290,7 @@
 </p:sld>
 </file>
 
-<file path=ppt/slides/slide6.xml><?xml version="1.0" encoding="utf-8"?>
+<file path=ppt/slides/slide7.xml><?xml version="1.0" encoding="utf-8"?>
 <p:sld xmlns:a="http://schemas.openxmlformats.org/drawingml/2006/main" xmlns:r="http://schemas.openxmlformats.org/officeDocument/2006/relationships" xmlns:p="http://schemas.openxmlformats.org/presentationml/2006/main">
   <p:cSld>
     <p:spTree>
@@ -26018,7 +26395,7 @@
           <a:p>
             <a:fld id="{B8AB1F1C-5B97-FA47-A21B-131B164DAC8F}" type="slidenum">
               <a:rPr lang="en-US" smtClean="0"/>
-              <a:t>5</a:t>
+              <a:t>6</a:t>
             </a:fld>
             <a:endParaRPr lang="en-US"/>
           </a:p>
@@ -26067,7 +26444,7 @@
 </p:sld>
 </file>
 
-<file path=ppt/slides/slide7.xml><?xml version="1.0" encoding="utf-8"?>
+<file path=ppt/slides/slide8.xml><?xml version="1.0" encoding="utf-8"?>
 <p:sld xmlns:a="http://schemas.openxmlformats.org/drawingml/2006/main" xmlns:r="http://schemas.openxmlformats.org/officeDocument/2006/relationships" xmlns:p="http://schemas.openxmlformats.org/presentationml/2006/main">
   <p:cSld>
     <p:spTree>
@@ -26204,7 +26581,7 @@
           <a:p>
             <a:fld id="{B8AB1F1C-5B97-FA47-A21B-131B164DAC8F}" type="slidenum">
               <a:rPr lang="en-US" smtClean="0"/>
-              <a:t>6</a:t>
+              <a:t>7</a:t>
             </a:fld>
             <a:endParaRPr lang="en-US"/>
           </a:p>
@@ -26223,7 +26600,7 @@
 </p:sld>
 </file>
 
-<file path=ppt/slides/slide8.xml><?xml version="1.0" encoding="utf-8"?>
+<file path=ppt/slides/slide9.xml><?xml version="1.0" encoding="utf-8"?>
 <p:sld xmlns:a="http://schemas.openxmlformats.org/drawingml/2006/main" xmlns:r="http://schemas.openxmlformats.org/officeDocument/2006/relationships" xmlns:p="http://schemas.openxmlformats.org/presentationml/2006/main">
   <p:cSld>
     <p:spTree>
@@ -26334,7 +26711,7 @@
           <a:p>
             <a:fld id="{B8AB1F1C-5B97-FA47-A21B-131B164DAC8F}" type="slidenum">
               <a:rPr lang="en-US" smtClean="0"/>
-              <a:t>7</a:t>
+              <a:t>8</a:t>
             </a:fld>
             <a:endParaRPr lang="en-US"/>
           </a:p>
@@ -26344,98 +26721,6 @@
     <p:extLst>
       <p:ext uri="{BB962C8B-B14F-4D97-AF65-F5344CB8AC3E}">
         <p14:creationId xmlns:p14="http://schemas.microsoft.com/office/powerpoint/2010/main" val="3319729675"/>
-      </p:ext>
-    </p:extLst>
-  </p:cSld>
-  <p:clrMapOvr>
-    <a:masterClrMapping/>
-  </p:clrMapOvr>
-</p:sld>
-</file>
-
-<file path=ppt/slides/slide9.xml><?xml version="1.0" encoding="utf-8"?>
-<p:sld xmlns:a="http://schemas.openxmlformats.org/drawingml/2006/main" xmlns:r="http://schemas.openxmlformats.org/officeDocument/2006/relationships" xmlns:p="http://schemas.openxmlformats.org/presentationml/2006/main">
-  <p:cSld>
-    <p:spTree>
-      <p:nvGrpSpPr>
-        <p:cNvPr id="1" name=""/>
-        <p:cNvGrpSpPr/>
-        <p:nvPr/>
-      </p:nvGrpSpPr>
-      <p:grpSpPr>
-        <a:xfrm>
-          <a:off x="0" y="0"/>
-          <a:ext cx="0" cy="0"/>
-          <a:chOff x="0" y="0"/>
-          <a:chExt cx="0" cy="0"/>
-        </a:xfrm>
-      </p:grpSpPr>
-      <p:sp>
-        <p:nvSpPr>
-          <p:cNvPr id="2" name="Title 1">
-            <a:extLst>
-              <a:ext uri="{FF2B5EF4-FFF2-40B4-BE49-F238E27FC236}">
-                <a16:creationId xmlns:a16="http://schemas.microsoft.com/office/drawing/2014/main" id="{141276A0-D3A4-EA4E-AC1D-6CEA002263C6}"/>
-              </a:ext>
-            </a:extLst>
-          </p:cNvPr>
-          <p:cNvSpPr>
-            <a:spLocks noGrp="1"/>
-          </p:cNvSpPr>
-          <p:nvPr>
-            <p:ph type="ctrTitle"/>
-          </p:nvPr>
-        </p:nvSpPr>
-        <p:spPr>
-          <a:xfrm>
-            <a:off x="5217007" y="2212733"/>
-            <a:ext cx="5525520" cy="1546400"/>
-          </a:xfrm>
-        </p:spPr>
-        <p:txBody>
-          <a:bodyPr/>
-          <a:lstStyle/>
-          <a:p>
-            <a:r>
-              <a:rPr lang="en-US" dirty="0"/>
-              <a:t>Command Line Injection</a:t>
-            </a:r>
-          </a:p>
-        </p:txBody>
-      </p:sp>
-      <p:sp>
-        <p:nvSpPr>
-          <p:cNvPr id="3" name="Slide Number Placeholder 2">
-            <a:extLst>
-              <a:ext uri="{FF2B5EF4-FFF2-40B4-BE49-F238E27FC236}">
-                <a16:creationId xmlns:a16="http://schemas.microsoft.com/office/drawing/2014/main" id="{08B17614-17AC-A745-87A4-6AD5C7189924}"/>
-              </a:ext>
-            </a:extLst>
-          </p:cNvPr>
-          <p:cNvSpPr>
-            <a:spLocks noGrp="1"/>
-          </p:cNvSpPr>
-          <p:nvPr>
-            <p:ph type="sldNum" idx="12"/>
-          </p:nvPr>
-        </p:nvSpPr>
-        <p:spPr/>
-        <p:txBody>
-          <a:bodyPr/>
-          <a:lstStyle/>
-          <a:p>
-            <a:fld id="{B8AB1F1C-5B97-FA47-A21B-131B164DAC8F}" type="slidenum">
-              <a:rPr lang="en-US" smtClean="0"/>
-              <a:t>8</a:t>
-            </a:fld>
-            <a:endParaRPr lang="en-US"/>
-          </a:p>
-        </p:txBody>
-      </p:sp>
-    </p:spTree>
-    <p:extLst>
-      <p:ext uri="{BB962C8B-B14F-4D97-AF65-F5344CB8AC3E}">
-        <p14:creationId xmlns:p14="http://schemas.microsoft.com/office/powerpoint/2010/main" val="1792878916"/>
       </p:ext>
     </p:extLst>
   </p:cSld>
